--- a/intel_IP/IRIS/HW_IP/Interface/I2C/I2C SM_357.pptx
+++ b/intel_IP/IRIS/HW_IP/Interface/I2C/I2C SM_357.pptx
@@ -5,18 +5,15 @@
     <p:sldMasterId id="2147483648" r:id="rId1"/>
   </p:sldMasterIdLst>
   <p:sldIdLst>
-    <p:sldId id="256" r:id="rId2"/>
-    <p:sldId id="257" r:id="rId3"/>
-    <p:sldId id="258" r:id="rId4"/>
-    <p:sldId id="264" r:id="rId5"/>
-    <p:sldId id="265" r:id="rId6"/>
-    <p:sldId id="267" r:id="rId7"/>
-    <p:sldId id="266" r:id="rId8"/>
-    <p:sldId id="259" r:id="rId9"/>
-    <p:sldId id="260" r:id="rId10"/>
-    <p:sldId id="261" r:id="rId11"/>
-    <p:sldId id="262" r:id="rId12"/>
-    <p:sldId id="263" r:id="rId13"/>
+    <p:sldId id="264" r:id="rId2"/>
+    <p:sldId id="265" r:id="rId3"/>
+    <p:sldId id="267" r:id="rId4"/>
+    <p:sldId id="266" r:id="rId5"/>
+    <p:sldId id="259" r:id="rId6"/>
+    <p:sldId id="260" r:id="rId7"/>
+    <p:sldId id="261" r:id="rId8"/>
+    <p:sldId id="262" r:id="rId9"/>
+    <p:sldId id="263" r:id="rId10"/>
   </p:sldIdLst>
   <p:sldSz cx="12192000" cy="6858000"/>
   <p:notesSz cx="6858000" cy="9144000"/>
@@ -139,15 +136,15 @@
           <inkml:channelProperty channel="F" name="resolution" value="0" units="1/dev"/>
         </inkml:channelProperties>
       </inkml:inkSource>
-      <inkml:timestamp xml:id="ts0" timeString="2024-11-23T16:37:31.825"/>
+      <inkml:timestamp xml:id="ts0" timeString="2024-12-05T08:27:36.048"/>
     </inkml:context>
     <inkml:brush xml:id="br0">
-      <inkml:brushProperty name="width" value="0.035" units="cm"/>
-      <inkml:brushProperty name="height" value="0.035" units="cm"/>
+      <inkml:brushProperty name="width" value="0.1" units="cm"/>
+      <inkml:brushProperty name="height" value="0.1" units="cm"/>
       <inkml:brushProperty name="color" value="#E71224"/>
     </inkml:brush>
   </inkml:definitions>
-  <inkml:trace contextRef="#ctx0" brushRef="#br0">3318 2158 24575,'2'43'0,"10"58"0,1 28 0,-10 432 0,-5-289 0,0-233 0,-3 1 0,-15 70 0,9-62 0,-5 63 0,12 360 0,7-249 0,-3 3982 0,1-4182 0,1-1 0,8 35 0,-5-33 0,-1 0 0,1 25 0,-3 535 0,-4-282 0,3-284 0,1-1 0,0 0 0,1 1 0,1-1 0,1 0 0,0 0 0,1-1 0,1 0 0,10 18 0,14 20 0,44 54 0,-55-79 0,17 24 0,-13-16 0,37 41 0,-50-65 0,1 0 0,0-1 0,1-1 0,0 0 0,1-1 0,27 15 0,54 21 0,1-3 0,2-5 0,2-4 0,1-4 0,188 27 0,511-5 0,-635-49 0,135-6 0,-119-22 0,-119 14 0,91-5 0,-82 18 0,-1 3 0,0 3 0,-1 3 0,93 26 0,207 34 0,-139-30 0,212 32 0,-144-26 0,114 17 0,-303-46 0,63 14 0,-124-22 0,0-2 0,0-2 0,0-3 0,83-5 0,-28 0 0,13 5 0,115-4 0,-202 0 0,-1-1 0,0-2 0,0-1 0,-1-1 0,52-21 0,-63 20 0,0-1 0,-1-1 0,0-1 0,0 0 0,-1-1 0,0-1 0,-2 0 0,1 0 0,-1-2 0,14-21 0,7-18 0,44-94 0,26-54 0,17-34 0,-66 125 0,-23 51 0,33-94 0,-20 37 0,61-116 0,-54 129 0,57-170 0,75-368 0,-170 588 0,5-66 0,-11 66 0,18-68 0,16-60 0,-9 32 0,1-38 0,-6 24 0,-17 102 0,-3-1 0,-3 0 0,-6-103 0,0 46 0,3-116 0,-3-243 0,-13 285 0,-55-276 0,-5-38 0,-36-396 0,95 790 0,-15-79 0,-9-74 0,14 130 0,15 90 0,-5-57 0,-27-210 0,1 5 0,10 61 0,7 65 0,14 121 0,-2 0 0,-24-68 0,11 43 0,-28-136 0,-26-87 0,51 232 0,-4 2 0,-2 2 0,-54-84 0,82 148 0,-23-42 0,-3 1 0,-3 2 0,-64-71 0,83 105 0,-1 1 0,0 0 0,-1 1 0,-1 1 0,-38-17 0,-115-36 0,121 47 0,-52-14 0,-2 4 0,-1 5 0,-1 4 0,-159-7 0,-152-14 0,-109-5 0,440 41 0,-96-19 0,101 11 0,-124-3 0,147 15 0,-922-15 0,804 6 0,-382-40 0,432 30 0,-166-2 0,-130 22 0,169 2 0,-84 14 0,23-5 0,15-2 0,140 2 0,-187 25 0,214-2 0,88-21 0,-63 11 0,-9-6 0,-195 25 0,-192-15 0,-2-31 0,169-1 0,210 1 0,-135 5 0,247-2 0,0 2 0,0-1 0,0 2 0,1 0 0,0 1 0,0 0 0,0 2 0,0-1 0,1 2 0,0 0 0,1 0 0,-19 16 0,15-8 0,1 0 0,0 1 0,1 1 0,1 0 0,1 1 0,1 0 0,-20 41 0,13-13 0,2 1 0,2 0 0,2 2 0,2-1 0,2 2 0,3-1 0,0 63 0,10 62 0,-1-150 0,1-1 0,1 0 0,1 0 0,1-1 0,11 24 0,-3-16 0,2 0 0,1-2 0,1 0 0,1-1 0,2-1 0,0-1 0,2 0 0,1-2 0,1-1 0,1-2 0,1 0 0,31 17 0,42 18 0,2-5 0,137 48 0,-124-52 0,393 113 0,-410-133 0,-57-15 0,0-2 0,1-1 0,0-3 0,80 2 0,40-10-1365,-140 2-5461</inkml:trace>
+  <inkml:trace contextRef="#ctx0" brushRef="#br0">2083 2362 24575,'0'1316'0,"-14"-1158"0,1-8 0,12 402 0,2-260 0,1-261 0,2 1 0,1-1 0,14 50 0,0-2 0,80 311 0,-59-127 0,9 41 0,-8-59 0,-41-240 0,6 66 0,-3 86 0,-5-92 0,15 122 0,3-35 0,-5-30 0,-7-84 0,29 276 0,-27-263 0,3 0 0,1-1 0,28 78 0,-1-4 0,63 265 0,-28-101 0,-5-58 0,-6-25 0,7 61 0,-23-107 0,6-2 0,95 202 0,-136-340 0,125 234 0,-6-72 0,-115-161 0,0 0 0,2 0 0,0-2 0,1 0 0,0-1 0,2 0 0,20 13 0,76 36 0,-5-3 0,-88-51 0,1-1 0,0-1 0,0-1 0,1-2 0,0 0 0,0-1 0,31 3 0,60 16 0,291 62 0,-217-53 0,143 43 0,-52-29 0,-138-26 0,-44-3 0,-52-9 0,0-2 0,89 5 0,-75-11 0,72 14 0,-57-6 0,129 10 0,131 19 0,-2 3 0,-210-33 0,171 6 0,754-16 0,-992-3 0,0-2 0,0-2 0,58-17 0,56-8 0,-77 15 0,140-45 0,-121 30 0,-74 21 0,-2-2 0,1-1 0,-2-2 0,0-1 0,-1-2 0,34-27 0,-21 11 0,-2-2 0,-1-2 0,52-63 0,-61 63 0,-3-2 0,-1-1 0,-3-1 0,-1-2 0,-2 0 0,-2-2 0,-3 0 0,-1-2 0,-3 0 0,-2-1 0,10-66 0,0-475 0,-24 559 0,13-220 0,1-4 0,-15 118 0,16-454 0,-2-92 0,-16 418 0,3-522 0,2 747 0,9-56 0,3-31 0,-12-32 0,10-219 0,1-402 0,-16 486 0,-9 62 0,0 39 0,-15-107 0,0-38 0,8-25 0,10 219 0,-3-21 0,-3 46 0,8 51 0,-3 1 0,-32-115 0,19 101 0,-22-156 0,18 79 0,-18-32 0,39 156 0,-100-496 0,83 443 0,13 48 0,-1 1 0,-33-78 0,30 88 0,-2 0 0,-1 1 0,-2 1 0,-1 0 0,-1 2 0,-1 0 0,-1 2 0,-1 0 0,-1 1 0,-1 2 0,-35-22 0,-7-1 0,29 18 0,-1 1 0,-1 1 0,-55-21 0,-30 3 0,-2 5 0,-2 5 0,-175-19 0,-123 3 0,157 33 0,55 4 0,-7 5 0,17 2 0,101-8 0,61 6 0,-58-2 0,-1386 9 0,1453 1 0,0 2 0,1 1 0,-38 10 0,-61 9 0,47-11 0,53-7 0,-52 3 0,-14 3 0,8 0 0,-26 1 0,-10 1 0,-50 10 0,-627-21 0,408-5 0,-565 2 0,929 1 0,0 3 0,-32 6 0,-12 2 0,-104 14 0,97-16 0,38-3 0,-59 1 0,65-6 0,-46 9 0,-33 1 0,-433-13 0,513 3 0,-67 13 0,42-5 0,41-7 0,-1 1 0,1 1 0,1 1 0,-1 1 0,1 1 0,0 0 0,0 2 0,1 1 0,1 0 0,0 1 0,0 1 0,1 1 0,1 1 0,0 0 0,1 1 0,1 1 0,1 0 0,0 1 0,-15 27 0,22-33 0,0 1 0,1 0 0,1 1 0,0 0 0,0 0 0,1 0 0,1 0 0,1 0 0,0 1 0,1-1 0,0 1 0,2 26 0,0-18 0,0 0 0,1-1 0,6 26 0,-6-40 0,0-1 0,1 1 0,-1-1 0,2 0 0,-1 0 0,1 0 0,0 0 0,1-1 0,0 0 0,0 1 0,0-2 0,12 11 0,14 10 0,145 112 0,-126-102 0,-27-19 0,1 0 0,1-1 0,1-2 0,35 15 0,310 120 0,-300-126 0,1-4 0,1-3 0,100 9 0,-168-24 0,-1 0 0,0-1 0,1 0 0,-1 0 0,1 0 0,-1 0 0,0-1 0,1 0 0,-1 0 0,0 0 0,1 0 0,-1-1 0,6-2 0,-8 2 0,0 0 0,0 0 0,0 0 0,0-1 0,0 1 0,0-1 0,0 1 0,-1-1 0,1 1 0,-1-1 0,0 0 0,1 0 0,-2 0 0,1 0 0,0 0 0,0 0 0,-1 0 0,0 0 0,1 0 0,-2-4 0,1-38 0,-2 1 0,-2 0 0,-12-48 0,6 30 0,6 37 0,-1 0 0,-1 0 0,-1 0 0,-1 1 0,-13-25 0,21 49-20,0-1 1,0 1-1,0 0 0,0-1 0,0 1 1,0 0-1,0-1 0,0 1 0,0 0 0,0-1 1,0 1-1,0 0 0,0-1 0,-1 1 0,1 0 1,0-1-1,0 1 0,0 0 0,-1 0 1,1-1-1,0 1 0,0 0 0,-1 0 0,1-1 1,0 1-1,-1 0 0,1 0 0,0 0 0,0 0 1,-1-1-1,1 1 0,0 0 0,-1 0 1,1 0-1,0 0 0,-1 0 0,1 0 0,0 0 1,-1 0-1,1 0 0,-1 0 0,1 0 0,0 0 1,-1 0-1,1 0 0,0 0 0,-1 1 1,1-1-1,0 0 0,-1 0 0,1 0 0,0 0 1,0 1-1,-1-1 0,1 0 0,0 0 0,0 1 1,-1-1-1,1 0 0,0 0 0,0 1 0,0-1 1,-1 0-1,1 1 0,0-1 0,0 0 1,0 1-1,0 0 0,-6 14-6806</inkml:trace>
 </inkml:ink>
 </file>
 
@@ -167,15 +164,15 @@
           <inkml:channelProperty channel="F" name="resolution" value="0" units="1/dev"/>
         </inkml:channelProperties>
       </inkml:inkSource>
-      <inkml:timestamp xml:id="ts0" timeString="2024-11-23T16:39:27.591"/>
+      <inkml:timestamp xml:id="ts0" timeString="2024-12-05T08:32:55.931"/>
     </inkml:context>
     <inkml:brush xml:id="br0">
-      <inkml:brushProperty name="width" value="0.035" units="cm"/>
-      <inkml:brushProperty name="height" value="0.035" units="cm"/>
-      <inkml:brushProperty name="color" value="#66CC00"/>
+      <inkml:brushProperty name="width" value="0.1" units="cm"/>
+      <inkml:brushProperty name="height" value="0.1" units="cm"/>
+      <inkml:brushProperty name="color" value="#008C3A"/>
     </inkml:brush>
   </inkml:definitions>
-  <inkml:trace contextRef="#ctx0" brushRef="#br0">0 259 24575,'18'0'0,"0"2"0,1 0 0,-2 1 0,1 1 0,0 0 0,-1 2 0,31 13 0,0 5 0,59 40 0,-84-49 0,75 32 0,-95-47 0,-1 1 0,1 0 0,-1-1 0,1 1 0,-1-1 0,1 0 0,-1 0 0,1 0 0,0 0 0,-1 0 0,1-1 0,-1 1 0,1-1 0,-1 0 0,0 0 0,1 0 0,-1 0 0,0 0 0,1 0 0,-1 0 0,0-1 0,0 1 0,0-1 0,0 0 0,0 1 0,-1-1 0,3-2 0,9-10 0,-1 0 0,17-25 0,-19 25 0,246-321-1365,-246 323-5461</inkml:trace>
+  <inkml:trace contextRef="#ctx0" brushRef="#br0">186 203 24575,'2'-11'0,"0"1"0,1 0 0,0-1 0,1 1 0,0 0 0,0 1 0,8-12 0,-8 13 0,1-3 0,1 1 0,0-1 0,1 1 0,0 0 0,1 1 0,0 0 0,9-9 0,-15 17 0,0-1 0,0 1 0,0-1 0,0 1 0,1 0 0,-1 0 0,0 0 0,1 0 0,-1 0 0,0 0 0,1 1 0,-1-1 0,1 1 0,-1 0 0,1 0 0,3 0 0,-3 1 0,0-1 0,0 1 0,0 1 0,0-1 0,-1 0 0,1 1 0,0-1 0,-1 1 0,1 0 0,-1 0 0,0 0 0,1 0 0,-1 0 0,0 1 0,0-1 0,3 5 0,5 10 0,-1-1 0,-1 1 0,0 1 0,-1-1 0,-1 1 0,0 1 0,-2-1 0,0 1 0,-1 0 0,1 19 0,-2 10 0,-1 0 0,-11 85 0,2-91 0,-1-1 0,-2 0 0,-2-1 0,-1 0 0,-2-1 0,-39 67 0,50-99 0,0 0 0,0 0 0,-1 0 0,0 0 0,0-1 0,-1 0 0,0 0 0,0-1 0,0 0 0,0 0 0,-13 5 0,6-3 0,1-2 0,-2 0 0,1 0 0,0-2 0,-1 0 0,-16 2 0,28-5 0,-1 1 0,1-1 0,0 0 0,-1 0 0,1-1 0,0 1 0,0-1 0,-1 0 0,1 1 0,0-1 0,0-1 0,0 1 0,0 0 0,0-1 0,0 1 0,0-1 0,1 0 0,-1 0 0,1 0 0,-4-4 0,2 1 0,0 0 0,1 0 0,-1-1 0,1 0 0,0 0 0,1 0 0,-1 0 0,1 0 0,-2-11 0,0-5 0,1 0 0,1 1 0,1-1 0,2 0 0,2-28 0,-3 47 0,0-1 0,1 1 0,-1 0 0,1 0 0,-1 0 0,1 0 0,0 0 0,0 0 0,0 0 0,0 1 0,1-1 0,-1 0 0,1 1 0,0-1 0,0 1 0,0-1 0,0 1 0,0 0 0,0 0 0,0 0 0,1 0 0,-1 0 0,1 0 0,0 1 0,-1-1 0,1 1 0,0 0 0,0-1 0,0 2 0,0-1 0,0 0 0,0 0 0,4 1 0,0 0 0,0 0 0,0 1 0,0 0 0,-1 1 0,1 0 0,-1 0 0,1 0 0,-1 1 0,0-1 0,1 2 0,-2-1 0,1 1 0,0 0 0,6 6 0,52 46 0,-30-25 0,68 48 0,-72-62-35,1-1 0,0-2 0,1-1 0,1-2 0,46 10-1,-14-3-1118,-43-11-5672</inkml:trace>
 </inkml:ink>
 </file>
 
@@ -195,15 +192,15 @@
           <inkml:channelProperty channel="F" name="resolution" value="0" units="1/dev"/>
         </inkml:channelProperties>
       </inkml:inkSource>
-      <inkml:timestamp xml:id="ts0" timeString="2024-11-23T16:39:32.275"/>
+      <inkml:timestamp xml:id="ts0" timeString="2024-12-05T08:32:56.510"/>
     </inkml:context>
     <inkml:brush xml:id="br0">
-      <inkml:brushProperty name="width" value="0.035" units="cm"/>
-      <inkml:brushProperty name="height" value="0.035" units="cm"/>
-      <inkml:brushProperty name="color" value="#66CC00"/>
+      <inkml:brushProperty name="width" value="0.1" units="cm"/>
+      <inkml:brushProperty name="height" value="0.1" units="cm"/>
+      <inkml:brushProperty name="color" value="#008C3A"/>
     </inkml:brush>
   </inkml:definitions>
-  <inkml:trace contextRef="#ctx0" brushRef="#br0">18 2 24575,'82'-1'0,"145"5"0,-199-1 0,0 0 0,-1 2 0,1 1 0,-1 1 0,49 21 0,-70-26 0,-1 1 0,0-1 0,1 1 0,-1 0 0,-1 1 0,1-1 0,0 1 0,-1 0 0,0 0 0,0 1 0,0-1 0,0 1 0,-1 0 0,0 0 0,0 0 0,0 0 0,2 6 0,-2 2 0,0 0 0,0 0 0,-2 1 0,0-1 0,0 0 0,-2 21 0,0-23 0,0 0 0,0 0 0,-1 0 0,-1 0 0,0 0 0,0-1 0,-1 1 0,0-1 0,-1 0 0,0 0 0,-1-1 0,0 0 0,0 0 0,-1 0 0,-9 8 0,4-4 0,-2-2 0,1 0 0,-2 0 0,1-1 0,-1-1 0,-1-1 0,0 0 0,-31 11 0,-6-1 0,0-2 0,-61 10 0,69-22 0,-84-3 0,298-1 0,-61-2 0,172 20 0,-208-11-362,119-2-1,-165-6-277,-2 1-6186</inkml:trace>
+  <inkml:trace contextRef="#ctx0" brushRef="#br0">0 0 24575,'4'0'0,"2"4"0,4 2 0,0 4 0</inkml:trace>
 </inkml:ink>
 </file>
 
@@ -223,15 +220,15 @@
           <inkml:channelProperty channel="F" name="resolution" value="0" units="1/dev"/>
         </inkml:channelProperties>
       </inkml:inkSource>
-      <inkml:timestamp xml:id="ts0" timeString="2024-11-23T16:39:34.334"/>
+      <inkml:timestamp xml:id="ts0" timeString="2024-12-05T08:33:01.329"/>
     </inkml:context>
     <inkml:brush xml:id="br0">
-      <inkml:brushProperty name="width" value="0.035" units="cm"/>
-      <inkml:brushProperty name="height" value="0.035" units="cm"/>
-      <inkml:brushProperty name="color" value="#66CC00"/>
+      <inkml:brushProperty name="width" value="0.1" units="cm"/>
+      <inkml:brushProperty name="height" value="0.1" units="cm"/>
+      <inkml:brushProperty name="color" value="#E71224"/>
     </inkml:brush>
   </inkml:definitions>
-  <inkml:trace contextRef="#ctx0" brushRef="#br0">1083 1856 24575,'-22'-3'0,"0"0"0,0-2 0,0 0 0,0-1 0,1-1 0,-32-16 0,-2 0 0,-21-4 0,-176-73 0,224 86 0,1-1 0,0-1 0,0-1 0,2-2 0,0 0 0,-32-35 0,34 25 0,2-2 0,1 0 0,1-1 0,2-1 0,-23-63 0,-8-11 0,48 106 0,-26-52 0,-39-111 0,60 148 0,1-1 0,0 1 0,1-1 0,1 0 0,1 1 0,0-1 0,1 0 0,1 0 0,0 0 0,2 0 0,7-29 0,-6 35 0,1 1 0,0 0 0,0 0 0,1 1 0,0 0 0,1 0 0,0 0 0,1 1 0,10-10 0,14-10 0,39-25 0,-32 24 0,56-38 0,113-61 0,112-39 0,-273 146 0,62-18 0,-12 5 0,-79 28 0,0 1 0,0 1 0,1 1 0,-1 0 0,1 2 0,0 0 0,0 1 0,-1 1 0,1 0 0,35 9 0,7 4 0,110 43 0,-24 6 0,-130-55 0,-1 1 0,0 0 0,0 2 0,-1 0 0,-1 0 0,21 23 0,-27-23 0,0 0 0,-1 1 0,0 0 0,-1 0 0,0 1 0,-1 0 0,-1 0 0,5 19 0,0 10 0,5 59 0,-8 272 0,-8-220 0,0-125 0,0 0 0,-2 0 0,-1-1 0,-2 0 0,0 0 0,-21 48 0,-6-1 0,-45 72 0,55-105 0,-2 0 0,-43 50 0,58-78 0,-2 0 0,1 0 0,-1-1 0,-1-1 0,0 0 0,-1-1 0,0 0 0,-1-1 0,-27 11 0,-2-6 0,-49 7 0,11-3 0,20-4-682,-82 8-1,121-20-6143</inkml:trace>
+  <inkml:trace contextRef="#ctx0" brushRef="#br0">1 1 24575,'0'694'0,"5"-648"-1365,0-29-5461</inkml:trace>
 </inkml:ink>
 </file>
 
@@ -251,15 +248,15 @@
           <inkml:channelProperty channel="F" name="resolution" value="0" units="1/dev"/>
         </inkml:channelProperties>
       </inkml:inkSource>
-      <inkml:timestamp xml:id="ts0" timeString="2024-11-23T16:39:56.679"/>
+      <inkml:timestamp xml:id="ts0" timeString="2024-12-05T08:33:02.007"/>
     </inkml:context>
     <inkml:brush xml:id="br0">
-      <inkml:brushProperty name="width" value="0.035" units="cm"/>
-      <inkml:brushProperty name="height" value="0.035" units="cm"/>
+      <inkml:brushProperty name="width" value="0.1" units="cm"/>
+      <inkml:brushProperty name="height" value="0.1" units="cm"/>
       <inkml:brushProperty name="color" value="#E71224"/>
     </inkml:brush>
   </inkml:definitions>
-  <inkml:trace contextRef="#ctx0" brushRef="#br0">2408 2682 24575,'1'0'0,"0"0"0,0 1 0,0-1 0,0 0 0,0 1 0,0-1 0,0 1 0,0 0 0,0-1 0,0 1 0,0 0 0,-1-1 0,1 1 0,0 0 0,-1 0 0,1 0 0,0-1 0,-1 1 0,1 0 0,-1 0 0,0 0 0,1 0 0,-1 0 0,0 0 0,1 0 0,-1 0 0,0 2 0,5 34 0,-4-31 0,4 385 0,-7-215 0,4 46 0,-5 233 0,-10-315 0,-2 44 0,2-32 0,0-18 0,10 690 0,5-423 0,-2-207 0,17 577 0,-6-309 0,0 11 0,7-296 0,9 196 0,-24-315 0,2 1 0,18 85 0,56 182 0,11-23 0,-31-113 0,-39-119 0,8 28 0,53 128 0,-61-182 0,1-1 0,3-1 0,1-1 0,60 74 0,13 17 0,50 74 0,-115-166 0,-23-26 0,2 0 0,0 0 0,0-1 0,1-1 0,1 0 0,0 0 0,1-2 0,0 0 0,29 16 0,-16-16 0,0-1 0,1 0 0,0-3 0,1 0 0,52 4 0,157-4 0,-116-6 0,9 8 0,-1 6 0,158 38 0,41-7 0,-154-26 0,86 26 0,301 93 0,-250-39 0,-114-33 0,104 40 0,318 86 0,-547-177 0,1-4 0,108 5 0,-75-8 0,54 0 0,37 3 0,211 0 0,-280-13 0,-108 1 0,1-1 0,-1 0 0,0-2 0,1-1 0,-1-1 0,-1 0 0,1-2 0,-1 0 0,0-2 0,-1 0 0,0-1 0,0-1 0,-1-1 0,0-1 0,-1 0 0,-1-2 0,0 0 0,-1 0 0,-1-2 0,0 0 0,-1-1 0,-1 0 0,-1-1 0,15-30 0,34-95 0,70-138 0,-71 172 0,-4-2 0,-6-2 0,-5-2 0,55-218 0,30-202 0,-119 490 0,10-38 0,9-89 0,-25 122 0,46-678 0,-50 670 0,0 20 0,-4-48 0,2 76 0,-1 0 0,0 0 0,0 1 0,-1-1 0,-1 1 0,0 0 0,0 0 0,-1 0 0,-6-10 0,-9-9 0,-1 1 0,-1 1 0,-1 1 0,-40-35 0,47 47 0,-2 2 0,0 0 0,0 0 0,-1 2 0,-1 0 0,1 2 0,-1 0 0,-34-8 0,-5 3 0,0 4 0,-97-5 0,-125 15 0,119 2 0,-595 37 0,575-23 0,-278 11 0,378-28 0,-114-5 0,167 2 0,0-1 0,0-2 0,0 0 0,-45-18 0,-19-10 0,55 22 0,0-2 0,1-2 0,-57-33 0,15 1 0,50 33 0,2-1 0,0-2 0,0-1 0,2-1 0,-37-37 0,-6-9 0,48 48 0,2 0 0,-34-40 0,30 27 0,-7-8 0,2-1 0,-22-45 0,-6-27 0,4-1 0,5-3 0,-34-134 0,42 41 0,20 99 0,4-6 0,5-1 0,9-169 0,2 140 0,13-202 0,-1 0 0,-15-2960 0,0 3289 0,-1 0 0,0 0 0,-2 0 0,0 0 0,-13-33 0,-46-92 0,24 60 0,34 70 0,-2 1 0,0 1 0,0-1 0,-2 1 0,1 0 0,-1 1 0,-21-19 0,1 5 0,-57-36 0,80 57 0,-44-27 0,-1 3 0,-90-36 0,-121-29 0,57 23 0,-519-196 0,67 50 0,438 157 0,-236-32 0,218 58 0,-405-6 0,623 39 0,-22-1 0,-1 2 0,0 2 0,1 1 0,0 2 0,0 2 0,-42 14 0,-333 162 0,262-110 0,-223 75 0,313-130 0,-160 57 0,171-55 0,28-13 0,0 2 0,1 1 0,-32 19 0,50-26 0,0 0 0,0 1 0,1-1 0,0 1 0,-1 0 0,2 1 0,-1-1 0,1 1 0,0 0 0,0 0 0,0 0 0,1 1 0,0-1 0,0 1 0,1 0 0,-1-1 0,0 10 0,-2 23 0,3 1 0,1-1 0,6 67 0,-2-86 0,1 0 0,0-1 0,1 1 0,2-1 0,0 0 0,0 0 0,2-1 0,19 31 0,1-7 0,1-2 0,47 49 0,-32-47 0,2-2 0,1-1 0,3-3 0,64 35 0,-47-29 0,173 90 0,-69-42 0,-10 13 0,-21-13 0,-93-56-1365,-34-24-5461</inkml:trace>
+  <inkml:trace contextRef="#ctx0" brushRef="#br0">1 0 24575,'4'0'0,"2"5"0</inkml:trace>
 </inkml:ink>
 </file>
 
@@ -279,15 +276,15 @@
           <inkml:channelProperty channel="F" name="resolution" value="0" units="1/dev"/>
         </inkml:channelProperties>
       </inkml:inkSource>
-      <inkml:timestamp xml:id="ts0" timeString="2024-11-23T16:39:56.680"/>
+      <inkml:timestamp xml:id="ts0" timeString="2024-12-05T08:32:13.136"/>
     </inkml:context>
     <inkml:brush xml:id="br0">
-      <inkml:brushProperty name="width" value="0.035" units="cm"/>
-      <inkml:brushProperty name="height" value="0.035" units="cm"/>
+      <inkml:brushProperty name="width" value="0.1" units="cm"/>
+      <inkml:brushProperty name="height" value="0.1" units="cm"/>
       <inkml:brushProperty name="color" value="#E71224"/>
     </inkml:brush>
   </inkml:definitions>
-  <inkml:trace contextRef="#ctx0" brushRef="#br0">697 1 24575,'3'0'0,"-1"1"0,0 0 0,0-1 0,0 1 0,0 0 0,0 1 0,-1-1 0,1 0 0,0 0 0,0 1 0,-1-1 0,1 1 0,-1 0 0,1-1 0,1 4 0,19 27 0,-8-7 0,-1 1 0,-1 0 0,-2 0 0,0 1 0,6 32 0,18 142 0,-33-194 0,0 1 0,0 0 0,-1 0 0,0 0 0,-1 0 0,1-1 0,-2 1 0,-1 8 0,2-13 0,0 0 0,-1 0 0,1-1 0,-1 1 0,1 0 0,-1-1 0,0 1 0,0-1 0,-1 1 0,1-1 0,0 0 0,-1 0 0,1 0 0,-1 0 0,0 0 0,1-1 0,-1 1 0,0-1 0,0 0 0,0 0 0,0 0 0,-6 1 0,-203 31 0,39-8 0,164-23-39,-94 17-624,-169 56 0,244-65-6163</inkml:trace>
+  <inkml:trace contextRef="#ctx0" brushRef="#br0">1747 2235 24575,'-2'200'0,"9"261"0,-6-450 0,19 346 0,-22-107 0,4 527 0,15-526 0,-7-126 0,1-10 0,3 85 0,-14-191 0,15 886 0,-2 145 0,-16-639 0,2-202 0,3 212 0,4-339 0,25 113 0,-1-13 0,-16-64 0,4 0 0,4-1 0,46 127 0,33 46 0,-88-243 0,12 58 0,5 15 0,4-19 0,4-1 0,4-1 0,61 94 0,-84-155 0,2-1 0,1-1 0,1-1 0,1 0 0,2-2 0,0-1 0,1-2 0,1 0 0,31 16 0,21 6 0,1-4 0,104 34 0,-140-61 0,0-1 0,1-2 0,0-2 0,73-1 0,8 5 0,-1 5 0,0 6 0,-1 5 0,195 67 0,278 59 0,-273-78 0,-135-26 0,277 64 0,-271-72 0,194 32 0,-140-39 0,134 9 0,-208-20 0,463 14 0,-228-21 0,-375-11 0,0-2 0,-1-2 0,1-1 0,56-9 0,-69 6 0,-1-2 0,1-1 0,-2 0 0,1-2 0,-1 0 0,0-1 0,-1-2 0,22-14 0,-4-5 0,-1 0 0,-2-3 0,-1 0 0,-1-3 0,53-78 0,109-216 0,-134 208 0,88-258 0,-115 251 0,-5 0 0,16-169 0,-39 248 0,7-105 0,-9-231 0,-7 189 0,3 194 0,1-40 0,-1 0 0,-3 0 0,-1 0 0,-2 1 0,-17-59 0,-4 24 0,-3 1 0,-4 2 0,-75-124 0,82 157 0,-62-75 0,72 99 0,-1 0 0,-1 1 0,-1 1 0,0 1 0,-38-22 0,41 27 0,0 1 0,-1 1 0,0 0 0,-1 2 0,1 0 0,-1 1 0,0 1 0,-1 0 0,1 2 0,-30-1 0,-147-8 0,10-1 0,-1 14 0,-130-4 0,198-10 0,67 5 0,-57 0 0,-865 8 0,944-3 0,-56-9 0,56 5 0,-54-1 0,49 3 0,0-1 0,0-1 0,0-2 0,1-2 0,0 0 0,-38-20 0,22 11 0,17 4 0,1-1 0,1-2 0,-47-35 0,71 48 0,-33-25 0,2-2 0,1-2 0,-37-45 0,55 56 0,1-1 0,1-1 0,1 0 0,1-1 0,-12-32 0,-45-142 0,59 159 0,4 6 0,2 0 0,1-1 0,2 0 0,1 0 0,4-45 0,-9-81 0,-5-76 0,10 113 0,-21-91 0,8 21 0,5 74 0,-16-45 0,2 22 0,0-88 0,13 150 0,7 54 0,-4-57 0,7 52 0,-8-49 0,4 49 0,-1-50 0,7 42 0,-2 1 0,-11-58 0,7 57 0,-1-62 0,5 61 0,-8-55 0,-8-71 0,9 53 0,-3-176 0,4 53 0,-18-215 0,16 268 0,3-143 0,-18-201 0,6 366 0,-17-114 0,15 113 0,-1-13 0,16 151 0,0 0 0,-1 0 0,-2 1 0,-18-39 0,15 41 0,-1 0 0,-2 1 0,-25-31 0,30 42 0,0 1 0,0 0 0,-1 0 0,-1 1 0,1 0 0,-2 1 0,1 1 0,-17-8 0,-62-21 0,-2 4 0,-149-30 0,-203-13 0,286 52 0,98 13 0,-118-19 0,-332-10 0,-345 40 0,821-3 0,-54-9 0,54 5 0,-51-1 0,-12 8 0,39 0 0,0-1 0,-109-17 0,127 11 0,0 2 0,-56 1 0,48 3 0,-52-7 0,-12-6 0,-46-6 0,122 13 0,1 3 0,-1 1 0,-1 1 0,1 3 0,-52 7 0,-180 52 0,249-56 0,1 1 0,0 1 0,0 1 0,1 1 0,-26 16 0,35-19 0,0 1 0,0 0 0,0 1 0,1 0 0,0 1 0,1 0 0,-1 0 0,2 0 0,-1 1 0,-8 19 0,4-5 0,1 1 0,2 0 0,0 1 0,2 0 0,0 0 0,2 0 0,1 0 0,1 43 0,1 19 0,4 82 0,-2-159 0,1 0 0,1 0 0,0 0 0,0 0 0,1-1 0,10 19 0,40 61 0,-22-41 0,-10-16 0,2-1 0,2-1 0,57 53 0,-66-67 0,2-1 0,1 0 0,37 22 0,24 19 0,21 17 0,-8-7 0,-83-58 0,8 8 0,0-2 0,1 0 0,1-2 0,0 0 0,26 12 0,-45-25 0,-1 1 0,1 0 0,-1-1 0,0 0 0,1 1 0,-1-1 0,1 0 0,-1 0 0,1 0 0,-1 0 0,1 0 0,-1 0 0,1 0 0,-1 0 0,0-1 0,1 1 0,-1-1 0,1 1 0,-1-1 0,0 1 0,1-1 0,-1 0 0,0 0 0,0 1 0,1-1 0,-1 0 0,1-1 0,0-1 0,0 0 0,0 0 0,-1-1 0,1 1 0,-1 0 0,1 0 0,-1-1 0,0 1 0,-1-1 0,1 1 0,0-5 0,0-7 0,-1 1 0,0-1 0,-1 0 0,-4-25 0,-9-12 0,-2 0 0,-3 1 0,-1 1 0,-49-84 0,62 122-1365</inkml:trace>
 </inkml:ink>
 </file>
 
@@ -307,15 +304,15 @@
           <inkml:channelProperty channel="F" name="resolution" value="0" units="1/dev"/>
         </inkml:channelProperties>
       </inkml:inkSource>
-      <inkml:timestamp xml:id="ts0" timeString="2024-11-23T16:39:56.681"/>
+      <inkml:timestamp xml:id="ts0" timeString="2024-12-05T08:32:13.882"/>
     </inkml:context>
     <inkml:brush xml:id="br0">
-      <inkml:brushProperty name="width" value="0.035" units="cm"/>
-      <inkml:brushProperty name="height" value="0.035" units="cm"/>
+      <inkml:brushProperty name="width" value="0.1" units="cm"/>
+      <inkml:brushProperty name="height" value="0.1" units="cm"/>
       <inkml:brushProperty name="color" value="#E71224"/>
     </inkml:brush>
   </inkml:definitions>
-  <inkml:trace contextRef="#ctx0" brushRef="#br0">1 257 24575,'12'1'0,"-1"0"0,1 1 0,0 0 0,-1 1 0,0 0 0,1 1 0,-2 0 0,1 1 0,0 0 0,19 13 0,6 8 0,54 48 0,-29-22 0,161 130 0,-220-180 0,0-1 0,-1 0 0,1 1 0,0-1 0,0 0 0,0 0 0,1 0 0,-1 0 0,0-1 0,0 1 0,0-1 0,1 1 0,-1-1 0,0 0 0,0 0 0,1 0 0,-1 0 0,0 0 0,0 0 0,4-1 0,-2-1 0,0 0 0,0 1 0,-1-1 0,1-1 0,0 1 0,-1 0 0,0-1 0,1 0 0,-1 0 0,4-4 0,6-11 0,0 1 0,-1-1 0,15-33 0,-17 32 0,90-191 0,-5 11 0,-88 187-36,1 1-1,0 0 1,14-14-1,-7 8-1182,-5 5-5607</inkml:trace>
+  <inkml:trace contextRef="#ctx0" brushRef="#br0">659 1 24575,'-21'1'0,"1"2"0,-1 1 0,1 0 0,-33 12 0,8-2 0,-234 58 0,247-61-273,0 1 0,1 2 0,1 1 0,-44 29 0</inkml:trace>
 </inkml:ink>
 </file>
 
@@ -335,15 +332,15 @@
           <inkml:channelProperty channel="F" name="resolution" value="0" units="1/dev"/>
         </inkml:channelProperties>
       </inkml:inkSource>
-      <inkml:timestamp xml:id="ts0" timeString="2024-11-23T16:39:56.682"/>
+      <inkml:timestamp xml:id="ts0" timeString="2024-12-05T08:32:15.951"/>
     </inkml:context>
     <inkml:brush xml:id="br0">
-      <inkml:brushProperty name="width" value="0.035" units="cm"/>
-      <inkml:brushProperty name="height" value="0.035" units="cm"/>
+      <inkml:brushProperty name="width" value="0.1" units="cm"/>
+      <inkml:brushProperty name="height" value="0.1" units="cm"/>
       <inkml:brushProperty name="color" value="#E71224"/>
     </inkml:brush>
   </inkml:definitions>
-  <inkml:trace contextRef="#ctx0" brushRef="#br0">692 255 24575,'-16'34'0,"1"2"0,2 0 0,2 0 0,0 1 0,-7 62 0,-13 94 0,-13-56 0,43-134 0,1-1 0,-1 1 0,0 0 0,0-1 0,0 1 0,0-1 0,0 0 0,-1 1 0,1-1 0,-1 0 0,0 0 0,1 0 0,-1 0 0,0 0 0,0 0 0,0-1 0,-1 1 0,1-1 0,0 1 0,0-1 0,-1 0 0,1 0 0,-1 0 0,1 0 0,-1 0 0,0-1 0,1 1 0,-1-1 0,0 1 0,1-1 0,-1 0 0,0 0 0,1-1 0,-1 1 0,0 0 0,1-1 0,-6-1 0,-8-4 0,0 0 0,0-1 0,1-1 0,-28-18 0,18 11 0,-46-22 0,32 18 0,-40-27 0,70 40 0,-1-1 0,1 0 0,1 0 0,-1-1 0,1-1 0,1 1 0,-1-1 0,2 0 0,-7-12 0,6 9 0,1 0 0,0-1 0,1 0 0,0 0 0,1 0 0,1-1 0,0 0 0,1 1 0,1-1 0,0 0 0,0 0 0,2 0 0,-1 0 0,2 0 0,0 1 0,1-1 0,0 0 0,1 1 0,0 0 0,1 0 0,1 0 0,0 1 0,1-1 0,0 1 0,0 1 0,2 0 0,-1 0 0,1 0 0,1 1 0,14-11 0,34-25 0,3 3 0,1 2 0,105-50 0,-155 87 0,0 0 0,1 0 0,0 1 0,-1 1 0,1 0 0,18-1 0,84 6 0,-48 0 0,6-5 0,-46 1 0,1 0 0,-1 1 0,0 2 0,1 1 0,33 8 0,-56-9 0,0 0 0,0 0 0,-1 0 0,1 0 0,-1 1 0,1 0 0,-1 0 0,0 0 0,0 1 0,0-1 0,0 1 0,-1 0 0,0 0 0,0 0 0,0 1 0,0-1 0,0 1 0,-1-1 0,0 1 0,0 0 0,0 0 0,-1 0 0,1 0 0,0 7 0,1 12 0,-1 0 0,-1 1 0,-1-1 0,-4 26 0,2 2 0,1-34 0,-1 0 0,-1 0 0,0 0 0,-1-1 0,-1 1 0,-1-1 0,-1 0 0,-16 32 0,-3-6 0,-2 0 0,-33 37 0,44-61 0,0-2 0,-35 28 0,1-2 0,44-36 12,-1 0 0,0-1 0,0-1 0,-1 1 0,0-1 0,0-1 0,0 0 0,0 0 0,-17 4 0,7-4-309,0-1 0,0 0 0,0-2 0,-21-1 0,16 0-6529</inkml:trace>
+  <inkml:trace contextRef="#ctx0" brushRef="#br0">0 0 24575,'5'2'0,"0"0"0,0 1 0,0-1 0,0 1 0,-1 0 0,1 0 0,-1 0 0,0 1 0,0 0 0,0 0 0,-1 0 0,4 4 0,3 3 0,19 18 0,-15-13 0,1 0 0,1-1 0,0-1 0,1-1 0,1 0 0,0-1 0,31 15 0,-44-25 0,0-1 0,1 0 0,-1 0 0,1 0 0,-1-1 0,1 0 0,-1 0 0,1 0 0,-1-1 0,1 1 0,5-3 0,65-21 0,-12 3 0,-42 16-109,9 0-142,0-2-1,-1-1 1,0-2 0,46-21 0,-60 22-6575</inkml:trace>
 </inkml:ink>
 </file>
 
@@ -363,15 +360,15 @@
           <inkml:channelProperty channel="F" name="resolution" value="0" units="1/dev"/>
         </inkml:channelProperties>
       </inkml:inkSource>
-      <inkml:timestamp xml:id="ts0" timeString="2024-11-23T16:40:30.600"/>
+      <inkml:timestamp xml:id="ts0" timeString="2024-12-05T08:32:55.931"/>
     </inkml:context>
     <inkml:brush xml:id="br0">
-      <inkml:brushProperty name="width" value="0.035" units="cm"/>
-      <inkml:brushProperty name="height" value="0.035" units="cm"/>
-      <inkml:brushProperty name="color" value="#66CC00"/>
+      <inkml:brushProperty name="width" value="0.1" units="cm"/>
+      <inkml:brushProperty name="height" value="0.1" units="cm"/>
+      <inkml:brushProperty name="color" value="#008C3A"/>
     </inkml:brush>
   </inkml:definitions>
-  <inkml:trace contextRef="#ctx0" brushRef="#br0">2184 3620 24575,'2'108'0,"-5"117"0,0-199 0,-2 0 0,-14 41 0,12-45 0,1 1 0,1 1 0,-4 36 0,-5 32 0,8-67 0,2-1 0,-1 28 0,5-47 0,-1 34 0,-1 1 0,-11 54 0,8-59 0,1 0 0,2 55 0,2-53 0,-2 0 0,-7 43 0,-6-8 0,5-28 0,2 1 0,-4 87 0,10 141 0,6 352 0,27-354 0,-7-90 0,5 90 0,-17-176 0,3 46 0,-11-83 0,22 107 0,-1-8 0,2 37 0,-3-31 0,-10-87 0,3 102 0,24 183 0,-4-63 0,-26-148 0,11 329 0,-22-419 0,5 395 0,2-344 0,5 0 0,29 119 0,-22-148 0,59 224 0,89 141 0,-17-67 0,-132-330 0,41 117 0,-49-136 0,-1 1 0,-1-1 0,5 45 0,-11-60 0,5 27 0,43 233 0,-38-227 0,3 0 0,1-2 0,35 72 0,-25-70 0,1-1 0,3-2 0,2-1 0,1-1 0,2-2 0,3-2 0,1-1 0,1-2 0,2-2 0,2-1 0,63 36 0,32 12 0,1 2 0,273 119 0,-354-184 0,1-4 0,1-1 0,0-4 0,87 5 0,25 4 0,139 19 0,245 45 0,-498-73 0,106 6 0,-99-12 0,69 14 0,154 23 0,-39-7 0,387 22 0,-587-54 0,774-2 0,-78-53 0,-477 34 0,480-15 0,2 35 0,-398-2 0,-309 3 0,59 11 0,33 1 0,-88-10 0,0 1 0,51 14 0,-50-9 0,85 7 0,-65-11 0,72 16 0,-75-11 0,89 6 0,307 27 0,-58 3 0,-259-26 0,219 6 0,-204-26 0,186-1 0,-242-4 0,135-25 0,-193 21 0,0-3 0,-1-1 0,63-27 0,-86 29 0,0-1 0,-1 0 0,-1-2 0,0 0 0,-1-2 0,0 0 0,-1-1 0,24-27 0,7-19 0,-2-3 0,58-108 0,56-77 0,-98 159 0,64-124 0,-104 162 0,-3-1 0,-2-1 0,20-103 0,-20 73 0,-8 46 0,1 0 0,1 1 0,3 1 0,0 0 0,26-41 0,-31 61 0,0 0 0,2 2 0,0-1 0,1 2 0,1-1 0,0 2 0,0 0 0,1 1 0,1 0 0,0 1 0,1 1 0,29-14 0,20 1 0,0 3 0,71-13 0,-46 12 0,-34 8 0,1 2 0,0 3 0,0 2 0,0 3 0,1 2 0,92 11 0,-117-2 0,-1 1 0,0 1 0,0 2 0,56 30 0,-42-19 0,53 18 0,61 4 0,-87-26 0,119 47 0,-8 27 0,32 14 0,-40-27 0,-92-40 0,169 56 0,488 66 0,-549-119 0,14 1 0,213 18 0,-333-48 0,-8-1 0,95 4 0,-90-12 0,85 19 0,43 3 0,198 7 0,415 14 0,-651-35 0,-25 0 0,1 1 0,-4 0 0,-82-13 0,288 15 0,78 12 0,-178-16 0,38 3 0,-109-3 0,-90-8 0,96 18 0,-89-8 0,144 4 0,100-19 0,-131-2 0,-193 2 0,1-1 0,0 0 0,-1-2 0,0 0 0,1-1 0,32-14 0,101-58 0,-111 54 0,178-108 0,-180 103 0,0-1 0,-2-2 0,41-45 0,-59 53 0,-1-1 0,-1-1 0,-2 0 0,0-1 0,-2 0 0,19-52 0,39-175 0,-48 145 0,-5-1 0,-4 0 0,-6-1 0,-7-163 0,-1 259 0,-1 0 0,0 0 0,-2 1 0,1-1 0,-2 0 0,1 1 0,-12-24 0,12 32 0,0 0 0,0 0 0,-1 0 0,1 1 0,-1 0 0,0-1 0,0 1 0,-1 1 0,1-1 0,-1 1 0,0 0 0,0 0 0,0 0 0,0 0 0,-1 1 0,1 0 0,0 0 0,-1 1 0,0-1 0,1 1 0,-9 0 0,-50-3 0,0 3 0,-1 3 0,-74 12 0,-27 2 0,-173 14 0,35-1 0,125-11 0,-280 67 0,83 13 0,8-2 0,-90 12 0,392-94 0,0-4 0,0-3 0,-101-1 0,-152-4 0,-197-6 0,383-10 0,2-6 0,-194-54 0,261 58 0,37 8 0,0-2 0,0 0 0,1-2 0,0-1 0,1-1 0,1-1 0,-41-32 0,24 12 0,2-2 0,1-1 0,-40-54 0,63 71 0,0-2 0,1 1 0,1-2 0,1 0 0,1 0 0,1-1 0,2-1 0,0 1 0,-7-49 0,6-6 0,3-154 0,7 185 0,0 29 0,1 0 0,1 0 0,1 0 0,1 1 0,1-1 0,15-35 0,64-110 0,-64 127 0,-12 23 0,0 0 0,1 0 0,0 1 0,1 0 0,1 1 0,0 1 0,1 0 0,0 0 0,1 1 0,0 1 0,1 0 0,0 1 0,0 1 0,28-11 0,18-6 0,0 2 0,2 2 0,99-18 0,-23 19 0,213-4 0,381 9 0,222-18 0,-421-17 0,-404 37 0,-55 6 0,94-20 0,116-34 0,-5 14 0,-181 28 0,69-18 0,76-33 0,153-51 0,-301 87 0,-1-4 0,91-53 0,-174 85 0,0-1 0,-1 0 0,0 0 0,0-1 0,0-1 0,-1 0 0,-1 0 0,1-1 0,-2 0 0,1 0 0,-1-1 0,-1-1 0,0 1 0,-1-1 0,0 0 0,0 0 0,-2-1 0,1 0 0,-2 0 0,0 0 0,0 0 0,1-17 0,0-25 0,-1-1 0,-3 1 0,-3 0 0,-2 0 0,-2 0 0,-3 0 0,-30-96 0,19 89 0,-102-260 0,117 308 0,-1 0 0,0 0 0,-2 1 0,1 1 0,-2-1 0,1 1 0,-15-13 0,17 19 0,1 1 0,-2-1 0,1 1 0,-1 0 0,0 1 0,0 0 0,0 0 0,0 1 0,-1-1 0,1 2 0,-1 0 0,0 0 0,-15-2 0,-409 1 0,224 7 0,-5-6 0,-209 5 0,66 33 0,182-15 0,-66 15 0,128-17 0,-189 8 0,-1030-29 0,1252-1 0,0-3 0,-108-21 0,-151-58 0,290 67 0,1-2 0,-76-43 0,47 23 0,28 16 0,2-1 0,1-2 0,1-3 0,1-1 0,2-2 0,-60-61 0,88 77 0,2-1 0,0 0 0,0-1 0,2 0 0,0-1 0,2 0 0,0-1 0,-9-36 0,3-7 0,-10-104 0,15 10 0,-3-26 0,4 120 0,3-1 0,8-127 0,-1 182 0,0 1 0,1-1 0,0 1 0,1-1 0,0 1 0,0 1 0,1-1 0,0 0 0,0 1 0,1 0 0,13-14 0,5-3 0,55-44 0,-64 55 0,2 1 0,0 1 0,0 1 0,1 0 0,0 1 0,1 1 0,0 1 0,1 0 0,0 2 0,0 0 0,27-3 0,743-47 0,-473 44 0,214-3 0,982 16 0,-1474-4 0,0-2 0,0-2 0,0-2 0,-1-1 0,71-30 0,9-1 0,-39 17 0,325-92 0,-89 60 0,-68 15 0,123-50 0,-316 74 0,-1-3 0,-1-2 0,-1-2 0,83-54 0,-116 65 0,-1-1 0,0-1 0,-1-1 0,-1 0 0,-1-1 0,0 0 0,-1-1 0,-1-1 0,0 0 0,14-35 0,0-12 0,-4-1 0,15-70 0,-27 99 0,10-44 0,-3 0 0,-4-1 0,-4 0 0,-3-1 0,-4 1 0,-17-163 0,14 240 0,0 0 0,0-1 0,-1 1 0,0 0 0,0 0 0,0 0 0,-1 0 0,1 1 0,-1-1 0,-1 1 0,-5-8 0,3 7 0,0 1 0,0 1 0,0-1 0,0 1 0,-1 0 0,0 1 0,1-1 0,-1 1 0,-11-3 0,-49-13 0,0 3 0,-2 3 0,-81-6 0,22 3 0,-456-34 0,384 41 0,-271-7 0,357 16 0,-211 28 0,-11 43 0,26-1 0,110-29 0,76-17 0,-419 44 0,333-48 0,-341-8 0,338-15 0,-91 6 0,-326-6 0,614 2 0,0 0 0,-1-1 0,1-1 0,0 0 0,0-1 0,1-1 0,-27-11 0,34 12 0,0-1 0,0 0 0,0-1 0,1 1 0,0-1 0,0-1 0,0 1 0,1-1 0,0 0 0,1-1 0,-1 1 0,1-1 0,1 0 0,-8-17 0,-35-96 0,-61-135 0,97 232 0,-2 2 0,2-1 0,0 0 0,2-1 0,1 0 0,1-1 0,0 0 0,2 0 0,-2-32 0,6 38 0,-2-50 0,3 0 0,3 0 0,12-70 0,-9 117 0,0 0 0,1 0 0,1 1 0,1 0 0,1 1 0,19-29 0,-7 16 0,2 2 0,53-55 0,-64 75 0,0 0 0,1 1 0,0 0 0,1 2 0,0-1 0,0 2 0,1 0 0,0 1 0,0 0 0,1 1 0,0 1 0,22-2 0,25-1 0,124 2 0,-142 5 0,230-1 0,299 5 0,-168 32 0,-202-13 0,547-1 0,-627-22 0,28 14 0,-21-1 0,58 1 0,45 2 0,624-18 0,-794-2 0,0-3 0,0-3 0,96-28 0,-59 14 0,218-55 0,-310 76 0,1-1 0,-1 0 0,0-1 0,-1 0 0,1-1 0,-1 0 0,0 0 0,0-1 0,-1 0 0,0 0 0,0-1 0,0 0 0,-1 0 0,9-16 0,4-9 0,-1 0 0,25-62 0,-38 80 0,-1-1 0,-1 0 0,-1 1 0,0-1 0,0-1 0,-1-15 0,-5-105 0,0 52 0,-6-109 0,5 163 0,-1-1 0,-2 1 0,-2 1 0,-13-35 0,1 12 0,10 21 0,-2 0 0,-1 2 0,-20-33 0,32 60 0,-1-1 0,0 1 0,0 0 0,0 0 0,-1 1 0,1-1 0,-1 1 0,1-1 0,-1 1 0,0 0 0,0 1 0,0-1 0,0 0 0,0 1 0,0 0 0,0 0 0,-7 0 0,-9-1 0,0 1 0,-32 2 0,17 1 0,-2045 2 0,1703-4 0,108-14 0,7 0 0,-12 16 0,-200-4 0,133-28 0,64 4 0,155 12 0,-180-46 0,292 58 0,-25-6 0,0-1 0,0-2 0,2-2 0,-1 0 0,2-3 0,0 0 0,1-2 0,0-2 0,-27-23 0,16 8 0,3-2 0,1-2 0,2-1 0,1-2 0,2-1 0,-32-58 0,45 60 0,2-1 0,2-1 0,-19-75 0,-10-28 0,39 130 0,-1 1 0,-1-1 0,-1 2 0,0 0 0,-1 0 0,0 0 0,-1 1 0,0 1 0,-1 0 0,-1 0 0,0 2 0,0-1 0,-1 2 0,-1 0 0,1 0 0,-2 1 0,1 1 0,-1 1 0,0 0 0,0 1 0,-30-5 0,-460-40 0,293 34 0,-124 0 0,-88-9 0,-615-58 0,186 76 0,476 10 0,-1166-3 0,1317 14 0,12-1 0,-1629-11 0,892-4 0,-1330 2 0,2162 6 0,-192 33 0,2 2 0,119-16 0,120-13 0,-132 4 0,166-15 0,-62 12 0,60-7 0,-54 2 0,-894-9 0,966 2 0,1 0 0,-1 2 0,1 1 0,0 0 0,-30 12 0,-98 46 0,57-22 0,19-8 0,2 4 0,2 3 0,-124 93 0,181-122 0,-1 0 0,2 1 0,-1 0 0,2 1 0,-1 0 0,-10 18 0,-39 84 0,32-42 0,20-51 0,0-2 0,-1 1 0,-20 33 0,-10 9 0,19-29 0,-32 43 0,44-68 0,-1 1 0,1-1 0,-1 0 0,-1 0 0,0-1 0,0 0 0,0-1 0,-1 0 0,-11 6 0,-34 12 0,18-6 0,0-2 0,-1-2 0,0-1 0,-42 8 0,-54 2 0,-397 50 0,-313-14 0,489-40 0,-753 66 0,957-62 0,69-9 0,-1-4 0,-93 1 0,90-12 0,-116 16 0,-119 13 0,212-18 0,65-8 0,-68 14 0,79-10 0,-57 2 0,65-7 0,0 0 0,0 2 0,0 2 0,-31 8 0,17-2 0,0-2 0,-1-1 0,-45 2 0,-42 7 0,112-14 0,-46 8 0,0 3 0,-115 42 0,165-50 0,-1 1 0,1-1 0,1 2 0,-1 0 0,1 0 0,0 0 0,1 2 0,0-1 0,0 1 0,1 0 0,1 1 0,-10 15 0,7-7 0,1 0 0,1 0 0,1 1 0,0 0 0,1 0 0,-5 40 0,5 8 0,6 114 0,2-72 0,-1-96 0,1-1 0,0 1 0,1-1 0,1 1 0,0-1 0,0 0 0,2-1 0,-1 1 0,2-1 0,-1 0 0,2 0 0,-1-1 0,19 20 0,4 2 0,1-2 0,2-2 0,37 27 0,8 0 0,-37-27 0,73 64 0,-71-49 0,-8-7 0,58 47 0,-93-84 0,1 1 0,-1-1 0,0 1 0,1-1 0,-1 0 0,0 1 0,1-1 0,-1 1 0,1-1 0,-1 0 0,1 1 0,-1-1 0,1 0 0,-1 1 0,1-1 0,-1 0 0,1 0 0,-1 1 0,1-1 0,-1 0 0,1 0 0,-1 0 0,1 0 0,0 0 0,-1 0 0,1 0 0,-1 0 0,1 0 0,0 0 0,-1 0 0,1 0 0,-1 0 0,1-1 0,0 1 0,-7-21 0,-25-33 0,30 52 0,-172-261 0,91 131-1365,73 118-5461</inkml:trace>
+  <inkml:trace contextRef="#ctx0" brushRef="#br0">186 203 24575,'2'-11'0,"0"1"0,1 0 0,0-1 0,1 1 0,0 0 0,0 1 0,8-12 0,-8 13 0,1-3 0,1 1 0,0-1 0,1 1 0,0 0 0,1 1 0,0 0 0,9-9 0,-15 17 0,0-1 0,0 1 0,0-1 0,0 1 0,1 0 0,-1 0 0,0 0 0,1 0 0,-1 0 0,0 0 0,1 1 0,-1-1 0,1 1 0,-1 0 0,1 0 0,3 0 0,-3 1 0,0-1 0,0 1 0,0 1 0,0-1 0,-1 0 0,1 1 0,0-1 0,-1 1 0,1 0 0,-1 0 0,0 0 0,1 0 0,-1 0 0,0 1 0,0-1 0,3 5 0,5 10 0,-1-1 0,-1 1 0,0 1 0,-1-1 0,-1 1 0,0 1 0,-2-1 0,0 1 0,-1 0 0,1 19 0,-2 10 0,-1 0 0,-11 85 0,2-91 0,-1-1 0,-2 0 0,-2-1 0,-1 0 0,-2-1 0,-39 67 0,50-99 0,0 0 0,0 0 0,-1 0 0,0 0 0,0-1 0,-1 0 0,0 0 0,0-1 0,0 0 0,0 0 0,-13 5 0,6-3 0,1-2 0,-2 0 0,1 0 0,0-2 0,-1 0 0,-16 2 0,28-5 0,-1 1 0,1-1 0,0 0 0,-1 0 0,1-1 0,0 1 0,0-1 0,-1 0 0,1 1 0,0-1 0,0-1 0,0 1 0,0 0 0,0-1 0,0 1 0,0-1 0,1 0 0,-1 0 0,1 0 0,-4-4 0,2 1 0,0 0 0,1 0 0,-1-1 0,1 0 0,0 0 0,1 0 0,-1 0 0,1 0 0,-2-11 0,0-5 0,1 0 0,1 1 0,1-1 0,2 0 0,2-28 0,-3 47 0,0-1 0,1 1 0,-1 0 0,1 0 0,-1 0 0,1 0 0,0 0 0,0 0 0,0 0 0,0 1 0,1-1 0,-1 0 0,1 1 0,0-1 0,0 1 0,0-1 0,0 1 0,0 0 0,0 0 0,0 0 0,1 0 0,-1 0 0,1 0 0,0 1 0,-1-1 0,1 1 0,0 0 0,0-1 0,0 2 0,0-1 0,0 0 0,0 0 0,4 1 0,0 0 0,0 0 0,0 1 0,0 0 0,-1 1 0,1 0 0,-1 0 0,1 0 0,-1 1 0,0-1 0,1 2 0,-2-1 0,1 1 0,0 0 0,6 6 0,52 46 0,-30-25 0,68 48 0,-72-62-35,1-1 0,0-2 0,1-1 0,1-2 0,46 10-1,-14-3-1118,-43-11-5672</inkml:trace>
 </inkml:ink>
 </file>
 
@@ -391,15 +388,15 @@
           <inkml:channelProperty channel="F" name="resolution" value="0" units="1/dev"/>
         </inkml:channelProperties>
       </inkml:inkSource>
-      <inkml:timestamp xml:id="ts0" timeString="2024-11-23T16:40:32.307"/>
+      <inkml:timestamp xml:id="ts0" timeString="2024-12-05T08:32:56.510"/>
     </inkml:context>
     <inkml:brush xml:id="br0">
-      <inkml:brushProperty name="width" value="0.035" units="cm"/>
-      <inkml:brushProperty name="height" value="0.035" units="cm"/>
-      <inkml:brushProperty name="color" value="#66CC00"/>
+      <inkml:brushProperty name="width" value="0.1" units="cm"/>
+      <inkml:brushProperty name="height" value="0.1" units="cm"/>
+      <inkml:brushProperty name="color" value="#008C3A"/>
     </inkml:brush>
   </inkml:definitions>
-  <inkml:trace contextRef="#ctx0" brushRef="#br0">846 0 24575,'-19'2'0,"1"1"0,0 1 0,0 1 0,0 0 0,0 1 0,-25 13 0,-4 0 0,-392 166 0,256-100-1365,159-72-5461</inkml:trace>
+  <inkml:trace contextRef="#ctx0" brushRef="#br0">0 0 24575,'4'0'0,"2"4"0,4 2 0,0 4 0</inkml:trace>
 </inkml:ink>
 </file>
 
@@ -419,63 +416,7 @@
           <inkml:channelProperty channel="F" name="resolution" value="0" units="1/dev"/>
         </inkml:channelProperties>
       </inkml:inkSource>
-      <inkml:timestamp xml:id="ts0" timeString="2024-11-23T16:40:34.131"/>
-    </inkml:context>
-    <inkml:brush xml:id="br0">
-      <inkml:brushProperty name="width" value="0.035" units="cm"/>
-      <inkml:brushProperty name="height" value="0.035" units="cm"/>
-      <inkml:brushProperty name="color" value="#66CC00"/>
-    </inkml:brush>
-  </inkml:definitions>
-  <inkml:trace contextRef="#ctx0" brushRef="#br0">0 1 24575,'17'1'0,"0"0"0,-1 2 0,1 0 0,-1 0 0,0 2 0,0 0 0,0 1 0,-1 0 0,0 2 0,22 13 0,-1-2 0,25 13 0,-1 2 0,-2 3 0,56 46 0,-50-39 0,-52-37 0,-1 0 0,0 0 0,0 1 0,-1 1 0,19 19 0,-25-23 0,-1-1 0,1 1 0,0-1 0,0 0 0,1 0 0,-1 0 0,1-1 0,9 6 0,-12-8 0,1-1 0,0 1 0,0-1 0,0 1 0,0-1 0,-1 0 0,1 0 0,0 0 0,0 0 0,0-1 0,0 1 0,0-1 0,-1 0 0,1 0 0,0 0 0,0 0 0,-1 0 0,1-1 0,3-2 0,22-14 19,-2-1 0,0-2 1,-1-1-1,-1-1 0,-1 0 0,33-46 0,-31 37-394,2 0 0,2 2 1,50-41-1,-61 58-6451</inkml:trace>
-</inkml:ink>
-</file>
-
-<file path=ppt/ink/ink2.xml><?xml version="1.0" encoding="utf-8"?>
-<inkml:ink xmlns:inkml="http://www.w3.org/2003/InkML">
-  <inkml:definitions>
-    <inkml:context xml:id="ctx0">
-      <inkml:inkSource xml:id="inkSrc0">
-        <inkml:traceFormat>
-          <inkml:channel name="X" type="integer" min="-2.14748E9" max="2.14748E9" units="cm"/>
-          <inkml:channel name="Y" type="integer" min="-2.14748E9" max="2.14748E9" units="cm"/>
-          <inkml:channel name="F" type="integer" max="32767" units="dev"/>
-        </inkml:traceFormat>
-        <inkml:channelProperties>
-          <inkml:channelProperty channel="X" name="resolution" value="1000" units="1/cm"/>
-          <inkml:channelProperty channel="Y" name="resolution" value="1000" units="1/cm"/>
-          <inkml:channelProperty channel="F" name="resolution" value="0" units="1/dev"/>
-        </inkml:channelProperties>
-      </inkml:inkSource>
-      <inkml:timestamp xml:id="ts0" timeString="2024-11-23T16:37:33.394"/>
-    </inkml:context>
-    <inkml:brush xml:id="br0">
-      <inkml:brushProperty name="width" value="0.035" units="cm"/>
-      <inkml:brushProperty name="height" value="0.035" units="cm"/>
-      <inkml:brushProperty name="color" value="#E71224"/>
-    </inkml:brush>
-  </inkml:definitions>
-  <inkml:trace contextRef="#ctx0" brushRef="#br0">435 0 24575,'9'1'0,"0"1"0,0-1 0,0 1 0,-1 0 0,1 1 0,-1 0 0,0 1 0,11 6 0,63 40 0,-78-47 0,234 145 0,-116-75 0,167 131 0,-279-196 0,0 1 0,-1 0 0,0 0 0,0 1 0,-1 1 0,0-1 0,-1 1 0,0 1 0,-1-1 0,0 1 0,7 21 0,-5-15 0,6 19 0,-14-36 0,0 0 0,0 0 0,0 0 0,1 1 0,-1-1 0,-1 0 0,1 0 0,0 0 0,0 0 0,0 1 0,-1-1 0,1 0 0,0 0 0,-1 0 0,1 0 0,-1 0 0,1 0 0,-1 0 0,0 0 0,1 0 0,-1 0 0,0 0 0,0 0 0,0-1 0,0 1 0,0 0 0,1 0 0,-3 0 0,-16 7 0,-1 0 0,0-2 0,0 0 0,0-2 0,-1 0 0,-35 2 0,-14 3 0,-682 110 0,443-72-1365,249-38-5461</inkml:trace>
-</inkml:ink>
-</file>
-
-<file path=ppt/ink/ink20.xml><?xml version="1.0" encoding="utf-8"?>
-<inkml:ink xmlns:inkml="http://www.w3.org/2003/InkML">
-  <inkml:definitions>
-    <inkml:context xml:id="ctx0">
-      <inkml:inkSource xml:id="inkSrc0">
-        <inkml:traceFormat>
-          <inkml:channel name="X" type="integer" min="-2.14748E9" max="2.14748E9" units="cm"/>
-          <inkml:channel name="Y" type="integer" min="-2.14748E9" max="2.14748E9" units="cm"/>
-          <inkml:channel name="F" type="integer" max="32767" units="dev"/>
-        </inkml:traceFormat>
-        <inkml:channelProperties>
-          <inkml:channelProperty channel="X" name="resolution" value="1000" units="1/cm"/>
-          <inkml:channelProperty channel="Y" name="resolution" value="1000" units="1/cm"/>
-          <inkml:channelProperty channel="F" name="resolution" value="0" units="1/dev"/>
-        </inkml:channelProperties>
-      </inkml:inkSource>
-      <inkml:timestamp xml:id="ts0" timeString="2024-12-05T08:27:36.048"/>
+      <inkml:timestamp xml:id="ts0" timeString="2024-12-05T08:33:01.329"/>
     </inkml:context>
     <inkml:brush xml:id="br0">
       <inkml:brushProperty name="width" value="0.1" units="cm"/>
@@ -483,11 +424,11 @@
       <inkml:brushProperty name="color" value="#E71224"/>
     </inkml:brush>
   </inkml:definitions>
-  <inkml:trace contextRef="#ctx0" brushRef="#br0">2083 2362 24575,'0'1316'0,"-14"-1158"0,1-8 0,12 402 0,2-260 0,1-261 0,2 1 0,1-1 0,14 50 0,0-2 0,80 311 0,-59-127 0,9 41 0,-8-59 0,-41-240 0,6 66 0,-3 86 0,-5-92 0,15 122 0,3-35 0,-5-30 0,-7-84 0,29 276 0,-27-263 0,3 0 0,1-1 0,28 78 0,-1-4 0,63 265 0,-28-101 0,-5-58 0,-6-25 0,7 61 0,-23-107 0,6-2 0,95 202 0,-136-340 0,125 234 0,-6-72 0,-115-161 0,0 0 0,2 0 0,0-2 0,1 0 0,0-1 0,2 0 0,20 13 0,76 36 0,-5-3 0,-88-51 0,1-1 0,0-1 0,0-1 0,1-2 0,0 0 0,0-1 0,31 3 0,60 16 0,291 62 0,-217-53 0,143 43 0,-52-29 0,-138-26 0,-44-3 0,-52-9 0,0-2 0,89 5 0,-75-11 0,72 14 0,-57-6 0,129 10 0,131 19 0,-2 3 0,-210-33 0,171 6 0,754-16 0,-992-3 0,0-2 0,0-2 0,58-17 0,56-8 0,-77 15 0,140-45 0,-121 30 0,-74 21 0,-2-2 0,1-1 0,-2-2 0,0-1 0,-1-2 0,34-27 0,-21 11 0,-2-2 0,-1-2 0,52-63 0,-61 63 0,-3-2 0,-1-1 0,-3-1 0,-1-2 0,-2 0 0,-2-2 0,-3 0 0,-1-2 0,-3 0 0,-2-1 0,10-66 0,0-475 0,-24 559 0,13-220 0,1-4 0,-15 118 0,16-454 0,-2-92 0,-16 418 0,3-522 0,2 747 0,9-56 0,3-31 0,-12-32 0,10-219 0,1-402 0,-16 486 0,-9 62 0,0 39 0,-15-107 0,0-38 0,8-25 0,10 219 0,-3-21 0,-3 46 0,8 51 0,-3 1 0,-32-115 0,19 101 0,-22-156 0,18 79 0,-18-32 0,39 156 0,-100-496 0,83 443 0,13 48 0,-1 1 0,-33-78 0,30 88 0,-2 0 0,-1 1 0,-2 1 0,-1 0 0,-1 2 0,-1 0 0,-1 2 0,-1 0 0,-1 1 0,-1 2 0,-35-22 0,-7-1 0,29 18 0,-1 1 0,-1 1 0,-55-21 0,-30 3 0,-2 5 0,-2 5 0,-175-19 0,-123 3 0,157 33 0,55 4 0,-7 5 0,17 2 0,101-8 0,61 6 0,-58-2 0,-1386 9 0,1453 1 0,0 2 0,1 1 0,-38 10 0,-61 9 0,47-11 0,53-7 0,-52 3 0,-14 3 0,8 0 0,-26 1 0,-10 1 0,-50 10 0,-627-21 0,408-5 0,-565 2 0,929 1 0,0 3 0,-32 6 0,-12 2 0,-104 14 0,97-16 0,38-3 0,-59 1 0,65-6 0,-46 9 0,-33 1 0,-433-13 0,513 3 0,-67 13 0,42-5 0,41-7 0,-1 1 0,1 1 0,1 1 0,-1 1 0,1 1 0,0 0 0,0 2 0,1 1 0,1 0 0,0 1 0,0 1 0,1 1 0,1 1 0,0 0 0,1 1 0,1 1 0,1 0 0,0 1 0,-15 27 0,22-33 0,0 1 0,1 0 0,1 1 0,0 0 0,0 0 0,1 0 0,1 0 0,1 0 0,0 1 0,1-1 0,0 1 0,2 26 0,0-18 0,0 0 0,1-1 0,6 26 0,-6-40 0,0-1 0,1 1 0,-1-1 0,2 0 0,-1 0 0,1 0 0,0 0 0,1-1 0,0 0 0,0 1 0,0-2 0,12 11 0,14 10 0,145 112 0,-126-102 0,-27-19 0,1 0 0,1-1 0,1-2 0,35 15 0,310 120 0,-300-126 0,1-4 0,1-3 0,100 9 0,-168-24 0,-1 0 0,0-1 0,1 0 0,-1 0 0,1 0 0,-1 0 0,0-1 0,1 0 0,-1 0 0,0 0 0,1 0 0,-1-1 0,6-2 0,-8 2 0,0 0 0,0 0 0,0 0 0,0-1 0,0 1 0,0-1 0,0 1 0,-1-1 0,1 1 0,-1-1 0,0 0 0,1 0 0,-2 0 0,1 0 0,0 0 0,0 0 0,-1 0 0,0 0 0,1 0 0,-2-4 0,1-38 0,-2 1 0,-2 0 0,-12-48 0,6 30 0,6 37 0,-1 0 0,-1 0 0,-1 0 0,-1 1 0,-13-25 0,21 49-20,0-1 1,0 1-1,0 0 0,0-1 0,0 1 1,0 0-1,0-1 0,0 1 0,0 0 0,0-1 1,0 1-1,0 0 0,0-1 0,-1 1 0,1 0 1,0-1-1,0 1 0,0 0 0,-1 0 1,1-1-1,0 1 0,0 0 0,-1 0 0,1-1 1,0 1-1,-1 0 0,1 0 0,0 0 0,0 0 1,-1-1-1,1 1 0,0 0 0,-1 0 1,1 0-1,0 0 0,-1 0 0,1 0 0,0 0 1,-1 0-1,1 0 0,-1 0 0,1 0 0,0 0 1,-1 0-1,1 0 0,0 0 0,-1 1 1,1-1-1,0 0 0,-1 0 0,1 0 0,0 0 1,0 1-1,-1-1 0,1 0 0,0 0 0,0 1 1,-1-1-1,1 0 0,0 0 0,0 1 0,0-1 1,-1 0-1,1 1 0,0-1 0,0 0 1,0 1-1,0 0 0,-6 14-6806</inkml:trace>
+  <inkml:trace contextRef="#ctx0" brushRef="#br0">1 1 24575,'0'694'0,"5"-648"-1365,0-29-5461</inkml:trace>
 </inkml:ink>
 </file>
 
-<file path=ppt/ink/ink21.xml><?xml version="1.0" encoding="utf-8"?>
+<file path=ppt/ink/ink2.xml><?xml version="1.0" encoding="utf-8"?>
 <inkml:ink xmlns:inkml="http://www.w3.org/2003/InkML">
   <inkml:definitions>
     <inkml:context xml:id="ctx0">
@@ -515,7 +456,119 @@
 </inkml:ink>
 </file>
 
+<file path=ppt/ink/ink20.xml><?xml version="1.0" encoding="utf-8"?>
+<inkml:ink xmlns:inkml="http://www.w3.org/2003/InkML">
+  <inkml:definitions>
+    <inkml:context xml:id="ctx0">
+      <inkml:inkSource xml:id="inkSrc0">
+        <inkml:traceFormat>
+          <inkml:channel name="X" type="integer" min="-2.14748E9" max="2.14748E9" units="cm"/>
+          <inkml:channel name="Y" type="integer" min="-2.14748E9" max="2.14748E9" units="cm"/>
+          <inkml:channel name="F" type="integer" max="32767" units="dev"/>
+        </inkml:traceFormat>
+        <inkml:channelProperties>
+          <inkml:channelProperty channel="X" name="resolution" value="1000" units="1/cm"/>
+          <inkml:channelProperty channel="Y" name="resolution" value="1000" units="1/cm"/>
+          <inkml:channelProperty channel="F" name="resolution" value="0" units="1/dev"/>
+        </inkml:channelProperties>
+      </inkml:inkSource>
+      <inkml:timestamp xml:id="ts0" timeString="2024-12-05T08:33:02.007"/>
+    </inkml:context>
+    <inkml:brush xml:id="br0">
+      <inkml:brushProperty name="width" value="0.1" units="cm"/>
+      <inkml:brushProperty name="height" value="0.1" units="cm"/>
+      <inkml:brushProperty name="color" value="#E71224"/>
+    </inkml:brush>
+  </inkml:definitions>
+  <inkml:trace contextRef="#ctx0" brushRef="#br0">1 0 24575,'4'0'0,"2"5"0</inkml:trace>
+</inkml:ink>
+</file>
+
+<file path=ppt/ink/ink21.xml><?xml version="1.0" encoding="utf-8"?>
+<inkml:ink xmlns:inkml="http://www.w3.org/2003/InkML">
+  <inkml:definitions>
+    <inkml:context xml:id="ctx0">
+      <inkml:inkSource xml:id="inkSrc0">
+        <inkml:traceFormat>
+          <inkml:channel name="X" type="integer" min="-2.14748E9" max="2.14748E9" units="cm"/>
+          <inkml:channel name="Y" type="integer" min="-2.14748E9" max="2.14748E9" units="cm"/>
+          <inkml:channel name="F" type="integer" max="32767" units="dev"/>
+        </inkml:traceFormat>
+        <inkml:channelProperties>
+          <inkml:channelProperty channel="X" name="resolution" value="1000" units="1/cm"/>
+          <inkml:channelProperty channel="Y" name="resolution" value="1000" units="1/cm"/>
+          <inkml:channelProperty channel="F" name="resolution" value="0" units="1/dev"/>
+        </inkml:channelProperties>
+      </inkml:inkSource>
+      <inkml:timestamp xml:id="ts0" timeString="2024-12-05T08:34:04.321"/>
+    </inkml:context>
+    <inkml:brush xml:id="br0">
+      <inkml:brushProperty name="width" value="0.1" units="cm"/>
+      <inkml:brushProperty name="height" value="0.1" units="cm"/>
+      <inkml:brushProperty name="color" value="#008C3A"/>
+    </inkml:brush>
+  </inkml:definitions>
+  <inkml:trace contextRef="#ctx0" brushRef="#br0">2416 4132 24575,'0'797'0,"1"-778"0,1 0 0,8 34 0,2 26 0,-8 430 0,-7-260 0,3 722 0,1-940 0,11 54 0,-7-54 0,3 53 0,-8-61 310,3 119-916,-1-85-2638,18 96 0,29 147 3436,-24-127 6400,14-10-6592,-24-110 0,13 88 0,29 261 0,-40-296 0,72 319 0,-74-361 0,12 101 0,-14-72 0,34 126 0,-15-70 0,28 97 0,-14-106 0,76 161 0,-63-154 0,-4-9 0,-31-81 0,22 82 0,-21-56 0,-15-55 0,8 28 0,13 64 0,-22-82 0,21 55 0,-17-55 0,12 52 0,-8-6 0,4 0 0,3-2 0,5 0 0,60 122 0,-55-143 0,2-1 0,3-2 0,2-1 0,3-3 0,3-1 0,70 62 0,-67-68 0,48 60 0,-72-77 0,3-1 0,2 0 0,46 32 0,-2-1 0,-33-23 0,2-2 0,0-2 0,3-2 0,0-2 0,61 28 0,61 21 0,34 14 0,-82-43 0,167 57 0,-239-93 0,1-1 0,99 8 0,-107-15 0,46 12 0,33 4 0,423 53 0,-179-25 0,-24-3 0,-249-35 0,0-4 0,133-6 0,-115-3 0,119 12 0,233 52 0,-377-55 0,-45-5 0,52 10 0,-80-10 0,398 74 0,-290-59 0,176 1 0,-54-5 0,7 0 0,-186-14 0,-24-1 0,0 2 0,-1 2 0,0 1 0,43 9 0,22 10 0,207 16 0,189-33 0,-266-8 0,-210 3 0,32-1 0,-1 2 0,1 3 0,87 17 0,117 27 0,-77-28 0,-63-7 0,-68-9 0,63 14 0,-50-7 0,65 4 0,10 1 0,-93-11 0,1-2 0,48-3 0,44 2 0,-67 11 0,-53-9 0,0 0 0,32 1 0,454-4 0,-242-3 0,-84-11 0,-29 1 0,-20 10 0,-55 3 0,1-4 0,-1-2 0,101-22 0,-88 6 0,-1-3 0,137-59 0,-178 62 0,99-51 0,-125 59 0,1 0 0,-2-2 0,0 0 0,31-31 0,-8-3 0,-2-2 0,50-81 0,52-121 0,-76 130 0,-16 35 0,-5-2 0,-3-3 0,-5-1 0,49-187 0,-25 61 0,-19 82 0,-26 81 0,-5 22 0,-1-1 0,-2-1 0,-2 1 0,3-56 0,5-69 0,-4 68 0,-1-4 0,8-191 0,-17 279 0,-1-63 0,17-135 0,-7 117 0,-3 0 0,-8-118 0,-1 59 0,3 133 0,1 0 0,0 0 0,1 0 0,0 0 0,8-23 0,-6 29 0,0 0 0,1 0 0,-1 1 0,2 0 0,0 0 0,0 0 0,0 1 0,1 0 0,12-11 0,102-102 0,56-51 0,-158 157 0,0 2 0,0 0 0,1 2 0,1 0 0,0 1 0,1 1 0,0 1 0,0 1 0,0 1 0,1 1 0,28-3 0,32 1 0,152 6 0,-110 4 0,-27-5 0,111 4 0,-29 25 0,-165-25 0,1 0 0,0 1 0,-1 1 0,1 0 0,-1 1 0,20 10 0,-28-12 0,-1 2 0,1-1 0,-1 1 0,0 0 0,0 0 0,0 1 0,0-1 0,-1 1 0,0 1 0,-1-1 0,1 1 0,-1 0 0,0 0 0,4 11 0,41 97 0,37 95 0,-69-163 0,-3 0 0,13 77 0,-22-66 0,-2 0 0,-6 68 0,1-16 0,2-85 0,1 17 0,-2 1 0,-1-1 0,-2 1 0,-18 71 0,7-56 0,3-1 0,-8 84 0,10-42 0,-8 184 0,19-234 0,0 18 0,-2 0 0,-15 99 0,10-118 0,2 0 0,5 85 0,-3 36 0,-10-85 0,6-51 0,-1 45 0,8 466 0,8-421 0,37 178 0,24-6 0,-65-269 0,2-1 0,0 1 0,2-1 0,1-1 0,1 0 0,1 0 0,1-1 0,1 0 0,1-2 0,33 39 0,-25-36 0,1-1 0,1-1 0,1-1 0,1-1 0,0-1 0,2-2 0,0-1 0,1-1 0,0-1 0,1-2 0,1-1 0,0-2 0,41 7 0,316 38 0,-148-20 0,53 3 0,494-30 0,-452-10 0,-176 5 0,-4 0 0,238-26 0,23-17 0,-173 20 0,668-1 0,-602 24 0,427-2 0,-702 2 0,-1 2 0,1 1 0,34 10 0,-27-6 0,54 6 0,267 30 0,-206-22 0,41-8 0,29 5 0,-183-13 0,60 11 0,0-4 0,124 0 0,-134-14 0,238-14 0,-297 9 0,-1 0 0,0-3 0,0 0 0,-1-2 0,0-2 0,-1-1 0,43-24 0,-56 24 0,0 0 0,-1-1 0,-1-1 0,29-32 0,54-78 0,-58 68 0,0-2 0,-2-2 0,-4-1 0,-2-3 0,47-126 0,-71 167 0,-1-1 0,-2 1 0,0-2 0,-2 1 0,5-46 0,-11 64 0,0 0 0,0 0 0,-1 1 0,0-1 0,0 1 0,-1-1 0,0 1 0,0 0 0,0 0 0,-1 0 0,0 0 0,0 1 0,-6-7 0,-10-11 0,-37-31 0,47 46 0,-32-30 0,-74-49 0,91 71 0,-1 1 0,-1 1 0,0 1 0,-51-15 0,13 9 0,-1 3 0,0 3 0,-1 2 0,0 4 0,0 2 0,-93 7 0,112 4 0,1 3 0,-62 20 0,-40 9 0,-135 3 0,-51 9 0,27 14 0,90-22 0,59-13 0,48-9 0,-202 9 0,-115-26 0,229-5 0,155 1 0,0-3 0,-83-17 0,-82-35 0,145 40 0,-1 3 0,-67-5 0,-73-13 0,-73-43 0,230 58 0,2-2 0,0-2 0,-77-47 0,66 29 0,-93-78 0,125 93 0,0-2 0,2 0 0,1-2 0,1 0 0,-26-47 0,42 65 0,-115-226 0,108 207 0,2-1 0,0-1 0,2 1 0,1-1 0,2-1 0,-3-47 0,-4-60 0,1-13 0,9 73 0,-1 38 0,3 1 0,1-1 0,1 1 0,16-76 0,-15 108 0,-1 0 0,1 0 0,0 1 0,0 0 0,1-1 0,-1 1 0,1 1 0,1-1 0,-1 0 0,1 1 0,0 0 0,0 0 0,1 1 0,-1-1 0,1 1 0,0 0 0,0 1 0,1 0 0,-1 0 0,11-4 0,11-1 0,-1 1 0,1 2 0,55-5 0,-15 3 0,-19-1 0,465-59 0,-9 58 0,-290 12 0,1941-3 0,-2127-1 0,55-11 0,21-1 0,388 12 0,-235 3 0,-102 11 0,-9 0 0,-62-11 0,12 0 0,127-11 0,-179 2 0,-1-1 0,1-2 0,-1-2 0,-1-2 0,0-2 0,58-30 0,-76 33 0,1 0 0,-2-2 0,0-1 0,-1-1 0,-1 0 0,0-2 0,-2-1 0,0 0 0,33-46 0,-41 46 0,0 0 0,-2-1 0,-1-1 0,0 1 0,-2-1 0,0 0 0,-2-1 0,0 0 0,2-30 0,-2-30 0,-6-106 0,-2 71 0,3 99 0,0 1 0,-2 0 0,0 0 0,-7-26 0,8 38 0,-1 0 0,0 1 0,0-1 0,-1 1 0,0 0 0,0-1 0,0 1 0,0 0 0,-1 1 0,0-1 0,0 1 0,0-1 0,-1 1 0,1 1 0,-1-1 0,0 0 0,-7-3 0,-58-23 0,-1 2 0,-131-31 0,50 16 0,119 34 0,-1 2 0,0 1 0,0 2 0,-70-1 0,-139 22 0,182-11 0,-388 49 0,201-23 0,105-10 0,68-9 0,-118 5 0,-687-18 0,388-2 0,438 5 0,0 2 0,1 3 0,-67 18 0,10-2 0,46-15 0,-101 1 0,15-1 0,-354 2 0,306-13 0,172 2 0,-81 1 0,1-5 0,-151-23 0,198 15 0,1-2 0,-98-38 0,122 37 0,2-1 0,-1-2 0,2-1 0,1-1 0,-49-42 0,-3-14 0,4-3 0,3-4 0,-102-145 0,166 211 0,1 0 0,0-1 0,2 0 0,0 0 0,1-1 0,0 0 0,2 0 0,0 0 0,2-1 0,0 1 0,-1-28 0,-4-62 0,0 22 0,5-98 0,5 155 0,1 1 0,1 0 0,2 0 0,0 0 0,2 1 0,1 0 0,18-36 0,-13 34 0,2 0 0,33-47 0,-42 68 0,0 0 0,1 1 0,0 0 0,0 0 0,1 1 0,0 0 0,0 0 0,1 1 0,0 1 0,0 0 0,21-8 0,45-7 0,0 3 0,1 3 0,96-3 0,17-4 0,4-4 0,321-59 0,-477 75 0,-16 2 0,1 2 0,1 1 0,36-3 0,255-4 0,94-2 0,-180 13 0,510-15 0,-328-16 0,-354 26 0,1 2 0,0 3 0,0 2 0,0 3 0,80 17 0,12 9 0,208 17 0,102-24 0,-266-23 0,158-4 0,-343 2 0,0 0 0,0-1 0,-1 0 0,1 0 0,0-1 0,-1 0 0,0-1 0,1 0 0,-2 0 0,1-1 0,12-9 0,4-7 0,-1 0 0,22-26 0,1-2 0,-29 32 0,-1-2 0,-1 1 0,-1-2 0,-1 0 0,0 0 0,10-25 0,3-15 0,18-63 0,-37 96 0,-1-1 0,-1 0 0,-2 0 0,0-36 0,-1 23 0,7-41 0,-4 53 0,-1 1 0,-2-1 0,-1 0 0,-4-42 0,2 59 0,0-1 0,-1 1 0,-1 0 0,0 0 0,-1 0 0,0 1 0,-1-1 0,0 1 0,-1 0 0,0 0 0,-1 1 0,0 0 0,-9-10 0,9 14 0,0 0 0,-1 1 0,0-1 0,0 1 0,0 1 0,0 0 0,-1 0 0,0 0 0,0 1 0,0 1 0,-11-3 0,-21-2 0,-52-2 0,37 4 0,-497-24 0,430 27 0,-160-23 0,49 2 0,-982-4 0,1139 27 0,-485 16 0,-190-3 0,458-16 0,-15-17 0,247 14 0,3-1 0,1-3 0,-93-28 0,-106-53 0,221 78 0,20 7 0,0 0 0,0 0 0,1-2 0,0 0 0,0-1 0,1 0 0,0-1 0,0-1 0,-18-18 0,11 5 0,-24-25 0,1-2 0,-55-87 0,46 52 0,17 33 0,4-3 0,1 0 0,-29-79 0,53 106 0,1 1 0,1-1 0,1 0 0,2-1 0,1 1 0,1 0 0,6-43 0,-4 60 0,0 0 0,1 0 0,1 0 0,0 0 0,0 0 0,2 1 0,-1 0 0,1 0 0,1 0 0,12-16 0,9-7 0,55-49 0,-68 68 0,4 0 0,1 0 0,1 2 0,0 0 0,0 1 0,1 1 0,1 1 0,0 1 0,35-8 0,50-6 0,150-11 0,-167 24 0,267-24 0,479 16 0,-339 42 0,180 4 0,-519-27 0,821-4 0,-615-27 0,-203 12 0,-12 0 0,-106 12 0,51-1 0,-57 6 0,0-2 0,52-10 0,47-19 0,323-88 0,-445 114 0,-1-1 0,0 0 0,0-1 0,-1 0 0,0-1 0,-1-1 0,0 0 0,0-1 0,-1 0 0,0 0 0,-1-1 0,13-21 0,11-20 0,47-101 0,-66 123 0,24-45 0,37-86 0,-68 141 0,-1-1 0,-1 0 0,-1 0 0,-1-1 0,2-42 0,-5 17 0,-9-93 0,5 122 0,-1 0 0,-1 1 0,0 0 0,-1 0 0,-1 0 0,-1 1 0,-19-32 0,5 16 0,-128-210 0,141 229 0,0 0 0,0 1 0,-2 0 0,1 1 0,-2 0 0,1 0 0,-2 1 0,1 1 0,-1 0 0,-1 1 0,0 1 0,0 0 0,-1 0 0,0 1 0,0 1 0,-24-6 0,-12 1 0,-1 2 0,0 2 0,-100 0 0,-901 7 0,906 7-567,-196 31-6254,134-6 7686,180-28 5,-77 11 4207,-1-2-3966,-142 21-1646,-393 29 535,586-58 0,-72 16 0,19-3 0,24-11 0,-147-6 0,110-3 0,-51-7 0,-229-40 0,91 7 0,226 35 0,-92-15 0,38-3 0,49 10 0,-147-43 0,187 41 0,1-2 0,-87-48 0,119 57 0,0-1 0,0-1 0,2-1 0,-1 0 0,2-1 0,0 0 0,0-1 0,1-1 0,1 0 0,-16-29 0,-12-41 0,-35-105 0,48 118 0,-64-198 0,80 226 0,2 1 0,1-2 0,3 1 0,0-59 0,5 102 0,0-11 0,0-1 0,1 1 0,1-1 0,5-22 0,-6 32 0,0 1 0,1-1 0,-1 1 0,1-1 0,0 1 0,0 0 0,0 0 0,0-1 0,1 2 0,-1-1 0,1 0 0,0 0 0,0 1 0,0 0 0,0-1 0,0 1 0,0 0 0,1 1 0,-1-1 0,1 0 0,6-1 0,70-15 0,0 4 0,155-7 0,-64 7 0,-164 14 0,591-72 0,-511 56 0,-46 7 0,71-4 0,934-14 0,773 27 0,-1584 14 0,-11-1 0,-111-13 0,144-17 0,156-20 0,-358 34 0,-1-3 0,1-2 0,-1-2 0,0-2 0,-1-3 0,-1-3 0,-1-1 0,89-47 0,-131 60 0,0 0 0,0-1 0,-1 0 0,0 0 0,0-1 0,0 0 0,-1 0 0,0-1 0,-1 0 0,10-18 0,-1-3 0,-2-1 0,11-39 0,-9 24 0,-3 5 0,-1 0 0,-2 0 0,-3-1 0,3-57 0,-9-174 0,-3 119 0,4 136 0,-2 1 0,0-1 0,-1 0 0,-1 0 0,-9-29 0,8 36 0,0 0 0,-1 1 0,-1 0 0,0 1 0,0-1 0,-1 1 0,0 0 0,0 0 0,-1 1 0,-10-8 0,2 3 0,-1 1 0,0 1 0,-1 0 0,0 1 0,-1 1 0,0 1 0,-24-7 0,-2 2 0,1 3 0,-55-7 0,-116 3 0,83 8 0,-771-7 0,653 39 0,41-1 0,24 0 0,125-14 0,-1-3 0,-71 0 0,-287-7 0,-185-5 0,408-7 0,-94-3 0,-2397 17 0,1413-5 0,1234 0 0,-57-10 0,55 6 0,-52-1 0,-2457 5 0,1215 5 0,1235-2 0,24 1 0,0-3 0,0-3 0,-132-25 0,-59-25 0,111 24 0,-338-105 0,-9-1 0,275 88 0,-234-43 0,334 72 0,-215-4 0,55 11 0,26 1 0,-847 10 0,532 2 0,540-3 0,-56-9 0,54 5 0,-45-2 0,-557 9 0,599 2 0,1 3 0,0 1 0,1 2 0,-65 22 0,54-15 0,-399 158 0,424-162 0,-67 25 0,49-20 0,-72 37 0,63-21 0,3 1 0,0 3 0,-61 59 0,46-38 0,38-36 0,2 1 0,0 1 0,2 1 0,-40 55 0,0 9 0,-89 98 0,113-136 0,30-37 0,-1 0 0,0 0 0,-1-1 0,0-1 0,-1 0 0,-26 18 0,-32 13 0,-1-3 0,-2-4 0,-113 40 0,164-68 0,1-1 0,-1-1 0,0-1 0,0-1 0,0-1 0,-30 0 0,10-3 0,-238-7 0,212 2 0,0-3 0,-73-19 0,15 3 0,-2 6 0,-188-3 0,102 10 0,77 0 0,-324-14 0,128 27 0,-201-4 0,289-23 0,-3-1 0,3 13 0,-76-1 0,-1361 16 0,1644 0 0,1 2 0,0 2 0,1 1 0,-74 25 0,76-18 0,0 2 0,0 2 0,-38 26 0,10-6 0,-313 207 0,364-235 0,0 0 0,0 1 0,1 0 0,0 1 0,1 0 0,-13 21 0,-44 88 0,34-56 0,26-50 0,0 1 0,1 0 0,0 0 0,1 0 0,1 1 0,1 0 0,-2 27 0,6 124 0,2-73 0,-2-72 0,1 0 0,1 0 0,1 0 0,1-1 0,8 23 0,48 110 0,-5-12 0,-30-76-3578,42 82-1,-29-70 3952,15 20 6429,-30-64-6805,1-1-1,2-2 1,1 0-1,35 30 0,-7-9 4,-21-18 0,54 40 0,-53-49 0,2-1 0,0-3 0,74 33 0,-84-45 0,0-1 0,0-1 0,0-1 0,1-2 0,0-1 0,55 1 0,-21-6 0,-8-1 0,-1 3 0,108 15 0,-138-11 0,1-1 0,0 0 0,48-1 0,-72-3 0,1 0 0,-1 0 0,0 0 0,0 0 0,0-1 0,0 1 0,0 0 0,0-1 0,1 1 0,-1-1 0,0 1 0,0-1 0,0 1 0,0-1 0,-1 0 0,1 1 0,0-1 0,0 0 0,0 0 0,0 0 0,-1 1 0,1-1 0,0 0 0,-1 0 0,1 0 0,0-2 0,-1 1 0,1-1 0,-1 1 0,0-1 0,0 1 0,0 0 0,0-1 0,0 1 0,0-1 0,-1 1 0,0 0 0,1-1 0,-2-2 0,-1-3 0,-1 1 0,1-1 0,-2 0 0,1 1 0,-1 0 0,-8-10 0,-23-17 0,-71-51 0,63 53 0,-47-46 0,61 49-1365</inkml:trace>
+</inkml:ink>
+</file>
+
 <file path=ppt/ink/ink22.xml><?xml version="1.0" encoding="utf-8"?>
+<inkml:ink xmlns:inkml="http://www.w3.org/2003/InkML">
+  <inkml:definitions>
+    <inkml:context xml:id="ctx0">
+      <inkml:inkSource xml:id="inkSrc0">
+        <inkml:traceFormat>
+          <inkml:channel name="X" type="integer" min="-2.14748E9" max="2.14748E9" units="cm"/>
+          <inkml:channel name="Y" type="integer" min="-2.14748E9" max="2.14748E9" units="cm"/>
+          <inkml:channel name="F" type="integer" max="32767" units="dev"/>
+        </inkml:traceFormat>
+        <inkml:channelProperties>
+          <inkml:channelProperty channel="X" name="resolution" value="1000" units="1/cm"/>
+          <inkml:channelProperty channel="Y" name="resolution" value="1000" units="1/cm"/>
+          <inkml:channelProperty channel="F" name="resolution" value="0" units="1/dev"/>
+        </inkml:channelProperties>
+      </inkml:inkSource>
+      <inkml:timestamp xml:id="ts0" timeString="2024-12-05T08:34:05.718"/>
+    </inkml:context>
+    <inkml:brush xml:id="br0">
+      <inkml:brushProperty name="width" value="0.1" units="cm"/>
+      <inkml:brushProperty name="height" value="0.1" units="cm"/>
+      <inkml:brushProperty name="color" value="#008C3A"/>
+    </inkml:brush>
+  </inkml:definitions>
+  <inkml:trace contextRef="#ctx0" brushRef="#br0">556 1 24575,'0'2'0,"-1"1"0,1-1 0,-1 1 0,0-1 0,0 1 0,0-1 0,0 0 0,0 1 0,-1-1 0,1 0 0,-1 0 0,1 0 0,-1 0 0,0 0 0,0-1 0,-3 3 0,-37 27 0,34-26 0,-188 119 0,87-58 0,76-48 0,0 1 0,-56 46 0,68-37-1365</inkml:trace>
+</inkml:ink>
+</file>
+
+<file path=ppt/ink/ink23.xml><?xml version="1.0" encoding="utf-8"?>
+<inkml:ink xmlns:inkml="http://www.w3.org/2003/InkML">
+  <inkml:definitions>
+    <inkml:context xml:id="ctx0">
+      <inkml:inkSource xml:id="inkSrc0">
+        <inkml:traceFormat>
+          <inkml:channel name="X" type="integer" min="-2.14748E9" max="2.14748E9" units="cm"/>
+          <inkml:channel name="Y" type="integer" min="-2.14748E9" max="2.14748E9" units="cm"/>
+          <inkml:channel name="F" type="integer" max="32767" units="dev"/>
+        </inkml:traceFormat>
+        <inkml:channelProperties>
+          <inkml:channelProperty channel="X" name="resolution" value="1000" units="1/cm"/>
+          <inkml:channelProperty channel="Y" name="resolution" value="1000" units="1/cm"/>
+          <inkml:channelProperty channel="F" name="resolution" value="0" units="1/dev"/>
+        </inkml:channelProperties>
+      </inkml:inkSource>
+      <inkml:timestamp xml:id="ts0" timeString="2024-12-05T08:34:07.648"/>
+    </inkml:context>
+    <inkml:brush xml:id="br0">
+      <inkml:brushProperty name="width" value="0.1" units="cm"/>
+      <inkml:brushProperty name="height" value="0.1" units="cm"/>
+      <inkml:brushProperty name="color" value="#008C3A"/>
+    </inkml:brush>
+  </inkml:definitions>
+  <inkml:trace contextRef="#ctx0" brushRef="#br0">0 13 24575,'12'2'0,"0"1"0,0 0 0,0 0 0,0 2 0,-1-1 0,0 2 0,0-1 0,0 1 0,19 15 0,22 11 0,59 21 0,154 53 0,-166-64 0,-97-42 0,0 1 0,-1-1 0,1 0 0,0 0 0,-1 0 0,1 0 0,0 0 0,-1 0 0,1-1 0,0 1 0,0 0 0,-1-1 0,1 1 0,-1-1 0,1 0 0,-1 0 0,1 1 0,-1-1 0,1 0 0,1-2 0,32-29 0,-15 13 0,27-13 0,1 2 0,62-28 0,-52 29 0,-47 22 0,1 0 0,-2-1 0,1 0 0,-1 0 0,0-1 0,0-1 0,12-15 0,-10 13-1365</inkml:trace>
+</inkml:ink>
+</file>
+
+<file path=ppt/ink/ink3.xml><?xml version="1.0" encoding="utf-8"?>
 <inkml:ink xmlns:inkml="http://www.w3.org/2003/InkML">
   <inkml:definitions>
     <inkml:context xml:id="ctx0">
@@ -543,7 +596,7 @@
 </inkml:ink>
 </file>
 
-<file path=ppt/ink/ink23.xml><?xml version="1.0" encoding="utf-8"?>
+<file path=ppt/ink/ink4.xml><?xml version="1.0" encoding="utf-8"?>
 <inkml:ink xmlns:inkml="http://www.w3.org/2003/InkML">
   <inkml:definitions>
     <inkml:context xml:id="ctx0">
@@ -571,7 +624,7 @@
 </inkml:ink>
 </file>
 
-<file path=ppt/ink/ink24.xml><?xml version="1.0" encoding="utf-8"?>
+<file path=ppt/ink/ink5.xml><?xml version="1.0" encoding="utf-8"?>
 <inkml:ink xmlns:inkml="http://www.w3.org/2003/InkML">
   <inkml:definitions>
     <inkml:context xml:id="ctx0">
@@ -599,7 +652,7 @@
 </inkml:ink>
 </file>
 
-<file path=ppt/ink/ink25.xml><?xml version="1.0" encoding="utf-8"?>
+<file path=ppt/ink/ink6.xml><?xml version="1.0" encoding="utf-8"?>
 <inkml:ink xmlns:inkml="http://www.w3.org/2003/InkML">
   <inkml:definitions>
     <inkml:context xml:id="ctx0">
@@ -627,7 +680,7 @@
 </inkml:ink>
 </file>
 
-<file path=ppt/ink/ink26.xml><?xml version="1.0" encoding="utf-8"?>
+<file path=ppt/ink/ink7.xml><?xml version="1.0" encoding="utf-8"?>
 <inkml:ink xmlns:inkml="http://www.w3.org/2003/InkML">
   <inkml:definitions>
     <inkml:context xml:id="ctx0">
@@ -655,7 +708,7 @@
 </inkml:ink>
 </file>
 
-<file path=ppt/ink/ink27.xml><?xml version="1.0" encoding="utf-8"?>
+<file path=ppt/ink/ink8.xml><?xml version="1.0" encoding="utf-8"?>
 <inkml:ink xmlns:inkml="http://www.w3.org/2003/InkML">
   <inkml:definitions>
     <inkml:context xml:id="ctx0">
@@ -683,7 +736,7 @@
 </inkml:ink>
 </file>
 
-<file path=ppt/ink/ink28.xml><?xml version="1.0" encoding="utf-8"?>
+<file path=ppt/ink/ink9.xml><?xml version="1.0" encoding="utf-8"?>
 <inkml:ink xmlns:inkml="http://www.w3.org/2003/InkML">
   <inkml:definitions>
     <inkml:context xml:id="ctx0">
@@ -708,594 +761,6 @@
     </inkml:brush>
   </inkml:definitions>
   <inkml:trace contextRef="#ctx0" brushRef="#br0">0 21 24575,'5'0'0,"0"1"0,0 0 0,0 1 0,-1-1 0,1 1 0,-1 0 0,1 0 0,-1 0 0,0 1 0,0 0 0,5 3 0,15 9 0,181 79 0,64 35 0,-232-109 0,1-2 0,63 23 0,-99-41 0,0 1 0,0-1 0,-1 0 0,1 0 0,0 0 0,0 0 0,0 0 0,0 0 0,0-1 0,0 1 0,0-1 0,-1 1 0,1-1 0,0 0 0,0 1 0,-1-1 0,1 0 0,0 0 0,-1 0 0,1 0 0,-1-1 0,1 1 0,-1 0 0,0-1 0,2-1 0,31-47 0,-21 28 0,39-59 0,-38 56 0,1 1 0,2 0 0,0 1 0,23-23 0,11-4-1365</inkml:trace>
-</inkml:ink>
-</file>
-
-<file path=ppt/ink/ink29.xml><?xml version="1.0" encoding="utf-8"?>
-<inkml:ink xmlns:inkml="http://www.w3.org/2003/InkML">
-  <inkml:definitions>
-    <inkml:context xml:id="ctx0">
-      <inkml:inkSource xml:id="inkSrc0">
-        <inkml:traceFormat>
-          <inkml:channel name="X" type="integer" min="-2.14748E9" max="2.14748E9" units="cm"/>
-          <inkml:channel name="Y" type="integer" min="-2.14748E9" max="2.14748E9" units="cm"/>
-          <inkml:channel name="F" type="integer" max="32767" units="dev"/>
-        </inkml:traceFormat>
-        <inkml:channelProperties>
-          <inkml:channelProperty channel="X" name="resolution" value="1000" units="1/cm"/>
-          <inkml:channelProperty channel="Y" name="resolution" value="1000" units="1/cm"/>
-          <inkml:channelProperty channel="F" name="resolution" value="0" units="1/dev"/>
-        </inkml:channelProperties>
-      </inkml:inkSource>
-      <inkml:timestamp xml:id="ts0" timeString="2024-12-05T08:32:55.931"/>
-    </inkml:context>
-    <inkml:brush xml:id="br0">
-      <inkml:brushProperty name="width" value="0.1" units="cm"/>
-      <inkml:brushProperty name="height" value="0.1" units="cm"/>
-      <inkml:brushProperty name="color" value="#008C3A"/>
-    </inkml:brush>
-  </inkml:definitions>
-  <inkml:trace contextRef="#ctx0" brushRef="#br0">186 203 24575,'2'-11'0,"0"1"0,1 0 0,0-1 0,1 1 0,0 0 0,0 1 0,8-12 0,-8 13 0,1-3 0,1 1 0,0-1 0,1 1 0,0 0 0,1 1 0,0 0 0,9-9 0,-15 17 0,0-1 0,0 1 0,0-1 0,0 1 0,1 0 0,-1 0 0,0 0 0,1 0 0,-1 0 0,0 0 0,1 1 0,-1-1 0,1 1 0,-1 0 0,1 0 0,3 0 0,-3 1 0,0-1 0,0 1 0,0 1 0,0-1 0,-1 0 0,1 1 0,0-1 0,-1 1 0,1 0 0,-1 0 0,0 0 0,1 0 0,-1 0 0,0 1 0,0-1 0,3 5 0,5 10 0,-1-1 0,-1 1 0,0 1 0,-1-1 0,-1 1 0,0 1 0,-2-1 0,0 1 0,-1 0 0,1 19 0,-2 10 0,-1 0 0,-11 85 0,2-91 0,-1-1 0,-2 0 0,-2-1 0,-1 0 0,-2-1 0,-39 67 0,50-99 0,0 0 0,0 0 0,-1 0 0,0 0 0,0-1 0,-1 0 0,0 0 0,0-1 0,0 0 0,0 0 0,-13 5 0,6-3 0,1-2 0,-2 0 0,1 0 0,0-2 0,-1 0 0,-16 2 0,28-5 0,-1 1 0,1-1 0,0 0 0,-1 0 0,1-1 0,0 1 0,0-1 0,-1 0 0,1 1 0,0-1 0,0-1 0,0 1 0,0 0 0,0-1 0,0 1 0,0-1 0,1 0 0,-1 0 0,1 0 0,-4-4 0,2 1 0,0 0 0,1 0 0,-1-1 0,1 0 0,0 0 0,1 0 0,-1 0 0,1 0 0,-2-11 0,0-5 0,1 0 0,1 1 0,1-1 0,2 0 0,2-28 0,-3 47 0,0-1 0,1 1 0,-1 0 0,1 0 0,-1 0 0,1 0 0,0 0 0,0 0 0,0 0 0,0 1 0,1-1 0,-1 0 0,1 1 0,0-1 0,0 1 0,0-1 0,0 1 0,0 0 0,0 0 0,0 0 0,1 0 0,-1 0 0,1 0 0,0 1 0,-1-1 0,1 1 0,0 0 0,0-1 0,0 2 0,0-1 0,0 0 0,0 0 0,4 1 0,0 0 0,0 0 0,0 1 0,0 0 0,-1 1 0,1 0 0,-1 0 0,1 0 0,-1 1 0,0-1 0,1 2 0,-2-1 0,1 1 0,0 0 0,6 6 0,52 46 0,-30-25 0,68 48 0,-72-62-35,1-1 0,0-2 0,1-1 0,1-2 0,46 10-1,-14-3-1118,-43-11-5672</inkml:trace>
-</inkml:ink>
-</file>
-
-<file path=ppt/ink/ink3.xml><?xml version="1.0" encoding="utf-8"?>
-<inkml:ink xmlns:inkml="http://www.w3.org/2003/InkML">
-  <inkml:definitions>
-    <inkml:context xml:id="ctx0">
-      <inkml:inkSource xml:id="inkSrc0">
-        <inkml:traceFormat>
-          <inkml:channel name="X" type="integer" min="-2.14748E9" max="2.14748E9" units="cm"/>
-          <inkml:channel name="Y" type="integer" min="-2.14748E9" max="2.14748E9" units="cm"/>
-          <inkml:channel name="F" type="integer" max="32767" units="dev"/>
-        </inkml:traceFormat>
-        <inkml:channelProperties>
-          <inkml:channelProperty channel="X" name="resolution" value="1000" units="1/cm"/>
-          <inkml:channelProperty channel="Y" name="resolution" value="1000" units="1/cm"/>
-          <inkml:channelProperty channel="F" name="resolution" value="0" units="1/dev"/>
-        </inkml:channelProperties>
-      </inkml:inkSource>
-      <inkml:timestamp xml:id="ts0" timeString="2024-11-23T16:37:35.124"/>
-    </inkml:context>
-    <inkml:brush xml:id="br0">
-      <inkml:brushProperty name="width" value="0.035" units="cm"/>
-      <inkml:brushProperty name="height" value="0.035" units="cm"/>
-      <inkml:brushProperty name="color" value="#E71224"/>
-    </inkml:brush>
-  </inkml:definitions>
-  <inkml:trace contextRef="#ctx0" brushRef="#br0">0 41 24575,'11'0'0,"-1"1"0,1 0 0,-1 1 0,1 0 0,-1 1 0,0 0 0,0 0 0,0 1 0,-1 0 0,1 1 0,-1 0 0,0 1 0,0 0 0,-1 0 0,0 1 0,11 10 0,7 10 0,0 1 0,-2 0 0,31 49 0,35 41 0,-74-102 0,1-2 0,29 21 0,-17-14 0,87 64 0,-114-83 0,1-1 0,-1 1 0,1-1 0,0 0 0,-1 0 0,1 0 0,0 0 0,0 0 0,0-1 0,0 1 0,0-1 0,0 0 0,0 0 0,0 0 0,0 0 0,0 0 0,0-1 0,0 0 0,-1 1 0,1-1 0,0 0 0,0 0 0,0 0 0,-1-1 0,1 1 0,-1-1 0,4-2 0,6-6 0,-1 0 0,0 0 0,-1-1 0,13-17 0,-2 3 0,16-15 0,3 1 0,1 2 0,72-50 0,152-68 0,-89 65-1365,-140 71-5461</inkml:trace>
-</inkml:ink>
-</file>
-
-<file path=ppt/ink/ink30.xml><?xml version="1.0" encoding="utf-8"?>
-<inkml:ink xmlns:inkml="http://www.w3.org/2003/InkML">
-  <inkml:definitions>
-    <inkml:context xml:id="ctx0">
-      <inkml:inkSource xml:id="inkSrc0">
-        <inkml:traceFormat>
-          <inkml:channel name="X" type="integer" min="-2.14748E9" max="2.14748E9" units="cm"/>
-          <inkml:channel name="Y" type="integer" min="-2.14748E9" max="2.14748E9" units="cm"/>
-          <inkml:channel name="F" type="integer" max="32767" units="dev"/>
-        </inkml:traceFormat>
-        <inkml:channelProperties>
-          <inkml:channelProperty channel="X" name="resolution" value="1000" units="1/cm"/>
-          <inkml:channelProperty channel="Y" name="resolution" value="1000" units="1/cm"/>
-          <inkml:channelProperty channel="F" name="resolution" value="0" units="1/dev"/>
-        </inkml:channelProperties>
-      </inkml:inkSource>
-      <inkml:timestamp xml:id="ts0" timeString="2024-12-05T08:32:56.510"/>
-    </inkml:context>
-    <inkml:brush xml:id="br0">
-      <inkml:brushProperty name="width" value="0.1" units="cm"/>
-      <inkml:brushProperty name="height" value="0.1" units="cm"/>
-      <inkml:brushProperty name="color" value="#008C3A"/>
-    </inkml:brush>
-  </inkml:definitions>
-  <inkml:trace contextRef="#ctx0" brushRef="#br0">0 0 24575,'4'0'0,"2"4"0,4 2 0,0 4 0</inkml:trace>
-</inkml:ink>
-</file>
-
-<file path=ppt/ink/ink31.xml><?xml version="1.0" encoding="utf-8"?>
-<inkml:ink xmlns:inkml="http://www.w3.org/2003/InkML">
-  <inkml:definitions>
-    <inkml:context xml:id="ctx0">
-      <inkml:inkSource xml:id="inkSrc0">
-        <inkml:traceFormat>
-          <inkml:channel name="X" type="integer" min="-2.14748E9" max="2.14748E9" units="cm"/>
-          <inkml:channel name="Y" type="integer" min="-2.14748E9" max="2.14748E9" units="cm"/>
-          <inkml:channel name="F" type="integer" max="32767" units="dev"/>
-        </inkml:traceFormat>
-        <inkml:channelProperties>
-          <inkml:channelProperty channel="X" name="resolution" value="1000" units="1/cm"/>
-          <inkml:channelProperty channel="Y" name="resolution" value="1000" units="1/cm"/>
-          <inkml:channelProperty channel="F" name="resolution" value="0" units="1/dev"/>
-        </inkml:channelProperties>
-      </inkml:inkSource>
-      <inkml:timestamp xml:id="ts0" timeString="2024-12-05T08:33:01.329"/>
-    </inkml:context>
-    <inkml:brush xml:id="br0">
-      <inkml:brushProperty name="width" value="0.1" units="cm"/>
-      <inkml:brushProperty name="height" value="0.1" units="cm"/>
-      <inkml:brushProperty name="color" value="#E71224"/>
-    </inkml:brush>
-  </inkml:definitions>
-  <inkml:trace contextRef="#ctx0" brushRef="#br0">1 1 24575,'0'694'0,"5"-648"-1365,0-29-5461</inkml:trace>
-</inkml:ink>
-</file>
-
-<file path=ppt/ink/ink32.xml><?xml version="1.0" encoding="utf-8"?>
-<inkml:ink xmlns:inkml="http://www.w3.org/2003/InkML">
-  <inkml:definitions>
-    <inkml:context xml:id="ctx0">
-      <inkml:inkSource xml:id="inkSrc0">
-        <inkml:traceFormat>
-          <inkml:channel name="X" type="integer" min="-2.14748E9" max="2.14748E9" units="cm"/>
-          <inkml:channel name="Y" type="integer" min="-2.14748E9" max="2.14748E9" units="cm"/>
-          <inkml:channel name="F" type="integer" max="32767" units="dev"/>
-        </inkml:traceFormat>
-        <inkml:channelProperties>
-          <inkml:channelProperty channel="X" name="resolution" value="1000" units="1/cm"/>
-          <inkml:channelProperty channel="Y" name="resolution" value="1000" units="1/cm"/>
-          <inkml:channelProperty channel="F" name="resolution" value="0" units="1/dev"/>
-        </inkml:channelProperties>
-      </inkml:inkSource>
-      <inkml:timestamp xml:id="ts0" timeString="2024-12-05T08:33:02.007"/>
-    </inkml:context>
-    <inkml:brush xml:id="br0">
-      <inkml:brushProperty name="width" value="0.1" units="cm"/>
-      <inkml:brushProperty name="height" value="0.1" units="cm"/>
-      <inkml:brushProperty name="color" value="#E71224"/>
-    </inkml:brush>
-  </inkml:definitions>
-  <inkml:trace contextRef="#ctx0" brushRef="#br0">1 0 24575,'4'0'0,"2"5"0</inkml:trace>
-</inkml:ink>
-</file>
-
-<file path=ppt/ink/ink33.xml><?xml version="1.0" encoding="utf-8"?>
-<inkml:ink xmlns:inkml="http://www.w3.org/2003/InkML">
-  <inkml:definitions>
-    <inkml:context xml:id="ctx0">
-      <inkml:inkSource xml:id="inkSrc0">
-        <inkml:traceFormat>
-          <inkml:channel name="X" type="integer" min="-2.14748E9" max="2.14748E9" units="cm"/>
-          <inkml:channel name="Y" type="integer" min="-2.14748E9" max="2.14748E9" units="cm"/>
-          <inkml:channel name="F" type="integer" max="32767" units="dev"/>
-        </inkml:traceFormat>
-        <inkml:channelProperties>
-          <inkml:channelProperty channel="X" name="resolution" value="1000" units="1/cm"/>
-          <inkml:channelProperty channel="Y" name="resolution" value="1000" units="1/cm"/>
-          <inkml:channelProperty channel="F" name="resolution" value="0" units="1/dev"/>
-        </inkml:channelProperties>
-      </inkml:inkSource>
-      <inkml:timestamp xml:id="ts0" timeString="2024-12-05T08:32:13.136"/>
-    </inkml:context>
-    <inkml:brush xml:id="br0">
-      <inkml:brushProperty name="width" value="0.1" units="cm"/>
-      <inkml:brushProperty name="height" value="0.1" units="cm"/>
-      <inkml:brushProperty name="color" value="#E71224"/>
-    </inkml:brush>
-  </inkml:definitions>
-  <inkml:trace contextRef="#ctx0" brushRef="#br0">1747 2235 24575,'-2'200'0,"9"261"0,-6-450 0,19 346 0,-22-107 0,4 527 0,15-526 0,-7-126 0,1-10 0,3 85 0,-14-191 0,15 886 0,-2 145 0,-16-639 0,2-202 0,3 212 0,4-339 0,25 113 0,-1-13 0,-16-64 0,4 0 0,4-1 0,46 127 0,33 46 0,-88-243 0,12 58 0,5 15 0,4-19 0,4-1 0,4-1 0,61 94 0,-84-155 0,2-1 0,1-1 0,1-1 0,1 0 0,2-2 0,0-1 0,1-2 0,1 0 0,31 16 0,21 6 0,1-4 0,104 34 0,-140-61 0,0-1 0,1-2 0,0-2 0,73-1 0,8 5 0,-1 5 0,0 6 0,-1 5 0,195 67 0,278 59 0,-273-78 0,-135-26 0,277 64 0,-271-72 0,194 32 0,-140-39 0,134 9 0,-208-20 0,463 14 0,-228-21 0,-375-11 0,0-2 0,-1-2 0,1-1 0,56-9 0,-69 6 0,-1-2 0,1-1 0,-2 0 0,1-2 0,-1 0 0,0-1 0,-1-2 0,22-14 0,-4-5 0,-1 0 0,-2-3 0,-1 0 0,-1-3 0,53-78 0,109-216 0,-134 208 0,88-258 0,-115 251 0,-5 0 0,16-169 0,-39 248 0,7-105 0,-9-231 0,-7 189 0,3 194 0,1-40 0,-1 0 0,-3 0 0,-1 0 0,-2 1 0,-17-59 0,-4 24 0,-3 1 0,-4 2 0,-75-124 0,82 157 0,-62-75 0,72 99 0,-1 0 0,-1 1 0,-1 1 0,0 1 0,-38-22 0,41 27 0,0 1 0,-1 1 0,0 0 0,-1 2 0,1 0 0,-1 1 0,0 1 0,-1 0 0,1 2 0,-30-1 0,-147-8 0,10-1 0,-1 14 0,-130-4 0,198-10 0,67 5 0,-57 0 0,-865 8 0,944-3 0,-56-9 0,56 5 0,-54-1 0,49 3 0,0-1 0,0-1 0,0-2 0,1-2 0,0 0 0,-38-20 0,22 11 0,17 4 0,1-1 0,1-2 0,-47-35 0,71 48 0,-33-25 0,2-2 0,1-2 0,-37-45 0,55 56 0,1-1 0,1-1 0,1 0 0,1-1 0,-12-32 0,-45-142 0,59 159 0,4 6 0,2 0 0,1-1 0,2 0 0,1 0 0,4-45 0,-9-81 0,-5-76 0,10 113 0,-21-91 0,8 21 0,5 74 0,-16-45 0,2 22 0,0-88 0,13 150 0,7 54 0,-4-57 0,7 52 0,-8-49 0,4 49 0,-1-50 0,7 42 0,-2 1 0,-11-58 0,7 57 0,-1-62 0,5 61 0,-8-55 0,-8-71 0,9 53 0,-3-176 0,4 53 0,-18-215 0,16 268 0,3-143 0,-18-201 0,6 366 0,-17-114 0,15 113 0,-1-13 0,16 151 0,0 0 0,-1 0 0,-2 1 0,-18-39 0,15 41 0,-1 0 0,-2 1 0,-25-31 0,30 42 0,0 1 0,0 0 0,-1 0 0,-1 1 0,1 0 0,-2 1 0,1 1 0,-17-8 0,-62-21 0,-2 4 0,-149-30 0,-203-13 0,286 52 0,98 13 0,-118-19 0,-332-10 0,-345 40 0,821-3 0,-54-9 0,54 5 0,-51-1 0,-12 8 0,39 0 0,0-1 0,-109-17 0,127 11 0,0 2 0,-56 1 0,48 3 0,-52-7 0,-12-6 0,-46-6 0,122 13 0,1 3 0,-1 1 0,-1 1 0,1 3 0,-52 7 0,-180 52 0,249-56 0,1 1 0,0 1 0,0 1 0,1 1 0,-26 16 0,35-19 0,0 1 0,0 0 0,0 1 0,1 0 0,0 1 0,1 0 0,-1 0 0,2 0 0,-1 1 0,-8 19 0,4-5 0,1 1 0,2 0 0,0 1 0,2 0 0,0 0 0,2 0 0,1 0 0,1 43 0,1 19 0,4 82 0,-2-159 0,1 0 0,1 0 0,0 0 0,0 0 0,1-1 0,10 19 0,40 61 0,-22-41 0,-10-16 0,2-1 0,2-1 0,57 53 0,-66-67 0,2-1 0,1 0 0,37 22 0,24 19 0,21 17 0,-8-7 0,-83-58 0,8 8 0,0-2 0,1 0 0,1-2 0,0 0 0,26 12 0,-45-25 0,-1 1 0,1 0 0,-1-1 0,0 0 0,1 1 0,-1-1 0,1 0 0,-1 0 0,1 0 0,-1 0 0,1 0 0,-1 0 0,1 0 0,-1 0 0,0-1 0,1 1 0,-1-1 0,1 1 0,-1-1 0,0 1 0,1-1 0,-1 0 0,0 0 0,0 1 0,1-1 0,-1 0 0,1-1 0,0-1 0,0 0 0,0 0 0,-1-1 0,1 1 0,-1 0 0,1 0 0,-1-1 0,0 1 0,-1-1 0,1 1 0,0-5 0,0-7 0,-1 1 0,0-1 0,-1 0 0,-4-25 0,-9-12 0,-2 0 0,-3 1 0,-1 1 0,-49-84 0,62 122-1365</inkml:trace>
-</inkml:ink>
-</file>
-
-<file path=ppt/ink/ink34.xml><?xml version="1.0" encoding="utf-8"?>
-<inkml:ink xmlns:inkml="http://www.w3.org/2003/InkML">
-  <inkml:definitions>
-    <inkml:context xml:id="ctx0">
-      <inkml:inkSource xml:id="inkSrc0">
-        <inkml:traceFormat>
-          <inkml:channel name="X" type="integer" min="-2.14748E9" max="2.14748E9" units="cm"/>
-          <inkml:channel name="Y" type="integer" min="-2.14748E9" max="2.14748E9" units="cm"/>
-          <inkml:channel name="F" type="integer" max="32767" units="dev"/>
-        </inkml:traceFormat>
-        <inkml:channelProperties>
-          <inkml:channelProperty channel="X" name="resolution" value="1000" units="1/cm"/>
-          <inkml:channelProperty channel="Y" name="resolution" value="1000" units="1/cm"/>
-          <inkml:channelProperty channel="F" name="resolution" value="0" units="1/dev"/>
-        </inkml:channelProperties>
-      </inkml:inkSource>
-      <inkml:timestamp xml:id="ts0" timeString="2024-12-05T08:32:13.882"/>
-    </inkml:context>
-    <inkml:brush xml:id="br0">
-      <inkml:brushProperty name="width" value="0.1" units="cm"/>
-      <inkml:brushProperty name="height" value="0.1" units="cm"/>
-      <inkml:brushProperty name="color" value="#E71224"/>
-    </inkml:brush>
-  </inkml:definitions>
-  <inkml:trace contextRef="#ctx0" brushRef="#br0">659 1 24575,'-21'1'0,"1"2"0,-1 1 0,1 0 0,-33 12 0,8-2 0,-234 58 0,247-61-273,0 1 0,1 2 0,1 1 0,-44 29 0</inkml:trace>
-</inkml:ink>
-</file>
-
-<file path=ppt/ink/ink35.xml><?xml version="1.0" encoding="utf-8"?>
-<inkml:ink xmlns:inkml="http://www.w3.org/2003/InkML">
-  <inkml:definitions>
-    <inkml:context xml:id="ctx0">
-      <inkml:inkSource xml:id="inkSrc0">
-        <inkml:traceFormat>
-          <inkml:channel name="X" type="integer" min="-2.14748E9" max="2.14748E9" units="cm"/>
-          <inkml:channel name="Y" type="integer" min="-2.14748E9" max="2.14748E9" units="cm"/>
-          <inkml:channel name="F" type="integer" max="32767" units="dev"/>
-        </inkml:traceFormat>
-        <inkml:channelProperties>
-          <inkml:channelProperty channel="X" name="resolution" value="1000" units="1/cm"/>
-          <inkml:channelProperty channel="Y" name="resolution" value="1000" units="1/cm"/>
-          <inkml:channelProperty channel="F" name="resolution" value="0" units="1/dev"/>
-        </inkml:channelProperties>
-      </inkml:inkSource>
-      <inkml:timestamp xml:id="ts0" timeString="2024-12-05T08:32:15.951"/>
-    </inkml:context>
-    <inkml:brush xml:id="br0">
-      <inkml:brushProperty name="width" value="0.1" units="cm"/>
-      <inkml:brushProperty name="height" value="0.1" units="cm"/>
-      <inkml:brushProperty name="color" value="#E71224"/>
-    </inkml:brush>
-  </inkml:definitions>
-  <inkml:trace contextRef="#ctx0" brushRef="#br0">0 0 24575,'5'2'0,"0"0"0,0 1 0,0-1 0,0 1 0,-1 0 0,1 0 0,-1 0 0,0 1 0,0 0 0,0 0 0,-1 0 0,4 4 0,3 3 0,19 18 0,-15-13 0,1 0 0,1-1 0,0-1 0,1-1 0,1 0 0,0-1 0,31 15 0,-44-25 0,0-1 0,1 0 0,-1 0 0,1 0 0,-1-1 0,1 0 0,-1 0 0,1 0 0,-1-1 0,1 1 0,5-3 0,65-21 0,-12 3 0,-42 16-109,9 0-142,0-2-1,-1-1 1,0-2 0,46-21 0,-60 22-6575</inkml:trace>
-</inkml:ink>
-</file>
-
-<file path=ppt/ink/ink36.xml><?xml version="1.0" encoding="utf-8"?>
-<inkml:ink xmlns:inkml="http://www.w3.org/2003/InkML">
-  <inkml:definitions>
-    <inkml:context xml:id="ctx0">
-      <inkml:inkSource xml:id="inkSrc0">
-        <inkml:traceFormat>
-          <inkml:channel name="X" type="integer" min="-2.14748E9" max="2.14748E9" units="cm"/>
-          <inkml:channel name="Y" type="integer" min="-2.14748E9" max="2.14748E9" units="cm"/>
-          <inkml:channel name="F" type="integer" max="32767" units="dev"/>
-        </inkml:traceFormat>
-        <inkml:channelProperties>
-          <inkml:channelProperty channel="X" name="resolution" value="1000" units="1/cm"/>
-          <inkml:channelProperty channel="Y" name="resolution" value="1000" units="1/cm"/>
-          <inkml:channelProperty channel="F" name="resolution" value="0" units="1/dev"/>
-        </inkml:channelProperties>
-      </inkml:inkSource>
-      <inkml:timestamp xml:id="ts0" timeString="2024-12-05T08:32:55.931"/>
-    </inkml:context>
-    <inkml:brush xml:id="br0">
-      <inkml:brushProperty name="width" value="0.1" units="cm"/>
-      <inkml:brushProperty name="height" value="0.1" units="cm"/>
-      <inkml:brushProperty name="color" value="#008C3A"/>
-    </inkml:brush>
-  </inkml:definitions>
-  <inkml:trace contextRef="#ctx0" brushRef="#br0">186 203 24575,'2'-11'0,"0"1"0,1 0 0,0-1 0,1 1 0,0 0 0,0 1 0,8-12 0,-8 13 0,1-3 0,1 1 0,0-1 0,1 1 0,0 0 0,1 1 0,0 0 0,9-9 0,-15 17 0,0-1 0,0 1 0,0-1 0,0 1 0,1 0 0,-1 0 0,0 0 0,1 0 0,-1 0 0,0 0 0,1 1 0,-1-1 0,1 1 0,-1 0 0,1 0 0,3 0 0,-3 1 0,0-1 0,0 1 0,0 1 0,0-1 0,-1 0 0,1 1 0,0-1 0,-1 1 0,1 0 0,-1 0 0,0 0 0,1 0 0,-1 0 0,0 1 0,0-1 0,3 5 0,5 10 0,-1-1 0,-1 1 0,0 1 0,-1-1 0,-1 1 0,0 1 0,-2-1 0,0 1 0,-1 0 0,1 19 0,-2 10 0,-1 0 0,-11 85 0,2-91 0,-1-1 0,-2 0 0,-2-1 0,-1 0 0,-2-1 0,-39 67 0,50-99 0,0 0 0,0 0 0,-1 0 0,0 0 0,0-1 0,-1 0 0,0 0 0,0-1 0,0 0 0,0 0 0,-13 5 0,6-3 0,1-2 0,-2 0 0,1 0 0,0-2 0,-1 0 0,-16 2 0,28-5 0,-1 1 0,1-1 0,0 0 0,-1 0 0,1-1 0,0 1 0,0-1 0,-1 0 0,1 1 0,0-1 0,0-1 0,0 1 0,0 0 0,0-1 0,0 1 0,0-1 0,1 0 0,-1 0 0,1 0 0,-4-4 0,2 1 0,0 0 0,1 0 0,-1-1 0,1 0 0,0 0 0,1 0 0,-1 0 0,1 0 0,-2-11 0,0-5 0,1 0 0,1 1 0,1-1 0,2 0 0,2-28 0,-3 47 0,0-1 0,1 1 0,-1 0 0,1 0 0,-1 0 0,1 0 0,0 0 0,0 0 0,0 0 0,0 1 0,1-1 0,-1 0 0,1 1 0,0-1 0,0 1 0,0-1 0,0 1 0,0 0 0,0 0 0,0 0 0,1 0 0,-1 0 0,1 0 0,0 1 0,-1-1 0,1 1 0,0 0 0,0-1 0,0 2 0,0-1 0,0 0 0,0 0 0,4 1 0,0 0 0,0 0 0,0 1 0,0 0 0,-1 1 0,1 0 0,-1 0 0,1 0 0,-1 1 0,0-1 0,1 2 0,-2-1 0,1 1 0,0 0 0,6 6 0,52 46 0,-30-25 0,68 48 0,-72-62-35,1-1 0,0-2 0,1-1 0,1-2 0,46 10-1,-14-3-1118,-43-11-5672</inkml:trace>
-</inkml:ink>
-</file>
-
-<file path=ppt/ink/ink37.xml><?xml version="1.0" encoding="utf-8"?>
-<inkml:ink xmlns:inkml="http://www.w3.org/2003/InkML">
-  <inkml:definitions>
-    <inkml:context xml:id="ctx0">
-      <inkml:inkSource xml:id="inkSrc0">
-        <inkml:traceFormat>
-          <inkml:channel name="X" type="integer" min="-2.14748E9" max="2.14748E9" units="cm"/>
-          <inkml:channel name="Y" type="integer" min="-2.14748E9" max="2.14748E9" units="cm"/>
-          <inkml:channel name="F" type="integer" max="32767" units="dev"/>
-        </inkml:traceFormat>
-        <inkml:channelProperties>
-          <inkml:channelProperty channel="X" name="resolution" value="1000" units="1/cm"/>
-          <inkml:channelProperty channel="Y" name="resolution" value="1000" units="1/cm"/>
-          <inkml:channelProperty channel="F" name="resolution" value="0" units="1/dev"/>
-        </inkml:channelProperties>
-      </inkml:inkSource>
-      <inkml:timestamp xml:id="ts0" timeString="2024-12-05T08:32:56.510"/>
-    </inkml:context>
-    <inkml:brush xml:id="br0">
-      <inkml:brushProperty name="width" value="0.1" units="cm"/>
-      <inkml:brushProperty name="height" value="0.1" units="cm"/>
-      <inkml:brushProperty name="color" value="#008C3A"/>
-    </inkml:brush>
-  </inkml:definitions>
-  <inkml:trace contextRef="#ctx0" brushRef="#br0">0 0 24575,'4'0'0,"2"4"0,4 2 0,0 4 0</inkml:trace>
-</inkml:ink>
-</file>
-
-<file path=ppt/ink/ink38.xml><?xml version="1.0" encoding="utf-8"?>
-<inkml:ink xmlns:inkml="http://www.w3.org/2003/InkML">
-  <inkml:definitions>
-    <inkml:context xml:id="ctx0">
-      <inkml:inkSource xml:id="inkSrc0">
-        <inkml:traceFormat>
-          <inkml:channel name="X" type="integer" min="-2.14748E9" max="2.14748E9" units="cm"/>
-          <inkml:channel name="Y" type="integer" min="-2.14748E9" max="2.14748E9" units="cm"/>
-          <inkml:channel name="F" type="integer" max="32767" units="dev"/>
-        </inkml:traceFormat>
-        <inkml:channelProperties>
-          <inkml:channelProperty channel="X" name="resolution" value="1000" units="1/cm"/>
-          <inkml:channelProperty channel="Y" name="resolution" value="1000" units="1/cm"/>
-          <inkml:channelProperty channel="F" name="resolution" value="0" units="1/dev"/>
-        </inkml:channelProperties>
-      </inkml:inkSource>
-      <inkml:timestamp xml:id="ts0" timeString="2024-12-05T08:33:01.329"/>
-    </inkml:context>
-    <inkml:brush xml:id="br0">
-      <inkml:brushProperty name="width" value="0.1" units="cm"/>
-      <inkml:brushProperty name="height" value="0.1" units="cm"/>
-      <inkml:brushProperty name="color" value="#E71224"/>
-    </inkml:brush>
-  </inkml:definitions>
-  <inkml:trace contextRef="#ctx0" brushRef="#br0">1 1 24575,'0'694'0,"5"-648"-1365,0-29-5461</inkml:trace>
-</inkml:ink>
-</file>
-
-<file path=ppt/ink/ink39.xml><?xml version="1.0" encoding="utf-8"?>
-<inkml:ink xmlns:inkml="http://www.w3.org/2003/InkML">
-  <inkml:definitions>
-    <inkml:context xml:id="ctx0">
-      <inkml:inkSource xml:id="inkSrc0">
-        <inkml:traceFormat>
-          <inkml:channel name="X" type="integer" min="-2.14748E9" max="2.14748E9" units="cm"/>
-          <inkml:channel name="Y" type="integer" min="-2.14748E9" max="2.14748E9" units="cm"/>
-          <inkml:channel name="F" type="integer" max="32767" units="dev"/>
-        </inkml:traceFormat>
-        <inkml:channelProperties>
-          <inkml:channelProperty channel="X" name="resolution" value="1000" units="1/cm"/>
-          <inkml:channelProperty channel="Y" name="resolution" value="1000" units="1/cm"/>
-          <inkml:channelProperty channel="F" name="resolution" value="0" units="1/dev"/>
-        </inkml:channelProperties>
-      </inkml:inkSource>
-      <inkml:timestamp xml:id="ts0" timeString="2024-12-05T08:33:02.007"/>
-    </inkml:context>
-    <inkml:brush xml:id="br0">
-      <inkml:brushProperty name="width" value="0.1" units="cm"/>
-      <inkml:brushProperty name="height" value="0.1" units="cm"/>
-      <inkml:brushProperty name="color" value="#E71224"/>
-    </inkml:brush>
-  </inkml:definitions>
-  <inkml:trace contextRef="#ctx0" brushRef="#br0">1 0 24575,'4'0'0,"2"5"0</inkml:trace>
-</inkml:ink>
-</file>
-
-<file path=ppt/ink/ink4.xml><?xml version="1.0" encoding="utf-8"?>
-<inkml:ink xmlns:inkml="http://www.w3.org/2003/InkML">
-  <inkml:definitions>
-    <inkml:context xml:id="ctx0">
-      <inkml:inkSource xml:id="inkSrc0">
-        <inkml:traceFormat>
-          <inkml:channel name="X" type="integer" min="-2.14748E9" max="2.14748E9" units="cm"/>
-          <inkml:channel name="Y" type="integer" min="-2.14748E9" max="2.14748E9" units="cm"/>
-          <inkml:channel name="F" type="integer" max="32767" units="dev"/>
-        </inkml:traceFormat>
-        <inkml:channelProperties>
-          <inkml:channelProperty channel="X" name="resolution" value="1000" units="1/cm"/>
-          <inkml:channelProperty channel="Y" name="resolution" value="1000" units="1/cm"/>
-          <inkml:channelProperty channel="F" name="resolution" value="0" units="1/dev"/>
-        </inkml:channelProperties>
-      </inkml:inkSource>
-      <inkml:timestamp xml:id="ts0" timeString="2024-11-23T16:38:50.974"/>
-    </inkml:context>
-    <inkml:brush xml:id="br0">
-      <inkml:brushProperty name="width" value="0.035" units="cm"/>
-      <inkml:brushProperty name="height" value="0.035" units="cm"/>
-      <inkml:brushProperty name="color" value="#E71224"/>
-    </inkml:brush>
-  </inkml:definitions>
-  <inkml:trace contextRef="#ctx0" brushRef="#br0">2408 2682 24575,'1'0'0,"0"0"0,0 1 0,0-1 0,0 0 0,0 1 0,0-1 0,0 1 0,0 0 0,0-1 0,0 1 0,0 0 0,-1-1 0,1 1 0,0 0 0,-1 0 0,1 0 0,0-1 0,-1 1 0,1 0 0,-1 0 0,0 0 0,1 0 0,-1 0 0,0 0 0,1 0 0,-1 0 0,0 2 0,5 34 0,-4-31 0,4 385 0,-7-215 0,4 46 0,-5 233 0,-10-315 0,-2 44 0,2-32 0,0-18 0,10 690 0,5-423 0,-2-207 0,17 577 0,-6-309 0,0 11 0,7-296 0,9 196 0,-24-315 0,2 1 0,18 85 0,56 182 0,11-23 0,-31-113 0,-39-119 0,8 28 0,53 128 0,-61-182 0,1-1 0,3-1 0,1-1 0,60 74 0,13 17 0,50 74 0,-115-166 0,-23-26 0,2 0 0,0 0 0,0-1 0,1-1 0,1 0 0,0 0 0,1-2 0,0 0 0,29 16 0,-16-16 0,0-1 0,1 0 0,0-3 0,1 0 0,52 4 0,157-4 0,-116-6 0,9 8 0,-1 6 0,158 38 0,41-7 0,-154-26 0,86 26 0,301 93 0,-250-39 0,-114-33 0,104 40 0,318 86 0,-547-177 0,1-4 0,108 5 0,-75-8 0,54 0 0,37 3 0,211 0 0,-280-13 0,-108 1 0,1-1 0,-1 0 0,0-2 0,1-1 0,-1-1 0,-1 0 0,1-2 0,-1 0 0,0-2 0,-1 0 0,0-1 0,0-1 0,-1-1 0,0-1 0,-1 0 0,-1-2 0,0 0 0,-1 0 0,-1-2 0,0 0 0,-1-1 0,-1 0 0,-1-1 0,15-30 0,34-95 0,70-138 0,-71 172 0,-4-2 0,-6-2 0,-5-2 0,55-218 0,30-202 0,-119 490 0,10-38 0,9-89 0,-25 122 0,46-678 0,-50 670 0,0 20 0,-4-48 0,2 76 0,-1 0 0,0 0 0,0 1 0,-1-1 0,-1 1 0,0 0 0,0 0 0,-1 0 0,-6-10 0,-9-9 0,-1 1 0,-1 1 0,-1 1 0,-40-35 0,47 47 0,-2 2 0,0 0 0,0 0 0,-1 2 0,-1 0 0,1 2 0,-1 0 0,-34-8 0,-5 3 0,0 4 0,-97-5 0,-125 15 0,119 2 0,-595 37 0,575-23 0,-278 11 0,378-28 0,-114-5 0,167 2 0,0-1 0,0-2 0,0 0 0,-45-18 0,-19-10 0,55 22 0,0-2 0,1-2 0,-57-33 0,15 1 0,50 33 0,2-1 0,0-2 0,0-1 0,2-1 0,-37-37 0,-6-9 0,48 48 0,2 0 0,-34-40 0,30 27 0,-7-8 0,2-1 0,-22-45 0,-6-27 0,4-1 0,5-3 0,-34-134 0,42 41 0,20 99 0,4-6 0,5-1 0,9-169 0,2 140 0,13-202 0,-1 0 0,-15-2960 0,0 3289 0,-1 0 0,0 0 0,-2 0 0,0 0 0,-13-33 0,-46-92 0,24 60 0,34 70 0,-2 1 0,0 1 0,0-1 0,-2 1 0,1 0 0,-1 1 0,-21-19 0,1 5 0,-57-36 0,80 57 0,-44-27 0,-1 3 0,-90-36 0,-121-29 0,57 23 0,-519-196 0,67 50 0,438 157 0,-236-32 0,218 58 0,-405-6 0,623 39 0,-22-1 0,-1 2 0,0 2 0,1 1 0,0 2 0,0 2 0,-42 14 0,-333 162 0,262-110 0,-223 75 0,313-130 0,-160 57 0,171-55 0,28-13 0,0 2 0,1 1 0,-32 19 0,50-26 0,0 0 0,0 1 0,1-1 0,0 1 0,-1 0 0,2 1 0,-1-1 0,1 1 0,0 0 0,0 0 0,0 0 0,1 1 0,0-1 0,0 1 0,1 0 0,-1-1 0,0 10 0,-2 23 0,3 1 0,1-1 0,6 67 0,-2-86 0,1 0 0,0-1 0,1 1 0,2-1 0,0 0 0,0 0 0,2-1 0,19 31 0,1-7 0,1-2 0,47 49 0,-32-47 0,2-2 0,1-1 0,3-3 0,64 35 0,-47-29 0,173 90 0,-69-42 0,-10 13 0,-21-13 0,-93-56-1365,-34-24-5461</inkml:trace>
-</inkml:ink>
-</file>
-
-<file path=ppt/ink/ink40.xml><?xml version="1.0" encoding="utf-8"?>
-<inkml:ink xmlns:inkml="http://www.w3.org/2003/InkML">
-  <inkml:definitions>
-    <inkml:context xml:id="ctx0">
-      <inkml:inkSource xml:id="inkSrc0">
-        <inkml:traceFormat>
-          <inkml:channel name="X" type="integer" min="-2.14748E9" max="2.14748E9" units="cm"/>
-          <inkml:channel name="Y" type="integer" min="-2.14748E9" max="2.14748E9" units="cm"/>
-          <inkml:channel name="F" type="integer" max="32767" units="dev"/>
-        </inkml:traceFormat>
-        <inkml:channelProperties>
-          <inkml:channelProperty channel="X" name="resolution" value="1000" units="1/cm"/>
-          <inkml:channelProperty channel="Y" name="resolution" value="1000" units="1/cm"/>
-          <inkml:channelProperty channel="F" name="resolution" value="0" units="1/dev"/>
-        </inkml:channelProperties>
-      </inkml:inkSource>
-      <inkml:timestamp xml:id="ts0" timeString="2024-12-05T08:34:04.321"/>
-    </inkml:context>
-    <inkml:brush xml:id="br0">
-      <inkml:brushProperty name="width" value="0.1" units="cm"/>
-      <inkml:brushProperty name="height" value="0.1" units="cm"/>
-      <inkml:brushProperty name="color" value="#008C3A"/>
-    </inkml:brush>
-  </inkml:definitions>
-  <inkml:trace contextRef="#ctx0" brushRef="#br0">2416 4132 24575,'0'797'0,"1"-778"0,1 0 0,8 34 0,2 26 0,-8 430 0,-7-260 0,3 722 0,1-940 0,11 54 0,-7-54 0,3 53 0,-8-61 310,3 119-916,-1-85-2638,18 96 0,29 147 3436,-24-127 6400,14-10-6592,-24-110 0,13 88 0,29 261 0,-40-296 0,72 319 0,-74-361 0,12 101 0,-14-72 0,34 126 0,-15-70 0,28 97 0,-14-106 0,76 161 0,-63-154 0,-4-9 0,-31-81 0,22 82 0,-21-56 0,-15-55 0,8 28 0,13 64 0,-22-82 0,21 55 0,-17-55 0,12 52 0,-8-6 0,4 0 0,3-2 0,5 0 0,60 122 0,-55-143 0,2-1 0,3-2 0,2-1 0,3-3 0,3-1 0,70 62 0,-67-68 0,48 60 0,-72-77 0,3-1 0,2 0 0,46 32 0,-2-1 0,-33-23 0,2-2 0,0-2 0,3-2 0,0-2 0,61 28 0,61 21 0,34 14 0,-82-43 0,167 57 0,-239-93 0,1-1 0,99 8 0,-107-15 0,46 12 0,33 4 0,423 53 0,-179-25 0,-24-3 0,-249-35 0,0-4 0,133-6 0,-115-3 0,119 12 0,233 52 0,-377-55 0,-45-5 0,52 10 0,-80-10 0,398 74 0,-290-59 0,176 1 0,-54-5 0,7 0 0,-186-14 0,-24-1 0,0 2 0,-1 2 0,0 1 0,43 9 0,22 10 0,207 16 0,189-33 0,-266-8 0,-210 3 0,32-1 0,-1 2 0,1 3 0,87 17 0,117 27 0,-77-28 0,-63-7 0,-68-9 0,63 14 0,-50-7 0,65 4 0,10 1 0,-93-11 0,1-2 0,48-3 0,44 2 0,-67 11 0,-53-9 0,0 0 0,32 1 0,454-4 0,-242-3 0,-84-11 0,-29 1 0,-20 10 0,-55 3 0,1-4 0,-1-2 0,101-22 0,-88 6 0,-1-3 0,137-59 0,-178 62 0,99-51 0,-125 59 0,1 0 0,-2-2 0,0 0 0,31-31 0,-8-3 0,-2-2 0,50-81 0,52-121 0,-76 130 0,-16 35 0,-5-2 0,-3-3 0,-5-1 0,49-187 0,-25 61 0,-19 82 0,-26 81 0,-5 22 0,-1-1 0,-2-1 0,-2 1 0,3-56 0,5-69 0,-4 68 0,-1-4 0,8-191 0,-17 279 0,-1-63 0,17-135 0,-7 117 0,-3 0 0,-8-118 0,-1 59 0,3 133 0,1 0 0,0 0 0,1 0 0,0 0 0,8-23 0,-6 29 0,0 0 0,1 0 0,-1 1 0,2 0 0,0 0 0,0 0 0,0 1 0,1 0 0,12-11 0,102-102 0,56-51 0,-158 157 0,0 2 0,0 0 0,1 2 0,1 0 0,0 1 0,1 1 0,0 1 0,0 1 0,0 1 0,1 1 0,28-3 0,32 1 0,152 6 0,-110 4 0,-27-5 0,111 4 0,-29 25 0,-165-25 0,1 0 0,0 1 0,-1 1 0,1 0 0,-1 1 0,20 10 0,-28-12 0,-1 2 0,1-1 0,-1 1 0,0 0 0,0 0 0,0 1 0,0-1 0,-1 1 0,0 1 0,-1-1 0,1 1 0,-1 0 0,0 0 0,4 11 0,41 97 0,37 95 0,-69-163 0,-3 0 0,13 77 0,-22-66 0,-2 0 0,-6 68 0,1-16 0,2-85 0,1 17 0,-2 1 0,-1-1 0,-2 1 0,-18 71 0,7-56 0,3-1 0,-8 84 0,10-42 0,-8 184 0,19-234 0,0 18 0,-2 0 0,-15 99 0,10-118 0,2 0 0,5 85 0,-3 36 0,-10-85 0,6-51 0,-1 45 0,8 466 0,8-421 0,37 178 0,24-6 0,-65-269 0,2-1 0,0 1 0,2-1 0,1-1 0,1 0 0,1 0 0,1-1 0,1 0 0,1-2 0,33 39 0,-25-36 0,1-1 0,1-1 0,1-1 0,1-1 0,0-1 0,2-2 0,0-1 0,1-1 0,0-1 0,1-2 0,1-1 0,0-2 0,41 7 0,316 38 0,-148-20 0,53 3 0,494-30 0,-452-10 0,-176 5 0,-4 0 0,238-26 0,23-17 0,-173 20 0,668-1 0,-602 24 0,427-2 0,-702 2 0,-1 2 0,1 1 0,34 10 0,-27-6 0,54 6 0,267 30 0,-206-22 0,41-8 0,29 5 0,-183-13 0,60 11 0,0-4 0,124 0 0,-134-14 0,238-14 0,-297 9 0,-1 0 0,0-3 0,0 0 0,-1-2 0,0-2 0,-1-1 0,43-24 0,-56 24 0,0 0 0,-1-1 0,-1-1 0,29-32 0,54-78 0,-58 68 0,0-2 0,-2-2 0,-4-1 0,-2-3 0,47-126 0,-71 167 0,-1-1 0,-2 1 0,0-2 0,-2 1 0,5-46 0,-11 64 0,0 0 0,0 0 0,-1 1 0,0-1 0,0 1 0,-1-1 0,0 1 0,0 0 0,0 0 0,-1 0 0,0 0 0,0 1 0,-6-7 0,-10-11 0,-37-31 0,47 46 0,-32-30 0,-74-49 0,91 71 0,-1 1 0,-1 1 0,0 1 0,-51-15 0,13 9 0,-1 3 0,0 3 0,-1 2 0,0 4 0,0 2 0,-93 7 0,112 4 0,1 3 0,-62 20 0,-40 9 0,-135 3 0,-51 9 0,27 14 0,90-22 0,59-13 0,48-9 0,-202 9 0,-115-26 0,229-5 0,155 1 0,0-3 0,-83-17 0,-82-35 0,145 40 0,-1 3 0,-67-5 0,-73-13 0,-73-43 0,230 58 0,2-2 0,0-2 0,-77-47 0,66 29 0,-93-78 0,125 93 0,0-2 0,2 0 0,1-2 0,1 0 0,-26-47 0,42 65 0,-115-226 0,108 207 0,2-1 0,0-1 0,2 1 0,1-1 0,2-1 0,-3-47 0,-4-60 0,1-13 0,9 73 0,-1 38 0,3 1 0,1-1 0,1 1 0,16-76 0,-15 108 0,-1 0 0,1 0 0,0 1 0,0 0 0,1-1 0,-1 1 0,1 1 0,1-1 0,-1 0 0,1 1 0,0 0 0,0 0 0,1 1 0,-1-1 0,1 1 0,0 0 0,0 1 0,1 0 0,-1 0 0,11-4 0,11-1 0,-1 1 0,1 2 0,55-5 0,-15 3 0,-19-1 0,465-59 0,-9 58 0,-290 12 0,1941-3 0,-2127-1 0,55-11 0,21-1 0,388 12 0,-235 3 0,-102 11 0,-9 0 0,-62-11 0,12 0 0,127-11 0,-179 2 0,-1-1 0,1-2 0,-1-2 0,-1-2 0,0-2 0,58-30 0,-76 33 0,1 0 0,-2-2 0,0-1 0,-1-1 0,-1 0 0,0-2 0,-2-1 0,0 0 0,33-46 0,-41 46 0,0 0 0,-2-1 0,-1-1 0,0 1 0,-2-1 0,0 0 0,-2-1 0,0 0 0,2-30 0,-2-30 0,-6-106 0,-2 71 0,3 99 0,0 1 0,-2 0 0,0 0 0,-7-26 0,8 38 0,-1 0 0,0 1 0,0-1 0,-1 1 0,0 0 0,0-1 0,0 1 0,0 0 0,-1 1 0,0-1 0,0 1 0,0-1 0,-1 1 0,1 1 0,-1-1 0,0 0 0,-7-3 0,-58-23 0,-1 2 0,-131-31 0,50 16 0,119 34 0,-1 2 0,0 1 0,0 2 0,-70-1 0,-139 22 0,182-11 0,-388 49 0,201-23 0,105-10 0,68-9 0,-118 5 0,-687-18 0,388-2 0,438 5 0,0 2 0,1 3 0,-67 18 0,10-2 0,46-15 0,-101 1 0,15-1 0,-354 2 0,306-13 0,172 2 0,-81 1 0,1-5 0,-151-23 0,198 15 0,1-2 0,-98-38 0,122 37 0,2-1 0,-1-2 0,2-1 0,1-1 0,-49-42 0,-3-14 0,4-3 0,3-4 0,-102-145 0,166 211 0,1 0 0,0-1 0,2 0 0,0 0 0,1-1 0,0 0 0,2 0 0,0 0 0,2-1 0,0 1 0,-1-28 0,-4-62 0,0 22 0,5-98 0,5 155 0,1 1 0,1 0 0,2 0 0,0 0 0,2 1 0,1 0 0,18-36 0,-13 34 0,2 0 0,33-47 0,-42 68 0,0 0 0,1 1 0,0 0 0,0 0 0,1 1 0,0 0 0,0 0 0,1 1 0,0 1 0,0 0 0,21-8 0,45-7 0,0 3 0,1 3 0,96-3 0,17-4 0,4-4 0,321-59 0,-477 75 0,-16 2 0,1 2 0,1 1 0,36-3 0,255-4 0,94-2 0,-180 13 0,510-15 0,-328-16 0,-354 26 0,1 2 0,0 3 0,0 2 0,0 3 0,80 17 0,12 9 0,208 17 0,102-24 0,-266-23 0,158-4 0,-343 2 0,0 0 0,0-1 0,-1 0 0,1 0 0,0-1 0,-1 0 0,0-1 0,1 0 0,-2 0 0,1-1 0,12-9 0,4-7 0,-1 0 0,22-26 0,1-2 0,-29 32 0,-1-2 0,-1 1 0,-1-2 0,-1 0 0,0 0 0,10-25 0,3-15 0,18-63 0,-37 96 0,-1-1 0,-1 0 0,-2 0 0,0-36 0,-1 23 0,7-41 0,-4 53 0,-1 1 0,-2-1 0,-1 0 0,-4-42 0,2 59 0,0-1 0,-1 1 0,-1 0 0,0 0 0,-1 0 0,0 1 0,-1-1 0,0 1 0,-1 0 0,0 0 0,-1 1 0,0 0 0,-9-10 0,9 14 0,0 0 0,-1 1 0,0-1 0,0 1 0,0 1 0,0 0 0,-1 0 0,0 0 0,0 1 0,0 1 0,-11-3 0,-21-2 0,-52-2 0,37 4 0,-497-24 0,430 27 0,-160-23 0,49 2 0,-982-4 0,1139 27 0,-485 16 0,-190-3 0,458-16 0,-15-17 0,247 14 0,3-1 0,1-3 0,-93-28 0,-106-53 0,221 78 0,20 7 0,0 0 0,0 0 0,1-2 0,0 0 0,0-1 0,1 0 0,0-1 0,0-1 0,-18-18 0,11 5 0,-24-25 0,1-2 0,-55-87 0,46 52 0,17 33 0,4-3 0,1 0 0,-29-79 0,53 106 0,1 1 0,1-1 0,1 0 0,2-1 0,1 1 0,1 0 0,6-43 0,-4 60 0,0 0 0,1 0 0,1 0 0,0 0 0,0 0 0,2 1 0,-1 0 0,1 0 0,1 0 0,12-16 0,9-7 0,55-49 0,-68 68 0,4 0 0,1 0 0,1 2 0,0 0 0,0 1 0,1 1 0,1 1 0,0 1 0,35-8 0,50-6 0,150-11 0,-167 24 0,267-24 0,479 16 0,-339 42 0,180 4 0,-519-27 0,821-4 0,-615-27 0,-203 12 0,-12 0 0,-106 12 0,51-1 0,-57 6 0,0-2 0,52-10 0,47-19 0,323-88 0,-445 114 0,-1-1 0,0 0 0,0-1 0,-1 0 0,0-1 0,-1-1 0,0 0 0,0-1 0,-1 0 0,0 0 0,-1-1 0,13-21 0,11-20 0,47-101 0,-66 123 0,24-45 0,37-86 0,-68 141 0,-1-1 0,-1 0 0,-1 0 0,-1-1 0,2-42 0,-5 17 0,-9-93 0,5 122 0,-1 0 0,-1 1 0,0 0 0,-1 0 0,-1 0 0,-1 1 0,-19-32 0,5 16 0,-128-210 0,141 229 0,0 0 0,0 1 0,-2 0 0,1 1 0,-2 0 0,1 0 0,-2 1 0,1 1 0,-1 0 0,-1 1 0,0 1 0,0 0 0,-1 0 0,0 1 0,0 1 0,-24-6 0,-12 1 0,-1 2 0,0 2 0,-100 0 0,-901 7 0,906 7-567,-196 31-6254,134-6 7686,180-28 5,-77 11 4207,-1-2-3966,-142 21-1646,-393 29 535,586-58 0,-72 16 0,19-3 0,24-11 0,-147-6 0,110-3 0,-51-7 0,-229-40 0,91 7 0,226 35 0,-92-15 0,38-3 0,49 10 0,-147-43 0,187 41 0,1-2 0,-87-48 0,119 57 0,0-1 0,0-1 0,2-1 0,-1 0 0,2-1 0,0 0 0,0-1 0,1-1 0,1 0 0,-16-29 0,-12-41 0,-35-105 0,48 118 0,-64-198 0,80 226 0,2 1 0,1-2 0,3 1 0,0-59 0,5 102 0,0-11 0,0-1 0,1 1 0,1-1 0,5-22 0,-6 32 0,0 1 0,1-1 0,-1 1 0,1-1 0,0 1 0,0 0 0,0 0 0,0-1 0,1 2 0,-1-1 0,1 0 0,0 0 0,0 1 0,0 0 0,0-1 0,0 1 0,0 0 0,1 1 0,-1-1 0,1 0 0,6-1 0,70-15 0,0 4 0,155-7 0,-64 7 0,-164 14 0,591-72 0,-511 56 0,-46 7 0,71-4 0,934-14 0,773 27 0,-1584 14 0,-11-1 0,-111-13 0,144-17 0,156-20 0,-358 34 0,-1-3 0,1-2 0,-1-2 0,0-2 0,-1-3 0,-1-3 0,-1-1 0,89-47 0,-131 60 0,0 0 0,0-1 0,-1 0 0,0 0 0,0-1 0,0 0 0,-1 0 0,0-1 0,-1 0 0,10-18 0,-1-3 0,-2-1 0,11-39 0,-9 24 0,-3 5 0,-1 0 0,-2 0 0,-3-1 0,3-57 0,-9-174 0,-3 119 0,4 136 0,-2 1 0,0-1 0,-1 0 0,-1 0 0,-9-29 0,8 36 0,0 0 0,-1 1 0,-1 0 0,0 1 0,0-1 0,-1 1 0,0 0 0,0 0 0,-1 1 0,-10-8 0,2 3 0,-1 1 0,0 1 0,-1 0 0,0 1 0,-1 1 0,0 1 0,-24-7 0,-2 2 0,1 3 0,-55-7 0,-116 3 0,83 8 0,-771-7 0,653 39 0,41-1 0,24 0 0,125-14 0,-1-3 0,-71 0 0,-287-7 0,-185-5 0,408-7 0,-94-3 0,-2397 17 0,1413-5 0,1234 0 0,-57-10 0,55 6 0,-52-1 0,-2457 5 0,1215 5 0,1235-2 0,24 1 0,0-3 0,0-3 0,-132-25 0,-59-25 0,111 24 0,-338-105 0,-9-1 0,275 88 0,-234-43 0,334 72 0,-215-4 0,55 11 0,26 1 0,-847 10 0,532 2 0,540-3 0,-56-9 0,54 5 0,-45-2 0,-557 9 0,599 2 0,1 3 0,0 1 0,1 2 0,-65 22 0,54-15 0,-399 158 0,424-162 0,-67 25 0,49-20 0,-72 37 0,63-21 0,3 1 0,0 3 0,-61 59 0,46-38 0,38-36 0,2 1 0,0 1 0,2 1 0,-40 55 0,0 9 0,-89 98 0,113-136 0,30-37 0,-1 0 0,0 0 0,-1-1 0,0-1 0,-1 0 0,-26 18 0,-32 13 0,-1-3 0,-2-4 0,-113 40 0,164-68 0,1-1 0,-1-1 0,0-1 0,0-1 0,0-1 0,-30 0 0,10-3 0,-238-7 0,212 2 0,0-3 0,-73-19 0,15 3 0,-2 6 0,-188-3 0,102 10 0,77 0 0,-324-14 0,128 27 0,-201-4 0,289-23 0,-3-1 0,3 13 0,-76-1 0,-1361 16 0,1644 0 0,1 2 0,0 2 0,1 1 0,-74 25 0,76-18 0,0 2 0,0 2 0,-38 26 0,10-6 0,-313 207 0,364-235 0,0 0 0,0 1 0,1 0 0,0 1 0,1 0 0,-13 21 0,-44 88 0,34-56 0,26-50 0,0 1 0,1 0 0,0 0 0,1 0 0,1 1 0,1 0 0,-2 27 0,6 124 0,2-73 0,-2-72 0,1 0 0,1 0 0,1 0 0,1-1 0,8 23 0,48 110 0,-5-12 0,-30-76-3578,42 82-1,-29-70 3952,15 20 6429,-30-64-6805,1-1-1,2-2 1,1 0-1,35 30 0,-7-9 4,-21-18 0,54 40 0,-53-49 0,2-1 0,0-3 0,74 33 0,-84-45 0,0-1 0,0-1 0,0-1 0,1-2 0,0-1 0,55 1 0,-21-6 0,-8-1 0,-1 3 0,108 15 0,-138-11 0,1-1 0,0 0 0,48-1 0,-72-3 0,1 0 0,-1 0 0,0 0 0,0 0 0,0-1 0,0 1 0,0 0 0,0-1 0,1 1 0,-1-1 0,0 1 0,0-1 0,0 1 0,0-1 0,-1 0 0,1 1 0,0-1 0,0 0 0,0 0 0,0 0 0,-1 1 0,1-1 0,0 0 0,-1 0 0,1 0 0,0-2 0,-1 1 0,1-1 0,-1 1 0,0-1 0,0 1 0,0 0 0,0-1 0,0 1 0,0-1 0,-1 1 0,0 0 0,1-1 0,-2-2 0,-1-3 0,-1 1 0,1-1 0,-2 0 0,1 1 0,-1 0 0,-8-10 0,-23-17 0,-71-51 0,63 53 0,-47-46 0,61 49-1365</inkml:trace>
-</inkml:ink>
-</file>
-
-<file path=ppt/ink/ink41.xml><?xml version="1.0" encoding="utf-8"?>
-<inkml:ink xmlns:inkml="http://www.w3.org/2003/InkML">
-  <inkml:definitions>
-    <inkml:context xml:id="ctx0">
-      <inkml:inkSource xml:id="inkSrc0">
-        <inkml:traceFormat>
-          <inkml:channel name="X" type="integer" min="-2.14748E9" max="2.14748E9" units="cm"/>
-          <inkml:channel name="Y" type="integer" min="-2.14748E9" max="2.14748E9" units="cm"/>
-          <inkml:channel name="F" type="integer" max="32767" units="dev"/>
-        </inkml:traceFormat>
-        <inkml:channelProperties>
-          <inkml:channelProperty channel="X" name="resolution" value="1000" units="1/cm"/>
-          <inkml:channelProperty channel="Y" name="resolution" value="1000" units="1/cm"/>
-          <inkml:channelProperty channel="F" name="resolution" value="0" units="1/dev"/>
-        </inkml:channelProperties>
-      </inkml:inkSource>
-      <inkml:timestamp xml:id="ts0" timeString="2024-12-05T08:34:05.718"/>
-    </inkml:context>
-    <inkml:brush xml:id="br0">
-      <inkml:brushProperty name="width" value="0.1" units="cm"/>
-      <inkml:brushProperty name="height" value="0.1" units="cm"/>
-      <inkml:brushProperty name="color" value="#008C3A"/>
-    </inkml:brush>
-  </inkml:definitions>
-  <inkml:trace contextRef="#ctx0" brushRef="#br0">556 1 24575,'0'2'0,"-1"1"0,1-1 0,-1 1 0,0-1 0,0 1 0,0-1 0,0 0 0,0 1 0,-1-1 0,1 0 0,-1 0 0,1 0 0,-1 0 0,0 0 0,0-1 0,-3 3 0,-37 27 0,34-26 0,-188 119 0,87-58 0,76-48 0,0 1 0,-56 46 0,68-37-1365</inkml:trace>
-</inkml:ink>
-</file>
-
-<file path=ppt/ink/ink42.xml><?xml version="1.0" encoding="utf-8"?>
-<inkml:ink xmlns:inkml="http://www.w3.org/2003/InkML">
-  <inkml:definitions>
-    <inkml:context xml:id="ctx0">
-      <inkml:inkSource xml:id="inkSrc0">
-        <inkml:traceFormat>
-          <inkml:channel name="X" type="integer" min="-2.14748E9" max="2.14748E9" units="cm"/>
-          <inkml:channel name="Y" type="integer" min="-2.14748E9" max="2.14748E9" units="cm"/>
-          <inkml:channel name="F" type="integer" max="32767" units="dev"/>
-        </inkml:traceFormat>
-        <inkml:channelProperties>
-          <inkml:channelProperty channel="X" name="resolution" value="1000" units="1/cm"/>
-          <inkml:channelProperty channel="Y" name="resolution" value="1000" units="1/cm"/>
-          <inkml:channelProperty channel="F" name="resolution" value="0" units="1/dev"/>
-        </inkml:channelProperties>
-      </inkml:inkSource>
-      <inkml:timestamp xml:id="ts0" timeString="2024-12-05T08:34:07.648"/>
-    </inkml:context>
-    <inkml:brush xml:id="br0">
-      <inkml:brushProperty name="width" value="0.1" units="cm"/>
-      <inkml:brushProperty name="height" value="0.1" units="cm"/>
-      <inkml:brushProperty name="color" value="#008C3A"/>
-    </inkml:brush>
-  </inkml:definitions>
-  <inkml:trace contextRef="#ctx0" brushRef="#br0">0 13 24575,'12'2'0,"0"1"0,0 0 0,0 0 0,0 2 0,-1-1 0,0 2 0,0-1 0,0 1 0,19 15 0,22 11 0,59 21 0,154 53 0,-166-64 0,-97-42 0,0 1 0,-1-1 0,1 0 0,0 0 0,-1 0 0,1 0 0,0 0 0,-1 0 0,1-1 0,0 1 0,0 0 0,-1-1 0,1 1 0,-1-1 0,1 0 0,-1 0 0,1 1 0,-1-1 0,1 0 0,1-2 0,32-29 0,-15 13 0,27-13 0,1 2 0,62-28 0,-52 29 0,-47 22 0,1 0 0,-2-1 0,1 0 0,-1 0 0,0-1 0,0-1 0,12-15 0,-10 13-1365</inkml:trace>
-</inkml:ink>
-</file>
-
-<file path=ppt/ink/ink5.xml><?xml version="1.0" encoding="utf-8"?>
-<inkml:ink xmlns:inkml="http://www.w3.org/2003/InkML">
-  <inkml:definitions>
-    <inkml:context xml:id="ctx0">
-      <inkml:inkSource xml:id="inkSrc0">
-        <inkml:traceFormat>
-          <inkml:channel name="X" type="integer" min="-2.14748E9" max="2.14748E9" units="cm"/>
-          <inkml:channel name="Y" type="integer" min="-2.14748E9" max="2.14748E9" units="cm"/>
-          <inkml:channel name="F" type="integer" max="32767" units="dev"/>
-        </inkml:traceFormat>
-        <inkml:channelProperties>
-          <inkml:channelProperty channel="X" name="resolution" value="1000" units="1/cm"/>
-          <inkml:channelProperty channel="Y" name="resolution" value="1000" units="1/cm"/>
-          <inkml:channelProperty channel="F" name="resolution" value="0" units="1/dev"/>
-        </inkml:channelProperties>
-      </inkml:inkSource>
-      <inkml:timestamp xml:id="ts0" timeString="2024-11-23T16:38:52.630"/>
-    </inkml:context>
-    <inkml:brush xml:id="br0">
-      <inkml:brushProperty name="width" value="0.035" units="cm"/>
-      <inkml:brushProperty name="height" value="0.035" units="cm"/>
-      <inkml:brushProperty name="color" value="#E71224"/>
-    </inkml:brush>
-  </inkml:definitions>
-  <inkml:trace contextRef="#ctx0" brushRef="#br0">697 1 24575,'3'0'0,"-1"1"0,0 0 0,0-1 0,0 1 0,0 0 0,0 1 0,-1-1 0,1 0 0,0 0 0,0 1 0,-1-1 0,1 1 0,-1 0 0,1-1 0,1 4 0,19 27 0,-8-7 0,-1 1 0,-1 0 0,-2 0 0,0 1 0,6 32 0,18 142 0,-33-194 0,0 1 0,0 0 0,-1 0 0,0 0 0,-1 0 0,1-1 0,-2 1 0,-1 8 0,2-13 0,0 0 0,-1 0 0,1-1 0,-1 1 0,1 0 0,-1-1 0,0 1 0,0-1 0,-1 1 0,1-1 0,0 0 0,-1 0 0,1 0 0,-1 0 0,0 0 0,1-1 0,-1 1 0,0-1 0,0 0 0,0 0 0,0 0 0,-6 1 0,-203 31 0,39-8 0,164-23-39,-94 17-624,-169 56 0,244-65-6163</inkml:trace>
-</inkml:ink>
-</file>
-
-<file path=ppt/ink/ink6.xml><?xml version="1.0" encoding="utf-8"?>
-<inkml:ink xmlns:inkml="http://www.w3.org/2003/InkML">
-  <inkml:definitions>
-    <inkml:context xml:id="ctx0">
-      <inkml:inkSource xml:id="inkSrc0">
-        <inkml:traceFormat>
-          <inkml:channel name="X" type="integer" min="-2.14748E9" max="2.14748E9" units="cm"/>
-          <inkml:channel name="Y" type="integer" min="-2.14748E9" max="2.14748E9" units="cm"/>
-          <inkml:channel name="F" type="integer" max="32767" units="dev"/>
-        </inkml:traceFormat>
-        <inkml:channelProperties>
-          <inkml:channelProperty channel="X" name="resolution" value="1000" units="1/cm"/>
-          <inkml:channelProperty channel="Y" name="resolution" value="1000" units="1/cm"/>
-          <inkml:channelProperty channel="F" name="resolution" value="0" units="1/dev"/>
-        </inkml:channelProperties>
-      </inkml:inkSource>
-      <inkml:timestamp xml:id="ts0" timeString="2024-11-23T16:38:54.167"/>
-    </inkml:context>
-    <inkml:brush xml:id="br0">
-      <inkml:brushProperty name="width" value="0.035" units="cm"/>
-      <inkml:brushProperty name="height" value="0.035" units="cm"/>
-      <inkml:brushProperty name="color" value="#E71224"/>
-    </inkml:brush>
-  </inkml:definitions>
-  <inkml:trace contextRef="#ctx0" brushRef="#br0">1 257 24575,'12'1'0,"-1"0"0,1 1 0,0 0 0,-1 1 0,0 0 0,1 1 0,-2 0 0,1 1 0,0 0 0,19 13 0,6 8 0,54 48 0,-29-22 0,161 130 0,-220-180 0,0-1 0,-1 0 0,1 1 0,0-1 0,0 0 0,0 0 0,1 0 0,-1 0 0,0-1 0,0 1 0,0-1 0,1 1 0,-1-1 0,0 0 0,0 0 0,1 0 0,-1 0 0,0 0 0,0 0 0,4-1 0,-2-1 0,0 0 0,0 1 0,-1-1 0,1-1 0,0 1 0,-1 0 0,0-1 0,1 0 0,-1 0 0,4-4 0,6-11 0,0 1 0,-1-1 0,15-33 0,-17 32 0,90-191 0,-5 11 0,-88 187-36,1 1-1,0 0 1,14-14-1,-7 8-1182,-5 5-5607</inkml:trace>
-</inkml:ink>
-</file>
-
-<file path=ppt/ink/ink7.xml><?xml version="1.0" encoding="utf-8"?>
-<inkml:ink xmlns:inkml="http://www.w3.org/2003/InkML">
-  <inkml:definitions>
-    <inkml:context xml:id="ctx0">
-      <inkml:inkSource xml:id="inkSrc0">
-        <inkml:traceFormat>
-          <inkml:channel name="X" type="integer" min="-2.14748E9" max="2.14748E9" units="cm"/>
-          <inkml:channel name="Y" type="integer" min="-2.14748E9" max="2.14748E9" units="cm"/>
-          <inkml:channel name="F" type="integer" max="32767" units="dev"/>
-        </inkml:traceFormat>
-        <inkml:channelProperties>
-          <inkml:channelProperty channel="X" name="resolution" value="1000" units="1/cm"/>
-          <inkml:channelProperty channel="Y" name="resolution" value="1000" units="1/cm"/>
-          <inkml:channelProperty channel="F" name="resolution" value="0" units="1/dev"/>
-        </inkml:channelProperties>
-      </inkml:inkSource>
-      <inkml:timestamp xml:id="ts0" timeString="2024-11-23T16:38:59.053"/>
-    </inkml:context>
-    <inkml:brush xml:id="br0">
-      <inkml:brushProperty name="width" value="0.035" units="cm"/>
-      <inkml:brushProperty name="height" value="0.035" units="cm"/>
-      <inkml:brushProperty name="color" value="#E71224"/>
-    </inkml:brush>
-  </inkml:definitions>
-  <inkml:trace contextRef="#ctx0" brushRef="#br0">692 255 24575,'-16'34'0,"1"2"0,2 0 0,2 0 0,0 1 0,-7 62 0,-13 94 0,-13-56 0,43-134 0,1-1 0,-1 1 0,0 0 0,0-1 0,0 1 0,0-1 0,0 0 0,-1 1 0,1-1 0,-1 0 0,0 0 0,1 0 0,-1 0 0,0 0 0,0 0 0,0-1 0,-1 1 0,1-1 0,0 1 0,0-1 0,-1 0 0,1 0 0,-1 0 0,1 0 0,-1 0 0,0-1 0,1 1 0,-1-1 0,0 1 0,1-1 0,-1 0 0,0 0 0,1-1 0,-1 1 0,0 0 0,1-1 0,-6-1 0,-8-4 0,0 0 0,0-1 0,1-1 0,-28-18 0,18 11 0,-46-22 0,32 18 0,-40-27 0,70 40 0,-1-1 0,1 0 0,1 0 0,-1-1 0,1-1 0,1 1 0,-1-1 0,2 0 0,-7-12 0,6 9 0,1 0 0,0-1 0,1 0 0,0 0 0,1 0 0,1-1 0,0 0 0,1 1 0,1-1 0,0 0 0,0 0 0,2 0 0,-1 0 0,2 0 0,0 1 0,1-1 0,0 0 0,1 1 0,0 0 0,1 0 0,1 0 0,0 1 0,1-1 0,0 1 0,0 1 0,2 0 0,-1 0 0,1 0 0,1 1 0,14-11 0,34-25 0,3 3 0,1 2 0,105-50 0,-155 87 0,0 0 0,1 0 0,0 1 0,-1 1 0,1 0 0,18-1 0,84 6 0,-48 0 0,6-5 0,-46 1 0,1 0 0,-1 1 0,0 2 0,1 1 0,33 8 0,-56-9 0,0 0 0,0 0 0,-1 0 0,1 0 0,-1 1 0,1 0 0,-1 0 0,0 0 0,0 1 0,0-1 0,0 1 0,-1 0 0,0 0 0,0 0 0,0 1 0,0-1 0,0 1 0,-1-1 0,0 1 0,0 0 0,0 0 0,-1 0 0,1 0 0,0 7 0,1 12 0,-1 0 0,-1 1 0,-1-1 0,-4 26 0,2 2 0,1-34 0,-1 0 0,-1 0 0,0 0 0,-1-1 0,-1 1 0,-1-1 0,-1 0 0,-16 32 0,-3-6 0,-2 0 0,-33 37 0,44-61 0,0-2 0,-35 28 0,1-2 0,44-36 12,-1 0 0,0-1 0,0-1 0,-1 1 0,0-1 0,0-1 0,0 0 0,0 0 0,-17 4 0,7-4-309,0-1 0,0 0 0,0-2 0,-21-1 0,16 0-6529</inkml:trace>
-</inkml:ink>
-</file>
-
-<file path=ppt/ink/ink8.xml><?xml version="1.0" encoding="utf-8"?>
-<inkml:ink xmlns:inkml="http://www.w3.org/2003/InkML">
-  <inkml:definitions>
-    <inkml:context xml:id="ctx0">
-      <inkml:inkSource xml:id="inkSrc0">
-        <inkml:traceFormat>
-          <inkml:channel name="X" type="integer" min="-2.14748E9" max="2.14748E9" units="cm"/>
-          <inkml:channel name="Y" type="integer" min="-2.14748E9" max="2.14748E9" units="cm"/>
-          <inkml:channel name="F" type="integer" max="32767" units="dev"/>
-        </inkml:traceFormat>
-        <inkml:channelProperties>
-          <inkml:channelProperty channel="X" name="resolution" value="1000" units="1/cm"/>
-          <inkml:channelProperty channel="Y" name="resolution" value="1000" units="1/cm"/>
-          <inkml:channelProperty channel="F" name="resolution" value="0" units="1/dev"/>
-        </inkml:channelProperties>
-      </inkml:inkSource>
-      <inkml:timestamp xml:id="ts0" timeString="2024-11-23T16:39:24.200"/>
-    </inkml:context>
-    <inkml:brush xml:id="br0">
-      <inkml:brushProperty name="width" value="0.035" units="cm"/>
-      <inkml:brushProperty name="height" value="0.035" units="cm"/>
-      <inkml:brushProperty name="color" value="#66CC00"/>
-    </inkml:brush>
-  </inkml:definitions>
-  <inkml:trace contextRef="#ctx0" brushRef="#br0">2371 3510 24575,'0'708'0,"-2"-666"0,-10 59 0,5-60 0,-1 62 0,6-71 0,-1 0 0,-1-1 0,-14 45 0,9-37 0,-7 56 0,11 64 0,5-104 0,-2 0 0,-10 60 0,7-70 0,1-1 0,2 51 0,3-50 0,-3-1 0,-8 49 0,-2 6 0,5 0 0,7 158 0,3-97 0,-3 977 0,4-1058 0,21 120 0,-4-45 0,17 320 0,14-134 0,2 16 0,-42-244 0,39 165 0,53 108 0,-86-321 0,46 149 0,72 295 0,-127-471 0,19 49 0,-6-21 0,7 23 0,18 67 0,-35-113 0,1-1 0,2-1 0,27 52 0,-1-1 0,-3 7 0,28 60 0,32 40 0,157 234 0,-229-395 0,20 32 0,98 111 0,-57-91 0,113 90 0,-157-146 0,1-1 0,1-3 0,2-2 0,1-1 0,62 23 0,151 56 0,65 23 0,353 106 0,-583-204 0,189 34 0,103-14 0,227-16 0,-365-26 0,267-4 0,-24-2 0,-267 11 0,105 3 0,-84-11 0,351 53 0,-229-15 0,36 5 0,301 6 0,-354-38 0,720 7 0,-944-23 0,-72-3 0,-1-3 0,104-24 0,26-4 0,-72 21 0,385-49 0,-345 36 0,181-56 0,-311 75 0,0-1 0,0-1 0,-1-1 0,0-1 0,-1 0 0,0-2 0,-1-1 0,0 0 0,21-22 0,319-310 0,-281 266 0,-3-3 0,-4-3 0,-4-4 0,72-122 0,-117 162 0,-2-1 0,-2-1 0,-2 0 0,15-83 0,-4 21 0,121-456 0,-125 472 0,20-189 0,-23 51 0,12-245 0,-20 48 0,2-147 0,-38 2 0,-19 286 0,-4-45 0,11 21 0,-12-185 0,44 288 0,-12-229 0,1-442 0,17 544 0,19-101 0,-12 186 0,-3 24 0,6-147 0,-9 123 0,10 89 0,1-53 0,-16-793 0,15 782 0,-1 15 0,-13-512 0,-17 448 0,5 143 0,2 5 0,-8-180 0,19 284 0,-5-85 0,3 103 0,0 0 0,-1 0 0,0 1 0,0-1 0,-1 0 0,0 1 0,-1 0 0,1 0 0,-10-15 0,9 19 0,0 1 0,0-1 0,0 1 0,0 0 0,0 0 0,-1 0 0,1 1 0,-1-1 0,0 1 0,1 0 0,-1 0 0,0 1 0,-8-2 0,-74-8 0,54 8 0,-364-47 0,-162-17 0,461 57 0,-195-8 0,-1559 21 0,973-5 0,631 15 0,28 1 0,-130 0 0,-81 1 0,215-13 0,-312-6 0,349-9 0,-70-2 0,-59 0 0,-279-26 0,524 41 0,21-2 0,0 3 0,-70 9 0,100-8 0,1 0 0,-1 1 0,1 1 0,0 0 0,0 0 0,0 1 0,0 0 0,1 1 0,0 1 0,0-1 0,0 2 0,1-1 0,0 1 0,-8 10 0,-51 71 0,-60 103 0,52-75 0,22-32 0,4 1 0,-52 125 0,64-107 0,-34 150 0,14-38 0,54-201 0,-3 8 0,-1 1 0,0-1 0,-22 39 0,26-56 0,0 1 0,0-2 0,-1 1 0,0 0 0,0-1 0,0 0 0,0 0 0,-1-1 0,0 1 0,0-1 0,0 0 0,0-1 0,-1 0 0,1 0 0,-1 0 0,0-1 0,-12 3 0,-34 2 0,0-2 0,0-3 0,-71-6 0,17 1 0,30 0 0,-131-23 0,-75-33 0,77 15 0,112 25 0,-285-51 0,-131-18 0,-185-26 0,595 102 0,-627-73 0,-8 51 0,709 34 0,-333 9 0,242-1 0,-123 24 0,-129 44 0,320-62 0,0 2 0,-49 25 0,-41 13 0,58-28 0,-155 54 0,183-59 0,2 2 0,-66 39 0,82-40 0,-38 31 0,62-44 0,1 1 0,0 0 0,0 0 0,1 1 0,0 0 0,1 1 0,-7 13 0,-3 13 0,2 0 0,1 1 0,2 1 0,2 0 0,2 0 0,1 1 0,-2 51 0,-1 12 0,2-29 0,2 132 0,9-183 0,0 1 0,2-1 0,0 1 0,2-1 0,1 0 0,0-1 0,2 0 0,1 0 0,17 30 0,-18-40 0,0 0 0,1-1 0,1 0 0,-1 0 0,2-1 0,14 11 0,84 52 0,-28-19 0,-17-13 0,116 56 0,-92-53 0,-87-43 0,59 30 0,61 43 0,-66-40 0,1-3 0,2-3 0,1-2 0,93 28 0,-102-37 0,-66-97 0,-17-115 0,18 116-682,-38-120-1,45 175-6143</inkml:trace>
-</inkml:ink>
-</file>
-
-<file path=ppt/ink/ink9.xml><?xml version="1.0" encoding="utf-8"?>
-<inkml:ink xmlns:inkml="http://www.w3.org/2003/InkML">
-  <inkml:definitions>
-    <inkml:context xml:id="ctx0">
-      <inkml:inkSource xml:id="inkSrc0">
-        <inkml:traceFormat>
-          <inkml:channel name="X" type="integer" min="-2.14748E9" max="2.14748E9" units="cm"/>
-          <inkml:channel name="Y" type="integer" min="-2.14748E9" max="2.14748E9" units="cm"/>
-          <inkml:channel name="F" type="integer" max="32767" units="dev"/>
-        </inkml:traceFormat>
-        <inkml:channelProperties>
-          <inkml:channelProperty channel="X" name="resolution" value="1000" units="1/cm"/>
-          <inkml:channelProperty channel="Y" name="resolution" value="1000" units="1/cm"/>
-          <inkml:channelProperty channel="F" name="resolution" value="0" units="1/dev"/>
-        </inkml:channelProperties>
-      </inkml:inkSource>
-      <inkml:timestamp xml:id="ts0" timeString="2024-11-23T16:39:26.064"/>
-    </inkml:context>
-    <inkml:brush xml:id="br0">
-      <inkml:brushProperty name="width" value="0.035" units="cm"/>
-      <inkml:brushProperty name="height" value="0.035" units="cm"/>
-      <inkml:brushProperty name="color" value="#66CC00"/>
-    </inkml:brush>
-  </inkml:definitions>
-  <inkml:trace contextRef="#ctx0" brushRef="#br0">593 1 24575,'-16'-1'0,"-1"2"0,0 0 0,0 0 0,1 2 0,-1 0 0,1 1 0,-1 1 0,1 0 0,1 1 0,-1 1 0,1 0 0,0 1 0,1 1 0,-19 14 0,-11 9 0,-176 138 0,163-127-1365,43-30-5461</inkml:trace>
 </inkml:ink>
 </file>
 
@@ -1446,7 +911,7 @@
           <a:p>
             <a:fld id="{52345570-32BD-4900-A10D-577745021B79}" type="datetimeFigureOut">
               <a:rPr lang="zh-TW" altLang="en-US" smtClean="0"/>
-              <a:t>2024/12/5</a:t>
+              <a:t>2025/7/5</a:t>
             </a:fld>
             <a:endParaRPr lang="zh-TW" altLang="en-US"/>
           </a:p>
@@ -1644,7 +1109,7 @@
           <a:p>
             <a:fld id="{52345570-32BD-4900-A10D-577745021B79}" type="datetimeFigureOut">
               <a:rPr lang="zh-TW" altLang="en-US" smtClean="0"/>
-              <a:t>2024/12/5</a:t>
+              <a:t>2025/7/5</a:t>
             </a:fld>
             <a:endParaRPr lang="zh-TW" altLang="en-US"/>
           </a:p>
@@ -1852,7 +1317,7 @@
           <a:p>
             <a:fld id="{52345570-32BD-4900-A10D-577745021B79}" type="datetimeFigureOut">
               <a:rPr lang="zh-TW" altLang="en-US" smtClean="0"/>
-              <a:t>2024/12/5</a:t>
+              <a:t>2025/7/5</a:t>
             </a:fld>
             <a:endParaRPr lang="zh-TW" altLang="en-US"/>
           </a:p>
@@ -2050,7 +1515,7 @@
           <a:p>
             <a:fld id="{52345570-32BD-4900-A10D-577745021B79}" type="datetimeFigureOut">
               <a:rPr lang="zh-TW" altLang="en-US" smtClean="0"/>
-              <a:t>2024/12/5</a:t>
+              <a:t>2025/7/5</a:t>
             </a:fld>
             <a:endParaRPr lang="zh-TW" altLang="en-US"/>
           </a:p>
@@ -2325,7 +1790,7 @@
           <a:p>
             <a:fld id="{52345570-32BD-4900-A10D-577745021B79}" type="datetimeFigureOut">
               <a:rPr lang="zh-TW" altLang="en-US" smtClean="0"/>
-              <a:t>2024/12/5</a:t>
+              <a:t>2025/7/5</a:t>
             </a:fld>
             <a:endParaRPr lang="zh-TW" altLang="en-US"/>
           </a:p>
@@ -2590,7 +2055,7 @@
           <a:p>
             <a:fld id="{52345570-32BD-4900-A10D-577745021B79}" type="datetimeFigureOut">
               <a:rPr lang="zh-TW" altLang="en-US" smtClean="0"/>
-              <a:t>2024/12/5</a:t>
+              <a:t>2025/7/5</a:t>
             </a:fld>
             <a:endParaRPr lang="zh-TW" altLang="en-US"/>
           </a:p>
@@ -3002,7 +2467,7 @@
           <a:p>
             <a:fld id="{52345570-32BD-4900-A10D-577745021B79}" type="datetimeFigureOut">
               <a:rPr lang="zh-TW" altLang="en-US" smtClean="0"/>
-              <a:t>2024/12/5</a:t>
+              <a:t>2025/7/5</a:t>
             </a:fld>
             <a:endParaRPr lang="zh-TW" altLang="en-US"/>
           </a:p>
@@ -3143,7 +2608,7 @@
           <a:p>
             <a:fld id="{52345570-32BD-4900-A10D-577745021B79}" type="datetimeFigureOut">
               <a:rPr lang="zh-TW" altLang="en-US" smtClean="0"/>
-              <a:t>2024/12/5</a:t>
+              <a:t>2025/7/5</a:t>
             </a:fld>
             <a:endParaRPr lang="zh-TW" altLang="en-US"/>
           </a:p>
@@ -3256,7 +2721,7 @@
           <a:p>
             <a:fld id="{52345570-32BD-4900-A10D-577745021B79}" type="datetimeFigureOut">
               <a:rPr lang="zh-TW" altLang="en-US" smtClean="0"/>
-              <a:t>2024/12/5</a:t>
+              <a:t>2025/7/5</a:t>
             </a:fld>
             <a:endParaRPr lang="zh-TW" altLang="en-US"/>
           </a:p>
@@ -3567,7 +3032,7 @@
           <a:p>
             <a:fld id="{52345570-32BD-4900-A10D-577745021B79}" type="datetimeFigureOut">
               <a:rPr lang="zh-TW" altLang="en-US" smtClean="0"/>
-              <a:t>2024/12/5</a:t>
+              <a:t>2025/7/5</a:t>
             </a:fld>
             <a:endParaRPr lang="zh-TW" altLang="en-US"/>
           </a:p>
@@ -3855,7 +3320,7 @@
           <a:p>
             <a:fld id="{52345570-32BD-4900-A10D-577745021B79}" type="datetimeFigureOut">
               <a:rPr lang="zh-TW" altLang="en-US" smtClean="0"/>
-              <a:t>2024/12/5</a:t>
+              <a:t>2025/7/5</a:t>
             </a:fld>
             <a:endParaRPr lang="zh-TW" altLang="en-US"/>
           </a:p>
@@ -4096,7 +3561,7 @@
           <a:p>
             <a:fld id="{52345570-32BD-4900-A10D-577745021B79}" type="datetimeFigureOut">
               <a:rPr lang="zh-TW" altLang="en-US" smtClean="0"/>
-              <a:t>2024/12/5</a:t>
+              <a:t>2025/7/5</a:t>
             </a:fld>
             <a:endParaRPr lang="zh-TW" altLang="en-US"/>
           </a:p>
@@ -4513,1760 +3978,6 @@
           <a:chExt cx="0" cy="0"/>
         </a:xfrm>
       </p:grpSpPr>
-      <p:pic>
-        <p:nvPicPr>
-          <p:cNvPr id="7" name="圖片 6">
-            <a:extLst>
-              <a:ext uri="{FF2B5EF4-FFF2-40B4-BE49-F238E27FC236}">
-                <a16:creationId xmlns:a16="http://schemas.microsoft.com/office/drawing/2014/main" id="{9BBF0679-D940-FBD6-B282-8DD3BAAEB320}"/>
-              </a:ext>
-            </a:extLst>
-          </p:cNvPr>
-          <p:cNvPicPr>
-            <a:picLocks noChangeAspect="1"/>
-          </p:cNvPicPr>
-          <p:nvPr/>
-        </p:nvPicPr>
-        <p:blipFill>
-          <a:blip r:embed="rId2"/>
-          <a:stretch>
-            <a:fillRect/>
-          </a:stretch>
-        </p:blipFill>
-        <p:spPr>
-          <a:xfrm>
-            <a:off x="0" y="766087"/>
-            <a:ext cx="12192000" cy="5325826"/>
-          </a:xfrm>
-          <a:prstGeom prst="rect">
-            <a:avLst/>
-          </a:prstGeom>
-        </p:spPr>
-      </p:pic>
-      <p:grpSp>
-        <p:nvGrpSpPr>
-          <p:cNvPr id="12" name="群組 11">
-            <a:extLst>
-              <a:ext uri="{FF2B5EF4-FFF2-40B4-BE49-F238E27FC236}">
-                <a16:creationId xmlns:a16="http://schemas.microsoft.com/office/drawing/2014/main" id="{54111257-C746-DB59-4A1A-A860F2C4D1AF}"/>
-              </a:ext>
-            </a:extLst>
-          </p:cNvPr>
-          <p:cNvGrpSpPr/>
-          <p:nvPr/>
-        </p:nvGrpSpPr>
-        <p:grpSpPr>
-          <a:xfrm>
-            <a:off x="1091473" y="1380005"/>
-            <a:ext cx="3959280" cy="3909960"/>
-            <a:chOff x="1091473" y="1380005"/>
-            <a:chExt cx="3959280" cy="3909960"/>
-          </a:xfrm>
-        </p:grpSpPr>
-        <mc:AlternateContent xmlns:mc="http://schemas.openxmlformats.org/markup-compatibility/2006" xmlns:p14="http://schemas.microsoft.com/office/powerpoint/2010/main">
-          <mc:Choice Requires="p14">
-            <p:contentPart p14:bwMode="auto" r:id="rId3">
-              <p14:nvContentPartPr>
-                <p14:cNvPr id="8" name="筆跡 7">
-                  <a:extLst>
-                    <a:ext uri="{FF2B5EF4-FFF2-40B4-BE49-F238E27FC236}">
-                      <a16:creationId xmlns:a16="http://schemas.microsoft.com/office/drawing/2014/main" id="{36BC2F00-1513-029A-231B-8EDF6641FE0A}"/>
-                    </a:ext>
-                  </a:extLst>
-                </p14:cNvPr>
-                <p14:cNvContentPartPr/>
-                <p14:nvPr/>
-              </p14:nvContentPartPr>
-              <p14:xfrm>
-                <a:off x="1091473" y="1380005"/>
-                <a:ext cx="3959280" cy="3909960"/>
-              </p14:xfrm>
-            </p:contentPart>
-          </mc:Choice>
-          <mc:Fallback xmlns="">
-            <p:pic>
-              <p:nvPicPr>
-                <p:cNvPr id="8" name="筆跡 7">
-                  <a:extLst>
-                    <a:ext uri="{FF2B5EF4-FFF2-40B4-BE49-F238E27FC236}">
-                      <a16:creationId xmlns:a16="http://schemas.microsoft.com/office/drawing/2014/main" id="{36BC2F00-1513-029A-231B-8EDF6641FE0A}"/>
-                    </a:ext>
-                  </a:extLst>
-                </p:cNvPr>
-                <p:cNvPicPr/>
-                <p:nvPr/>
-              </p:nvPicPr>
-              <p:blipFill>
-                <a:blip r:embed="rId4"/>
-                <a:stretch>
-                  <a:fillRect/>
-                </a:stretch>
-              </p:blipFill>
-              <p:spPr>
-                <a:xfrm>
-                  <a:off x="1085353" y="1373885"/>
-                  <a:ext cx="3971520" cy="3922200"/>
-                </a:xfrm>
-                <a:prstGeom prst="rect">
-                  <a:avLst/>
-                </a:prstGeom>
-              </p:spPr>
-            </p:pic>
-          </mc:Fallback>
-        </mc:AlternateContent>
-        <mc:AlternateContent xmlns:mc="http://schemas.openxmlformats.org/markup-compatibility/2006" xmlns:p14="http://schemas.microsoft.com/office/powerpoint/2010/main">
-          <mc:Choice Requires="p14">
-            <p:contentPart p14:bwMode="auto" r:id="rId5">
-              <p14:nvContentPartPr>
-                <p14:cNvPr id="9" name="筆跡 8">
-                  <a:extLst>
-                    <a:ext uri="{FF2B5EF4-FFF2-40B4-BE49-F238E27FC236}">
-                      <a16:creationId xmlns:a16="http://schemas.microsoft.com/office/drawing/2014/main" id="{D47B7E0E-245E-1FB5-9D9B-CBC03F80319A}"/>
-                    </a:ext>
-                  </a:extLst>
-                </p14:cNvPr>
-                <p14:cNvContentPartPr/>
-                <p14:nvPr/>
-              </p14:nvContentPartPr>
-              <p14:xfrm>
-                <a:off x="1383793" y="2017565"/>
-                <a:ext cx="497880" cy="346680"/>
-              </p14:xfrm>
-            </p:contentPart>
-          </mc:Choice>
-          <mc:Fallback xmlns="">
-            <p:pic>
-              <p:nvPicPr>
-                <p:cNvPr id="9" name="筆跡 8">
-                  <a:extLst>
-                    <a:ext uri="{FF2B5EF4-FFF2-40B4-BE49-F238E27FC236}">
-                      <a16:creationId xmlns:a16="http://schemas.microsoft.com/office/drawing/2014/main" id="{D47B7E0E-245E-1FB5-9D9B-CBC03F80319A}"/>
-                    </a:ext>
-                  </a:extLst>
-                </p:cNvPr>
-                <p:cNvPicPr/>
-                <p:nvPr/>
-              </p:nvPicPr>
-              <p:blipFill>
-                <a:blip r:embed="rId6"/>
-                <a:stretch>
-                  <a:fillRect/>
-                </a:stretch>
-              </p:blipFill>
-              <p:spPr>
-                <a:xfrm>
-                  <a:off x="1377673" y="2011445"/>
-                  <a:ext cx="510120" cy="358920"/>
-                </a:xfrm>
-                <a:prstGeom prst="rect">
-                  <a:avLst/>
-                </a:prstGeom>
-              </p:spPr>
-            </p:pic>
-          </mc:Fallback>
-        </mc:AlternateContent>
-        <mc:AlternateContent xmlns:mc="http://schemas.openxmlformats.org/markup-compatibility/2006" xmlns:p14="http://schemas.microsoft.com/office/powerpoint/2010/main">
-          <mc:Choice Requires="p14">
-            <p:contentPart p14:bwMode="auto" r:id="rId7">
-              <p14:nvContentPartPr>
-                <p14:cNvPr id="11" name="筆跡 10">
-                  <a:extLst>
-                    <a:ext uri="{FF2B5EF4-FFF2-40B4-BE49-F238E27FC236}">
-                      <a16:creationId xmlns:a16="http://schemas.microsoft.com/office/drawing/2014/main" id="{BCD9E7FF-00A1-F6EE-EEF7-1257969CDA41}"/>
-                    </a:ext>
-                  </a:extLst>
-                </p14:cNvPr>
-                <p14:cNvContentPartPr/>
-                <p14:nvPr/>
-              </p14:nvContentPartPr>
-              <p14:xfrm>
-                <a:off x="2126833" y="2410685"/>
-                <a:ext cx="538560" cy="207720"/>
-              </p14:xfrm>
-            </p:contentPart>
-          </mc:Choice>
-          <mc:Fallback xmlns="">
-            <p:pic>
-              <p:nvPicPr>
-                <p:cNvPr id="11" name="筆跡 10">
-                  <a:extLst>
-                    <a:ext uri="{FF2B5EF4-FFF2-40B4-BE49-F238E27FC236}">
-                      <a16:creationId xmlns:a16="http://schemas.microsoft.com/office/drawing/2014/main" id="{BCD9E7FF-00A1-F6EE-EEF7-1257969CDA41}"/>
-                    </a:ext>
-                  </a:extLst>
-                </p:cNvPr>
-                <p:cNvPicPr/>
-                <p:nvPr/>
-              </p:nvPicPr>
-              <p:blipFill>
-                <a:blip r:embed="rId8"/>
-                <a:stretch>
-                  <a:fillRect/>
-                </a:stretch>
-              </p:blipFill>
-              <p:spPr>
-                <a:xfrm>
-                  <a:off x="2120713" y="2404565"/>
-                  <a:ext cx="550800" cy="219960"/>
-                </a:xfrm>
-                <a:prstGeom prst="rect">
-                  <a:avLst/>
-                </a:prstGeom>
-              </p:spPr>
-            </p:pic>
-          </mc:Fallback>
-        </mc:AlternateContent>
-      </p:grpSp>
-      <p:sp>
-        <p:nvSpPr>
-          <p:cNvPr id="13" name="文字方塊 12">
-            <a:extLst>
-              <a:ext uri="{FF2B5EF4-FFF2-40B4-BE49-F238E27FC236}">
-                <a16:creationId xmlns:a16="http://schemas.microsoft.com/office/drawing/2014/main" id="{27CB9FE1-C556-4DBA-CE8C-C6EA75385287}"/>
-              </a:ext>
-            </a:extLst>
-          </p:cNvPr>
-          <p:cNvSpPr txBox="1"/>
-          <p:nvPr/>
-        </p:nvSpPr>
-        <p:spPr>
-          <a:xfrm>
-            <a:off x="719540" y="403000"/>
-            <a:ext cx="1328505" cy="307777"/>
-          </a:xfrm>
-          <a:prstGeom prst="rect">
-            <a:avLst/>
-          </a:prstGeom>
-          <a:noFill/>
-        </p:spPr>
-        <p:txBody>
-          <a:bodyPr wrap="none" rtlCol="0">
-            <a:spAutoFit/>
-          </a:bodyPr>
-          <a:lstStyle/>
-          <a:p>
-            <a:r>
-              <a:rPr lang="en-US" altLang="zh-TW" sz="1400" dirty="0">
-                <a:latin typeface="微軟正黑體" panose="020B0604030504040204" pitchFamily="34" charset="-120"/>
-                <a:ea typeface="微軟正黑體" panose="020B0604030504040204" pitchFamily="34" charset="-120"/>
-                <a:cs typeface="Microsoft GothicNeo" panose="020B0500000101010101" pitchFamily="34" charset="-127"/>
-              </a:rPr>
-              <a:t>Write register</a:t>
-            </a:r>
-            <a:endParaRPr lang="zh-TW" altLang="en-US" sz="1400" dirty="0">
-              <a:latin typeface="微軟正黑體" panose="020B0604030504040204" pitchFamily="34" charset="-120"/>
-              <a:ea typeface="微軟正黑體" panose="020B0604030504040204" pitchFamily="34" charset="-120"/>
-              <a:cs typeface="Microsoft GothicNeo" panose="020B0500000101010101" pitchFamily="34" charset="-127"/>
-            </a:endParaRPr>
-          </a:p>
-        </p:txBody>
-      </p:sp>
-    </p:spTree>
-    <p:extLst>
-      <p:ext uri="{BB962C8B-B14F-4D97-AF65-F5344CB8AC3E}">
-        <p14:creationId xmlns:p14="http://schemas.microsoft.com/office/powerpoint/2010/main" val="430826108"/>
-      </p:ext>
-    </p:extLst>
-  </p:cSld>
-  <p:clrMapOvr>
-    <a:masterClrMapping/>
-  </p:clrMapOvr>
-</p:sld>
-</file>
-
-<file path=ppt/slides/slide10.xml><?xml version="1.0" encoding="utf-8"?>
-<p:sld xmlns:a="http://schemas.openxmlformats.org/drawingml/2006/main" xmlns:r="http://schemas.openxmlformats.org/officeDocument/2006/relationships" xmlns:p="http://schemas.openxmlformats.org/presentationml/2006/main">
-  <p:cSld>
-    <p:spTree>
-      <p:nvGrpSpPr>
-        <p:cNvPr id="1" name="">
-          <a:extLst>
-            <a:ext uri="{FF2B5EF4-FFF2-40B4-BE49-F238E27FC236}">
-              <a16:creationId xmlns:a16="http://schemas.microsoft.com/office/drawing/2014/main" id="{63F41EB4-CD9E-076D-E3B4-7807EEDAC3AA}"/>
-            </a:ext>
-          </a:extLst>
-        </p:cNvPr>
-        <p:cNvGrpSpPr/>
-        <p:nvPr/>
-      </p:nvGrpSpPr>
-      <p:grpSpPr>
-        <a:xfrm>
-          <a:off x="0" y="0"/>
-          <a:ext cx="0" cy="0"/>
-          <a:chOff x="0" y="0"/>
-          <a:chExt cx="0" cy="0"/>
-        </a:xfrm>
-      </p:grpSpPr>
-      <p:sp>
-        <p:nvSpPr>
-          <p:cNvPr id="2" name="文字方塊 1">
-            <a:extLst>
-              <a:ext uri="{FF2B5EF4-FFF2-40B4-BE49-F238E27FC236}">
-                <a16:creationId xmlns:a16="http://schemas.microsoft.com/office/drawing/2014/main" id="{14C349B2-84EC-4082-4F89-2C72A492FC6D}"/>
-              </a:ext>
-            </a:extLst>
-          </p:cNvPr>
-          <p:cNvSpPr txBox="1"/>
-          <p:nvPr/>
-        </p:nvSpPr>
-        <p:spPr>
-          <a:xfrm>
-            <a:off x="775855" y="535709"/>
-            <a:ext cx="8737648" cy="1200329"/>
-          </a:xfrm>
-          <a:prstGeom prst="rect">
-            <a:avLst/>
-          </a:prstGeom>
-          <a:noFill/>
-        </p:spPr>
-        <p:txBody>
-          <a:bodyPr wrap="none" rtlCol="0">
-            <a:spAutoFit/>
-          </a:bodyPr>
-          <a:lstStyle/>
-          <a:p>
-            <a:pPr marL="285750" indent="-285750">
-              <a:buFont typeface="Arial" panose="020B0604020202020204" pitchFamily="34" charset="0"/>
-              <a:buChar char="•"/>
-            </a:pPr>
-            <a:r>
-              <a:rPr lang="zh-TW" altLang="en-US" dirty="0"/>
-              <a:t>狀態機由</a:t>
-            </a:r>
-            <a:r>
-              <a:rPr lang="en-US" altLang="zh-TW" dirty="0" err="1"/>
-              <a:t>sm_enable</a:t>
-            </a:r>
-            <a:r>
-              <a:rPr lang="zh-TW" altLang="en-US" dirty="0"/>
-              <a:t>啟動，一直到</a:t>
-            </a:r>
-            <a:r>
-              <a:rPr lang="en-US" altLang="zh-TW" dirty="0"/>
-              <a:t>STOP2</a:t>
-            </a:r>
-            <a:r>
-              <a:rPr lang="zh-TW" altLang="en-US" dirty="0"/>
-              <a:t>時若</a:t>
-            </a:r>
-            <a:r>
-              <a:rPr lang="en-US" altLang="zh-TW" dirty="0" err="1"/>
-              <a:t>write_done</a:t>
-            </a:r>
-            <a:r>
-              <a:rPr lang="en-US" altLang="zh-TW" dirty="0"/>
-              <a:t> = 0</a:t>
-            </a:r>
-            <a:r>
-              <a:rPr lang="zh-TW" altLang="en-US" dirty="0"/>
-              <a:t>時才會寫</a:t>
-            </a:r>
-            <a:r>
-              <a:rPr lang="en-US" altLang="zh-TW" dirty="0"/>
-              <a:t>0</a:t>
-            </a:r>
-          </a:p>
-          <a:p>
-            <a:pPr marL="742950" lvl="1" indent="-285750">
-              <a:buFont typeface="Arial" panose="020B0604020202020204" pitchFamily="34" charset="0"/>
-              <a:buChar char="•"/>
-            </a:pPr>
-            <a:r>
-              <a:rPr lang="zh-TW" altLang="en-US" dirty="0"/>
-              <a:t>若為讀時</a:t>
-            </a:r>
-            <a:r>
-              <a:rPr lang="en-US" altLang="zh-TW" dirty="0"/>
-              <a:t>(1 byte or 11 bytes)</a:t>
-            </a:r>
-            <a:r>
-              <a:rPr lang="zh-TW" altLang="en-US" dirty="0"/>
-              <a:t>寫完</a:t>
-            </a:r>
-            <a:r>
-              <a:rPr lang="en-US" altLang="zh-TW" dirty="0"/>
-              <a:t>reg</a:t>
-            </a:r>
-            <a:r>
-              <a:rPr lang="zh-TW" altLang="en-US" dirty="0"/>
-              <a:t>後第二圈進入</a:t>
-            </a:r>
-            <a:r>
-              <a:rPr lang="en-US" altLang="zh-TW" dirty="0"/>
-              <a:t>READ_DATE</a:t>
-            </a:r>
-            <a:r>
-              <a:rPr lang="zh-TW" altLang="en-US" dirty="0"/>
-              <a:t>時</a:t>
-            </a:r>
-            <a:r>
-              <a:rPr lang="en-US" altLang="zh-TW" dirty="0" err="1"/>
-              <a:t>write_done</a:t>
-            </a:r>
-            <a:r>
-              <a:rPr lang="en-US" altLang="zh-TW" dirty="0"/>
-              <a:t> = 0</a:t>
-            </a:r>
-          </a:p>
-          <a:p>
-            <a:pPr marL="742950" lvl="1" indent="-285750">
-              <a:buFont typeface="Arial" panose="020B0604020202020204" pitchFamily="34" charset="0"/>
-              <a:buChar char="•"/>
-            </a:pPr>
-            <a:r>
-              <a:rPr lang="zh-TW" altLang="en-US" dirty="0"/>
-              <a:t>若為寫時</a:t>
-            </a:r>
-            <a:r>
-              <a:rPr lang="en-US" altLang="zh-TW" dirty="0" err="1"/>
-              <a:t>write_done</a:t>
-            </a:r>
-            <a:r>
-              <a:rPr lang="en-US" altLang="zh-TW" dirty="0"/>
-              <a:t> = 0</a:t>
-            </a:r>
-          </a:p>
-          <a:p>
-            <a:pPr marL="285750" indent="-285750">
-              <a:buFont typeface="Arial" panose="020B0604020202020204" pitchFamily="34" charset="0"/>
-              <a:buChar char="•"/>
-            </a:pPr>
-            <a:r>
-              <a:rPr lang="en-US" altLang="zh-TW" dirty="0" err="1"/>
-              <a:t>i_drdy</a:t>
-            </a:r>
-            <a:r>
-              <a:rPr lang="en-US" altLang="zh-TW" dirty="0"/>
-              <a:t> or </a:t>
-            </a:r>
-            <a:r>
-              <a:rPr lang="en-US" altLang="zh-TW" dirty="0" err="1"/>
-              <a:t>i_enable</a:t>
-            </a:r>
-            <a:r>
-              <a:rPr lang="en-US" altLang="zh-TW" dirty="0"/>
-              <a:t> </a:t>
-            </a:r>
-            <a:r>
-              <a:rPr lang="zh-TW" altLang="en-US" dirty="0"/>
-              <a:t>任一訊號</a:t>
-            </a:r>
-            <a:r>
-              <a:rPr lang="en-US" altLang="zh-TW" dirty="0"/>
-              <a:t>H</a:t>
-            </a:r>
-            <a:r>
-              <a:rPr lang="zh-TW" altLang="en-US" dirty="0"/>
-              <a:t>時都會啟動狀態機</a:t>
-            </a:r>
-          </a:p>
-        </p:txBody>
-      </p:sp>
-      <p:pic>
-        <p:nvPicPr>
-          <p:cNvPr id="4" name="圖片 3">
-            <a:extLst>
-              <a:ext uri="{FF2B5EF4-FFF2-40B4-BE49-F238E27FC236}">
-                <a16:creationId xmlns:a16="http://schemas.microsoft.com/office/drawing/2014/main" id="{3493E583-F750-91C8-F059-846D17008261}"/>
-              </a:ext>
-            </a:extLst>
-          </p:cNvPr>
-          <p:cNvPicPr>
-            <a:picLocks noChangeAspect="1"/>
-          </p:cNvPicPr>
-          <p:nvPr/>
-        </p:nvPicPr>
-        <p:blipFill>
-          <a:blip r:embed="rId2"/>
-          <a:stretch>
-            <a:fillRect/>
-          </a:stretch>
-        </p:blipFill>
-        <p:spPr>
-          <a:xfrm>
-            <a:off x="874547" y="2055344"/>
-            <a:ext cx="4439270" cy="2562583"/>
-          </a:xfrm>
-          <a:prstGeom prst="rect">
-            <a:avLst/>
-          </a:prstGeom>
-        </p:spPr>
-      </p:pic>
-    </p:spTree>
-    <p:extLst>
-      <p:ext uri="{BB962C8B-B14F-4D97-AF65-F5344CB8AC3E}">
-        <p14:creationId xmlns:p14="http://schemas.microsoft.com/office/powerpoint/2010/main" val="2260986826"/>
-      </p:ext>
-    </p:extLst>
-  </p:cSld>
-  <p:clrMapOvr>
-    <a:masterClrMapping/>
-  </p:clrMapOvr>
-</p:sld>
-</file>
-
-<file path=ppt/slides/slide11.xml><?xml version="1.0" encoding="utf-8"?>
-<p:sld xmlns:a="http://schemas.openxmlformats.org/drawingml/2006/main" xmlns:r="http://schemas.openxmlformats.org/officeDocument/2006/relationships" xmlns:p="http://schemas.openxmlformats.org/presentationml/2006/main">
-  <p:cSld>
-    <p:spTree>
-      <p:nvGrpSpPr>
-        <p:cNvPr id="1" name="">
-          <a:extLst>
-            <a:ext uri="{FF2B5EF4-FFF2-40B4-BE49-F238E27FC236}">
-              <a16:creationId xmlns:a16="http://schemas.microsoft.com/office/drawing/2014/main" id="{3FF54C88-65D0-6364-F132-5B8F54D22981}"/>
-            </a:ext>
-          </a:extLst>
-        </p:cNvPr>
-        <p:cNvGrpSpPr/>
-        <p:nvPr/>
-      </p:nvGrpSpPr>
-      <p:grpSpPr>
-        <a:xfrm>
-          <a:off x="0" y="0"/>
-          <a:ext cx="0" cy="0"/>
-          <a:chOff x="0" y="0"/>
-          <a:chExt cx="0" cy="0"/>
-        </a:xfrm>
-      </p:grpSpPr>
-    </p:spTree>
-    <p:extLst>
-      <p:ext uri="{BB962C8B-B14F-4D97-AF65-F5344CB8AC3E}">
-        <p14:creationId xmlns:p14="http://schemas.microsoft.com/office/powerpoint/2010/main" val="2109628356"/>
-      </p:ext>
-    </p:extLst>
-  </p:cSld>
-  <p:clrMapOvr>
-    <a:masterClrMapping/>
-  </p:clrMapOvr>
-</p:sld>
-</file>
-
-<file path=ppt/slides/slide12.xml><?xml version="1.0" encoding="utf-8"?>
-<p:sld xmlns:a="http://schemas.openxmlformats.org/drawingml/2006/main" xmlns:r="http://schemas.openxmlformats.org/officeDocument/2006/relationships" xmlns:p="http://schemas.openxmlformats.org/presentationml/2006/main">
-  <p:cSld>
-    <p:spTree>
-      <p:nvGrpSpPr>
-        <p:cNvPr id="1" name="">
-          <a:extLst>
-            <a:ext uri="{FF2B5EF4-FFF2-40B4-BE49-F238E27FC236}">
-              <a16:creationId xmlns:a16="http://schemas.microsoft.com/office/drawing/2014/main" id="{2A3B72D0-A2BF-82C7-C26D-45F4E3DD4378}"/>
-            </a:ext>
-          </a:extLst>
-        </p:cNvPr>
-        <p:cNvGrpSpPr/>
-        <p:nvPr/>
-      </p:nvGrpSpPr>
-      <p:grpSpPr>
-        <a:xfrm>
-          <a:off x="0" y="0"/>
-          <a:ext cx="0" cy="0"/>
-          <a:chOff x="0" y="0"/>
-          <a:chExt cx="0" cy="0"/>
-        </a:xfrm>
-      </p:grpSpPr>
-    </p:spTree>
-    <p:extLst>
-      <p:ext uri="{BB962C8B-B14F-4D97-AF65-F5344CB8AC3E}">
-        <p14:creationId xmlns:p14="http://schemas.microsoft.com/office/powerpoint/2010/main" val="1412053104"/>
-      </p:ext>
-    </p:extLst>
-  </p:cSld>
-  <p:clrMapOvr>
-    <a:masterClrMapping/>
-  </p:clrMapOvr>
-</p:sld>
-</file>
-
-<file path=ppt/slides/slide2.xml><?xml version="1.0" encoding="utf-8"?>
-<p:sld xmlns:a="http://schemas.openxmlformats.org/drawingml/2006/main" xmlns:r="http://schemas.openxmlformats.org/officeDocument/2006/relationships" xmlns:p="http://schemas.openxmlformats.org/presentationml/2006/main">
-  <p:cSld>
-    <p:spTree>
-      <p:nvGrpSpPr>
-        <p:cNvPr id="1" name="">
-          <a:extLst>
-            <a:ext uri="{FF2B5EF4-FFF2-40B4-BE49-F238E27FC236}">
-              <a16:creationId xmlns:a16="http://schemas.microsoft.com/office/drawing/2014/main" id="{BBA028CF-82A8-0F4F-D485-1FF4367501E4}"/>
-            </a:ext>
-          </a:extLst>
-        </p:cNvPr>
-        <p:cNvGrpSpPr/>
-        <p:nvPr/>
-      </p:nvGrpSpPr>
-      <p:grpSpPr>
-        <a:xfrm>
-          <a:off x="0" y="0"/>
-          <a:ext cx="0" cy="0"/>
-          <a:chOff x="0" y="0"/>
-          <a:chExt cx="0" cy="0"/>
-        </a:xfrm>
-      </p:grpSpPr>
-      <p:pic>
-        <p:nvPicPr>
-          <p:cNvPr id="2" name="圖片 1">
-            <a:extLst>
-              <a:ext uri="{FF2B5EF4-FFF2-40B4-BE49-F238E27FC236}">
-                <a16:creationId xmlns:a16="http://schemas.microsoft.com/office/drawing/2014/main" id="{7F1E910B-C926-EAD6-5586-3BACE02188A3}"/>
-              </a:ext>
-            </a:extLst>
-          </p:cNvPr>
-          <p:cNvPicPr>
-            <a:picLocks noChangeAspect="1"/>
-          </p:cNvPicPr>
-          <p:nvPr/>
-        </p:nvPicPr>
-        <p:blipFill>
-          <a:blip r:embed="rId2"/>
-          <a:stretch>
-            <a:fillRect/>
-          </a:stretch>
-        </p:blipFill>
-        <p:spPr>
-          <a:xfrm>
-            <a:off x="0" y="766087"/>
-            <a:ext cx="12192000" cy="5325826"/>
-          </a:xfrm>
-          <a:prstGeom prst="rect">
-            <a:avLst/>
-          </a:prstGeom>
-        </p:spPr>
-      </p:pic>
-      <p:sp>
-        <p:nvSpPr>
-          <p:cNvPr id="3" name="文字方塊 2">
-            <a:extLst>
-              <a:ext uri="{FF2B5EF4-FFF2-40B4-BE49-F238E27FC236}">
-                <a16:creationId xmlns:a16="http://schemas.microsoft.com/office/drawing/2014/main" id="{DA1E3B39-53EE-1440-C4FC-07BA277C1D5E}"/>
-              </a:ext>
-            </a:extLst>
-          </p:cNvPr>
-          <p:cNvSpPr txBox="1"/>
-          <p:nvPr/>
-        </p:nvSpPr>
-        <p:spPr>
-          <a:xfrm>
-            <a:off x="719540" y="403000"/>
-            <a:ext cx="2114618" cy="307777"/>
-          </a:xfrm>
-          <a:prstGeom prst="rect">
-            <a:avLst/>
-          </a:prstGeom>
-          <a:noFill/>
-        </p:spPr>
-        <p:txBody>
-          <a:bodyPr wrap="none" rtlCol="0">
-            <a:spAutoFit/>
-          </a:bodyPr>
-          <a:lstStyle/>
-          <a:p>
-            <a:r>
-              <a:rPr lang="en-US" altLang="zh-TW" sz="1400" dirty="0">
-                <a:latin typeface="微軟正黑體" panose="020B0604030504040204" pitchFamily="34" charset="-120"/>
-                <a:ea typeface="微軟正黑體" panose="020B0604030504040204" pitchFamily="34" charset="-120"/>
-                <a:cs typeface="Microsoft GothicNeo" panose="020B0500000101010101" pitchFamily="34" charset="-127"/>
-              </a:rPr>
-              <a:t>Write</a:t>
-            </a:r>
-            <a:r>
-              <a:rPr lang="zh-TW" altLang="en-US" sz="1400" dirty="0">
-                <a:latin typeface="微軟正黑體" panose="020B0604030504040204" pitchFamily="34" charset="-120"/>
-                <a:ea typeface="微軟正黑體" panose="020B0604030504040204" pitchFamily="34" charset="-120"/>
-                <a:cs typeface="Microsoft GothicNeo" panose="020B0500000101010101" pitchFamily="34" charset="-127"/>
-              </a:rPr>
-              <a:t> </a:t>
-            </a:r>
-            <a:r>
-              <a:rPr lang="en-US" altLang="zh-TW" sz="1400" dirty="0">
-                <a:latin typeface="微軟正黑體" panose="020B0604030504040204" pitchFamily="34" charset="-120"/>
-                <a:ea typeface="微軟正黑體" panose="020B0604030504040204" pitchFamily="34" charset="-120"/>
-                <a:cs typeface="Microsoft GothicNeo" panose="020B0500000101010101" pitchFamily="34" charset="-127"/>
-              </a:rPr>
-              <a:t>one byte register</a:t>
-            </a:r>
-            <a:endParaRPr lang="zh-TW" altLang="en-US" sz="1400" dirty="0">
-              <a:latin typeface="微軟正黑體" panose="020B0604030504040204" pitchFamily="34" charset="-120"/>
-              <a:ea typeface="微軟正黑體" panose="020B0604030504040204" pitchFamily="34" charset="-120"/>
-              <a:cs typeface="Microsoft GothicNeo" panose="020B0500000101010101" pitchFamily="34" charset="-127"/>
-            </a:endParaRPr>
-          </a:p>
-        </p:txBody>
-      </p:sp>
-      <p:grpSp>
-        <p:nvGrpSpPr>
-          <p:cNvPr id="9" name="群組 8">
-            <a:extLst>
-              <a:ext uri="{FF2B5EF4-FFF2-40B4-BE49-F238E27FC236}">
-                <a16:creationId xmlns:a16="http://schemas.microsoft.com/office/drawing/2014/main" id="{6224005A-2EF5-23A2-D1C3-A84EB6FCA78A}"/>
-              </a:ext>
-            </a:extLst>
-          </p:cNvPr>
-          <p:cNvGrpSpPr/>
-          <p:nvPr/>
-        </p:nvGrpSpPr>
-        <p:grpSpPr>
-          <a:xfrm>
-            <a:off x="1399273" y="1201445"/>
-            <a:ext cx="3582000" cy="4146480"/>
-            <a:chOff x="1399273" y="1201445"/>
-            <a:chExt cx="3582000" cy="4146480"/>
-          </a:xfrm>
-        </p:grpSpPr>
-        <mc:AlternateContent xmlns:mc="http://schemas.openxmlformats.org/markup-compatibility/2006" xmlns:p14="http://schemas.microsoft.com/office/powerpoint/2010/main">
-          <mc:Choice Requires="p14">
-            <p:contentPart p14:bwMode="auto" r:id="rId3">
-              <p14:nvContentPartPr>
-                <p14:cNvPr id="4" name="筆跡 3">
-                  <a:extLst>
-                    <a:ext uri="{FF2B5EF4-FFF2-40B4-BE49-F238E27FC236}">
-                      <a16:creationId xmlns:a16="http://schemas.microsoft.com/office/drawing/2014/main" id="{ADE8FDE2-ECDF-0F8C-5A32-E7298654474E}"/>
-                    </a:ext>
-                  </a:extLst>
-                </p14:cNvPr>
-                <p14:cNvContentPartPr/>
-                <p14:nvPr/>
-              </p14:nvContentPartPr>
-              <p14:xfrm>
-                <a:off x="1399273" y="1201445"/>
-                <a:ext cx="3582000" cy="4146480"/>
-              </p14:xfrm>
-            </p:contentPart>
-          </mc:Choice>
-          <mc:Fallback xmlns="">
-            <p:pic>
-              <p:nvPicPr>
-                <p:cNvPr id="4" name="筆跡 3">
-                  <a:extLst>
-                    <a:ext uri="{FF2B5EF4-FFF2-40B4-BE49-F238E27FC236}">
-                      <a16:creationId xmlns:a16="http://schemas.microsoft.com/office/drawing/2014/main" id="{ADE8FDE2-ECDF-0F8C-5A32-E7298654474E}"/>
-                    </a:ext>
-                  </a:extLst>
-                </p:cNvPr>
-                <p:cNvPicPr/>
-                <p:nvPr/>
-              </p:nvPicPr>
-              <p:blipFill>
-                <a:blip r:embed="rId4"/>
-                <a:stretch>
-                  <a:fillRect/>
-                </a:stretch>
-              </p:blipFill>
-              <p:spPr>
-                <a:xfrm>
-                  <a:off x="1393153" y="1195325"/>
-                  <a:ext cx="3594240" cy="4158720"/>
-                </a:xfrm>
-                <a:prstGeom prst="rect">
-                  <a:avLst/>
-                </a:prstGeom>
-              </p:spPr>
-            </p:pic>
-          </mc:Fallback>
-        </mc:AlternateContent>
-        <mc:AlternateContent xmlns:mc="http://schemas.openxmlformats.org/markup-compatibility/2006" xmlns:p14="http://schemas.microsoft.com/office/powerpoint/2010/main">
-          <mc:Choice Requires="p14">
-            <p:contentPart p14:bwMode="auto" r:id="rId5">
-              <p14:nvContentPartPr>
-                <p14:cNvPr id="5" name="筆跡 4">
-                  <a:extLst>
-                    <a:ext uri="{FF2B5EF4-FFF2-40B4-BE49-F238E27FC236}">
-                      <a16:creationId xmlns:a16="http://schemas.microsoft.com/office/drawing/2014/main" id="{E981618F-B87E-7BE4-4A88-00B5816728FF}"/>
-                    </a:ext>
-                  </a:extLst>
-                </p14:cNvPr>
-                <p14:cNvContentPartPr/>
-                <p14:nvPr/>
-              </p14:nvContentPartPr>
-              <p14:xfrm>
-                <a:off x="1557673" y="1759085"/>
-                <a:ext cx="310320" cy="264960"/>
-              </p14:xfrm>
-            </p:contentPart>
-          </mc:Choice>
-          <mc:Fallback xmlns="">
-            <p:pic>
-              <p:nvPicPr>
-                <p:cNvPr id="5" name="筆跡 4">
-                  <a:extLst>
-                    <a:ext uri="{FF2B5EF4-FFF2-40B4-BE49-F238E27FC236}">
-                      <a16:creationId xmlns:a16="http://schemas.microsoft.com/office/drawing/2014/main" id="{E981618F-B87E-7BE4-4A88-00B5816728FF}"/>
-                    </a:ext>
-                  </a:extLst>
-                </p:cNvPr>
-                <p:cNvPicPr/>
-                <p:nvPr/>
-              </p:nvPicPr>
-              <p:blipFill>
-                <a:blip r:embed="rId6"/>
-                <a:stretch>
-                  <a:fillRect/>
-                </a:stretch>
-              </p:blipFill>
-              <p:spPr>
-                <a:xfrm>
-                  <a:off x="1551553" y="1752965"/>
-                  <a:ext cx="322560" cy="277200"/>
-                </a:xfrm>
-                <a:prstGeom prst="rect">
-                  <a:avLst/>
-                </a:prstGeom>
-              </p:spPr>
-            </p:pic>
-          </mc:Fallback>
-        </mc:AlternateContent>
-        <mc:AlternateContent xmlns:mc="http://schemas.openxmlformats.org/markup-compatibility/2006" xmlns:p14="http://schemas.microsoft.com/office/powerpoint/2010/main">
-          <mc:Choice Requires="p14">
-            <p:contentPart p14:bwMode="auto" r:id="rId7">
-              <p14:nvContentPartPr>
-                <p14:cNvPr id="6" name="筆跡 5">
-                  <a:extLst>
-                    <a:ext uri="{FF2B5EF4-FFF2-40B4-BE49-F238E27FC236}">
-                      <a16:creationId xmlns:a16="http://schemas.microsoft.com/office/drawing/2014/main" id="{412E0152-2207-CE1B-B894-07D2FEE1A99E}"/>
-                    </a:ext>
-                  </a:extLst>
-                </p14:cNvPr>
-                <p14:cNvContentPartPr/>
-                <p14:nvPr/>
-              </p14:nvContentPartPr>
-              <p14:xfrm>
-                <a:off x="2106673" y="2322485"/>
-                <a:ext cx="354240" cy="235080"/>
-              </p14:xfrm>
-            </p:contentPart>
-          </mc:Choice>
-          <mc:Fallback xmlns="">
-            <p:pic>
-              <p:nvPicPr>
-                <p:cNvPr id="6" name="筆跡 5">
-                  <a:extLst>
-                    <a:ext uri="{FF2B5EF4-FFF2-40B4-BE49-F238E27FC236}">
-                      <a16:creationId xmlns:a16="http://schemas.microsoft.com/office/drawing/2014/main" id="{412E0152-2207-CE1B-B894-07D2FEE1A99E}"/>
-                    </a:ext>
-                  </a:extLst>
-                </p:cNvPr>
-                <p:cNvPicPr/>
-                <p:nvPr/>
-              </p:nvPicPr>
-              <p:blipFill>
-                <a:blip r:embed="rId8"/>
-                <a:stretch>
-                  <a:fillRect/>
-                </a:stretch>
-              </p:blipFill>
-              <p:spPr>
-                <a:xfrm>
-                  <a:off x="2100553" y="2316365"/>
-                  <a:ext cx="366480" cy="247320"/>
-                </a:xfrm>
-                <a:prstGeom prst="rect">
-                  <a:avLst/>
-                </a:prstGeom>
-              </p:spPr>
-            </p:pic>
-          </mc:Fallback>
-        </mc:AlternateContent>
-        <mc:AlternateContent xmlns:mc="http://schemas.openxmlformats.org/markup-compatibility/2006" xmlns:p14="http://schemas.microsoft.com/office/powerpoint/2010/main">
-          <mc:Choice Requires="p14">
-            <p:contentPart p14:bwMode="auto" r:id="rId9">
-              <p14:nvContentPartPr>
-                <p14:cNvPr id="8" name="筆跡 7">
-                  <a:extLst>
-                    <a:ext uri="{FF2B5EF4-FFF2-40B4-BE49-F238E27FC236}">
-                      <a16:creationId xmlns:a16="http://schemas.microsoft.com/office/drawing/2014/main" id="{05A6E496-5F63-2F45-4384-383718FEB38F}"/>
-                    </a:ext>
-                  </a:extLst>
-                </p14:cNvPr>
-                <p14:cNvContentPartPr/>
-                <p14:nvPr/>
-              </p14:nvContentPartPr>
-              <p14:xfrm>
-                <a:off x="2881393" y="2084885"/>
-                <a:ext cx="401040" cy="329040"/>
-              </p14:xfrm>
-            </p:contentPart>
-          </mc:Choice>
-          <mc:Fallback xmlns="">
-            <p:pic>
-              <p:nvPicPr>
-                <p:cNvPr id="8" name="筆跡 7">
-                  <a:extLst>
-                    <a:ext uri="{FF2B5EF4-FFF2-40B4-BE49-F238E27FC236}">
-                      <a16:creationId xmlns:a16="http://schemas.microsoft.com/office/drawing/2014/main" id="{05A6E496-5F63-2F45-4384-383718FEB38F}"/>
-                    </a:ext>
-                  </a:extLst>
-                </p:cNvPr>
-                <p:cNvPicPr/>
-                <p:nvPr/>
-              </p:nvPicPr>
-              <p:blipFill>
-                <a:blip r:embed="rId10"/>
-                <a:stretch>
-                  <a:fillRect/>
-                </a:stretch>
-              </p:blipFill>
-              <p:spPr>
-                <a:xfrm>
-                  <a:off x="2875273" y="2078765"/>
-                  <a:ext cx="413280" cy="341280"/>
-                </a:xfrm>
-                <a:prstGeom prst="rect">
-                  <a:avLst/>
-                </a:prstGeom>
-              </p:spPr>
-            </p:pic>
-          </mc:Fallback>
-        </mc:AlternateContent>
-      </p:grpSp>
-      <p:grpSp>
-        <p:nvGrpSpPr>
-          <p:cNvPr id="13" name="群組 12">
-            <a:extLst>
-              <a:ext uri="{FF2B5EF4-FFF2-40B4-BE49-F238E27FC236}">
-                <a16:creationId xmlns:a16="http://schemas.microsoft.com/office/drawing/2014/main" id="{797DCCA4-5CE6-368C-2FDF-8AEAAFFE7CCD}"/>
-              </a:ext>
-            </a:extLst>
-          </p:cNvPr>
-          <p:cNvGrpSpPr/>
-          <p:nvPr/>
-        </p:nvGrpSpPr>
-        <p:grpSpPr>
-          <a:xfrm>
-            <a:off x="1164193" y="982565"/>
-            <a:ext cx="5664240" cy="4961520"/>
-            <a:chOff x="1164193" y="982565"/>
-            <a:chExt cx="5664240" cy="4961520"/>
-          </a:xfrm>
-        </p:grpSpPr>
-        <mc:AlternateContent xmlns:mc="http://schemas.openxmlformats.org/markup-compatibility/2006" xmlns:p14="http://schemas.microsoft.com/office/powerpoint/2010/main">
-          <mc:Choice Requires="p14">
-            <p:contentPart p14:bwMode="auto" r:id="rId11">
-              <p14:nvContentPartPr>
-                <p14:cNvPr id="10" name="筆跡 9">
-                  <a:extLst>
-                    <a:ext uri="{FF2B5EF4-FFF2-40B4-BE49-F238E27FC236}">
-                      <a16:creationId xmlns:a16="http://schemas.microsoft.com/office/drawing/2014/main" id="{77FB506D-8D3A-106C-F070-FABBA35C169D}"/>
-                    </a:ext>
-                  </a:extLst>
-                </p14:cNvPr>
-                <p14:cNvContentPartPr/>
-                <p14:nvPr/>
-              </p14:nvContentPartPr>
-              <p14:xfrm>
-                <a:off x="1164193" y="982565"/>
-                <a:ext cx="5664240" cy="4961520"/>
-              </p14:xfrm>
-            </p:contentPart>
-          </mc:Choice>
-          <mc:Fallback xmlns="">
-            <p:pic>
-              <p:nvPicPr>
-                <p:cNvPr id="10" name="筆跡 9">
-                  <a:extLst>
-                    <a:ext uri="{FF2B5EF4-FFF2-40B4-BE49-F238E27FC236}">
-                      <a16:creationId xmlns:a16="http://schemas.microsoft.com/office/drawing/2014/main" id="{77FB506D-8D3A-106C-F070-FABBA35C169D}"/>
-                    </a:ext>
-                  </a:extLst>
-                </p:cNvPr>
-                <p:cNvPicPr/>
-                <p:nvPr/>
-              </p:nvPicPr>
-              <p:blipFill>
-                <a:blip r:embed="rId12"/>
-                <a:stretch>
-                  <a:fillRect/>
-                </a:stretch>
-              </p:blipFill>
-              <p:spPr>
-                <a:xfrm>
-                  <a:off x="1158073" y="976445"/>
-                  <a:ext cx="5676480" cy="4973760"/>
-                </a:xfrm>
-                <a:prstGeom prst="rect">
-                  <a:avLst/>
-                </a:prstGeom>
-              </p:spPr>
-            </p:pic>
-          </mc:Fallback>
-        </mc:AlternateContent>
-        <mc:AlternateContent xmlns:mc="http://schemas.openxmlformats.org/markup-compatibility/2006" xmlns:p14="http://schemas.microsoft.com/office/powerpoint/2010/main">
-          <mc:Choice Requires="p14">
-            <p:contentPart p14:bwMode="auto" r:id="rId13">
-              <p14:nvContentPartPr>
-                <p14:cNvPr id="11" name="筆跡 10">
-                  <a:extLst>
-                    <a:ext uri="{FF2B5EF4-FFF2-40B4-BE49-F238E27FC236}">
-                      <a16:creationId xmlns:a16="http://schemas.microsoft.com/office/drawing/2014/main" id="{71B3B075-1FD4-0661-4E2A-5FAD79212CFC}"/>
-                    </a:ext>
-                  </a:extLst>
-                </p14:cNvPr>
-                <p14:cNvContentPartPr/>
-                <p14:nvPr/>
-              </p14:nvContentPartPr>
-              <p14:xfrm>
-                <a:off x="1396393" y="2245805"/>
-                <a:ext cx="213840" cy="122760"/>
-              </p14:xfrm>
-            </p:contentPart>
-          </mc:Choice>
-          <mc:Fallback xmlns="">
-            <p:pic>
-              <p:nvPicPr>
-                <p:cNvPr id="11" name="筆跡 10">
-                  <a:extLst>
-                    <a:ext uri="{FF2B5EF4-FFF2-40B4-BE49-F238E27FC236}">
-                      <a16:creationId xmlns:a16="http://schemas.microsoft.com/office/drawing/2014/main" id="{71B3B075-1FD4-0661-4E2A-5FAD79212CFC}"/>
-                    </a:ext>
-                  </a:extLst>
-                </p:cNvPr>
-                <p:cNvPicPr/>
-                <p:nvPr/>
-              </p:nvPicPr>
-              <p:blipFill>
-                <a:blip r:embed="rId14"/>
-                <a:stretch>
-                  <a:fillRect/>
-                </a:stretch>
-              </p:blipFill>
-              <p:spPr>
-                <a:xfrm>
-                  <a:off x="1390273" y="2239685"/>
-                  <a:ext cx="226080" cy="135000"/>
-                </a:xfrm>
-                <a:prstGeom prst="rect">
-                  <a:avLst/>
-                </a:prstGeom>
-              </p:spPr>
-            </p:pic>
-          </mc:Fallback>
-        </mc:AlternateContent>
-        <mc:AlternateContent xmlns:mc="http://schemas.openxmlformats.org/markup-compatibility/2006" xmlns:p14="http://schemas.microsoft.com/office/powerpoint/2010/main">
-          <mc:Choice Requires="p14">
-            <p:contentPart p14:bwMode="auto" r:id="rId15">
-              <p14:nvContentPartPr>
-                <p14:cNvPr id="12" name="筆跡 11">
-                  <a:extLst>
-                    <a:ext uri="{FF2B5EF4-FFF2-40B4-BE49-F238E27FC236}">
-                      <a16:creationId xmlns:a16="http://schemas.microsoft.com/office/drawing/2014/main" id="{42C96D66-DF80-F53B-6DE0-6A126161BAE4}"/>
-                    </a:ext>
-                  </a:extLst>
-                </p14:cNvPr>
-                <p14:cNvContentPartPr/>
-                <p14:nvPr/>
-              </p14:nvContentPartPr>
-              <p14:xfrm>
-                <a:off x="1848553" y="2272445"/>
-                <a:ext cx="304920" cy="162720"/>
-              </p14:xfrm>
-            </p:contentPart>
-          </mc:Choice>
-          <mc:Fallback xmlns="">
-            <p:pic>
-              <p:nvPicPr>
-                <p:cNvPr id="12" name="筆跡 11">
-                  <a:extLst>
-                    <a:ext uri="{FF2B5EF4-FFF2-40B4-BE49-F238E27FC236}">
-                      <a16:creationId xmlns:a16="http://schemas.microsoft.com/office/drawing/2014/main" id="{42C96D66-DF80-F53B-6DE0-6A126161BAE4}"/>
-                    </a:ext>
-                  </a:extLst>
-                </p:cNvPr>
-                <p:cNvPicPr/>
-                <p:nvPr/>
-              </p:nvPicPr>
-              <p:blipFill>
-                <a:blip r:embed="rId16"/>
-                <a:stretch>
-                  <a:fillRect/>
-                </a:stretch>
-              </p:blipFill>
-              <p:spPr>
-                <a:xfrm>
-                  <a:off x="1842433" y="2266325"/>
-                  <a:ext cx="317160" cy="174960"/>
-                </a:xfrm>
-                <a:prstGeom prst="rect">
-                  <a:avLst/>
-                </a:prstGeom>
-              </p:spPr>
-            </p:pic>
-          </mc:Fallback>
-        </mc:AlternateContent>
-      </p:grpSp>
-      <p:grpSp>
-        <p:nvGrpSpPr>
-          <p:cNvPr id="16" name="群組 15">
-            <a:extLst>
-              <a:ext uri="{FF2B5EF4-FFF2-40B4-BE49-F238E27FC236}">
-                <a16:creationId xmlns:a16="http://schemas.microsoft.com/office/drawing/2014/main" id="{07B721DE-6CB8-2B39-03F9-8028B17E93A8}"/>
-              </a:ext>
-            </a:extLst>
-          </p:cNvPr>
-          <p:cNvGrpSpPr/>
-          <p:nvPr/>
-        </p:nvGrpSpPr>
-        <p:grpSpPr>
-          <a:xfrm>
-            <a:off x="1130713" y="3555845"/>
-            <a:ext cx="698760" cy="678240"/>
-            <a:chOff x="1130713" y="3555845"/>
-            <a:chExt cx="698760" cy="678240"/>
-          </a:xfrm>
-        </p:grpSpPr>
-        <mc:AlternateContent xmlns:mc="http://schemas.openxmlformats.org/markup-compatibility/2006" xmlns:p14="http://schemas.microsoft.com/office/powerpoint/2010/main">
-          <mc:Choice Requires="p14">
-            <p:contentPart p14:bwMode="auto" r:id="rId17">
-              <p14:nvContentPartPr>
-                <p14:cNvPr id="14" name="筆跡 13">
-                  <a:extLst>
-                    <a:ext uri="{FF2B5EF4-FFF2-40B4-BE49-F238E27FC236}">
-                      <a16:creationId xmlns:a16="http://schemas.microsoft.com/office/drawing/2014/main" id="{A2EF764C-DB5A-2AB8-49C7-E9D989B14CF7}"/>
-                    </a:ext>
-                  </a:extLst>
-                </p14:cNvPr>
-                <p14:cNvContentPartPr/>
-                <p14:nvPr/>
-              </p14:nvContentPartPr>
-              <p14:xfrm>
-                <a:off x="1345273" y="3816125"/>
-                <a:ext cx="313560" cy="219600"/>
-              </p14:xfrm>
-            </p:contentPart>
-          </mc:Choice>
-          <mc:Fallback xmlns="">
-            <p:pic>
-              <p:nvPicPr>
-                <p:cNvPr id="14" name="筆跡 13">
-                  <a:extLst>
-                    <a:ext uri="{FF2B5EF4-FFF2-40B4-BE49-F238E27FC236}">
-                      <a16:creationId xmlns:a16="http://schemas.microsoft.com/office/drawing/2014/main" id="{A2EF764C-DB5A-2AB8-49C7-E9D989B14CF7}"/>
-                    </a:ext>
-                  </a:extLst>
-                </p:cNvPr>
-                <p:cNvPicPr/>
-                <p:nvPr/>
-              </p:nvPicPr>
-              <p:blipFill>
-                <a:blip r:embed="rId18"/>
-                <a:stretch>
-                  <a:fillRect/>
-                </a:stretch>
-              </p:blipFill>
-              <p:spPr>
-                <a:xfrm>
-                  <a:off x="1339153" y="3810005"/>
-                  <a:ext cx="325800" cy="231840"/>
-                </a:xfrm>
-                <a:prstGeom prst="rect">
-                  <a:avLst/>
-                </a:prstGeom>
-              </p:spPr>
-            </p:pic>
-          </mc:Fallback>
-        </mc:AlternateContent>
-        <mc:AlternateContent xmlns:mc="http://schemas.openxmlformats.org/markup-compatibility/2006" xmlns:p14="http://schemas.microsoft.com/office/powerpoint/2010/main">
-          <mc:Choice Requires="p14">
-            <p:contentPart p14:bwMode="auto" r:id="rId19">
-              <p14:nvContentPartPr>
-                <p14:cNvPr id="15" name="筆跡 14">
-                  <a:extLst>
-                    <a:ext uri="{FF2B5EF4-FFF2-40B4-BE49-F238E27FC236}">
-                      <a16:creationId xmlns:a16="http://schemas.microsoft.com/office/drawing/2014/main" id="{73E9ABB6-C036-3EE1-6FD5-E98720E50F2C}"/>
-                    </a:ext>
-                  </a:extLst>
-                </p14:cNvPr>
-                <p14:cNvContentPartPr/>
-                <p14:nvPr/>
-              </p14:nvContentPartPr>
-              <p14:xfrm>
-                <a:off x="1130713" y="3555845"/>
-                <a:ext cx="698760" cy="678240"/>
-              </p14:xfrm>
-            </p:contentPart>
-          </mc:Choice>
-          <mc:Fallback xmlns="">
-            <p:pic>
-              <p:nvPicPr>
-                <p:cNvPr id="15" name="筆跡 14">
-                  <a:extLst>
-                    <a:ext uri="{FF2B5EF4-FFF2-40B4-BE49-F238E27FC236}">
-                      <a16:creationId xmlns:a16="http://schemas.microsoft.com/office/drawing/2014/main" id="{73E9ABB6-C036-3EE1-6FD5-E98720E50F2C}"/>
-                    </a:ext>
-                  </a:extLst>
-                </p:cNvPr>
-                <p:cNvPicPr/>
-                <p:nvPr/>
-              </p:nvPicPr>
-              <p:blipFill>
-                <a:blip r:embed="rId20"/>
-                <a:stretch>
-                  <a:fillRect/>
-                </a:stretch>
-              </p:blipFill>
-              <p:spPr>
-                <a:xfrm>
-                  <a:off x="1124593" y="3549725"/>
-                  <a:ext cx="711000" cy="690480"/>
-                </a:xfrm>
-                <a:prstGeom prst="rect">
-                  <a:avLst/>
-                </a:prstGeom>
-              </p:spPr>
-            </p:pic>
-          </mc:Fallback>
-        </mc:AlternateContent>
-      </p:grpSp>
-    </p:spTree>
-    <p:extLst>
-      <p:ext uri="{BB962C8B-B14F-4D97-AF65-F5344CB8AC3E}">
-        <p14:creationId xmlns:p14="http://schemas.microsoft.com/office/powerpoint/2010/main" val="2163764541"/>
-      </p:ext>
-    </p:extLst>
-  </p:cSld>
-  <p:clrMapOvr>
-    <a:masterClrMapping/>
-  </p:clrMapOvr>
-</p:sld>
-</file>
-
-<file path=ppt/slides/slide3.xml><?xml version="1.0" encoding="utf-8"?>
-<p:sld xmlns:a="http://schemas.openxmlformats.org/drawingml/2006/main" xmlns:r="http://schemas.openxmlformats.org/officeDocument/2006/relationships" xmlns:p="http://schemas.openxmlformats.org/presentationml/2006/main">
-  <p:cSld>
-    <p:spTree>
-      <p:nvGrpSpPr>
-        <p:cNvPr id="1" name="">
-          <a:extLst>
-            <a:ext uri="{FF2B5EF4-FFF2-40B4-BE49-F238E27FC236}">
-              <a16:creationId xmlns:a16="http://schemas.microsoft.com/office/drawing/2014/main" id="{755FBE91-273A-DC4A-B183-00A3130F9686}"/>
-            </a:ext>
-          </a:extLst>
-        </p:cNvPr>
-        <p:cNvGrpSpPr/>
-        <p:nvPr/>
-      </p:nvGrpSpPr>
-      <p:grpSpPr>
-        <a:xfrm>
-          <a:off x="0" y="0"/>
-          <a:ext cx="0" cy="0"/>
-          <a:chOff x="0" y="0"/>
-          <a:chExt cx="0" cy="0"/>
-        </a:xfrm>
-      </p:grpSpPr>
-      <p:pic>
-        <p:nvPicPr>
-          <p:cNvPr id="2" name="圖片 1">
-            <a:extLst>
-              <a:ext uri="{FF2B5EF4-FFF2-40B4-BE49-F238E27FC236}">
-                <a16:creationId xmlns:a16="http://schemas.microsoft.com/office/drawing/2014/main" id="{380C6820-0A16-141F-1900-6FAE5388D7C0}"/>
-              </a:ext>
-            </a:extLst>
-          </p:cNvPr>
-          <p:cNvPicPr>
-            <a:picLocks noChangeAspect="1"/>
-          </p:cNvPicPr>
-          <p:nvPr/>
-        </p:nvPicPr>
-        <p:blipFill>
-          <a:blip r:embed="rId2"/>
-          <a:stretch>
-            <a:fillRect/>
-          </a:stretch>
-        </p:blipFill>
-        <p:spPr>
-          <a:xfrm>
-            <a:off x="0" y="766087"/>
-            <a:ext cx="12192000" cy="5325826"/>
-          </a:xfrm>
-          <a:prstGeom prst="rect">
-            <a:avLst/>
-          </a:prstGeom>
-        </p:spPr>
-      </p:pic>
-      <p:grpSp>
-        <p:nvGrpSpPr>
-          <p:cNvPr id="3" name="群組 2">
-            <a:extLst>
-              <a:ext uri="{FF2B5EF4-FFF2-40B4-BE49-F238E27FC236}">
-                <a16:creationId xmlns:a16="http://schemas.microsoft.com/office/drawing/2014/main" id="{771B00FE-E221-4A3F-C4B4-1CA917EC96A1}"/>
-              </a:ext>
-            </a:extLst>
-          </p:cNvPr>
-          <p:cNvGrpSpPr/>
-          <p:nvPr/>
-        </p:nvGrpSpPr>
-        <p:grpSpPr>
-          <a:xfrm>
-            <a:off x="1399273" y="1201445"/>
-            <a:ext cx="3582000" cy="4146480"/>
-            <a:chOff x="1399273" y="1201445"/>
-            <a:chExt cx="3582000" cy="4146480"/>
-          </a:xfrm>
-        </p:grpSpPr>
-        <mc:AlternateContent xmlns:mc="http://schemas.openxmlformats.org/markup-compatibility/2006" xmlns:p14="http://schemas.microsoft.com/office/powerpoint/2010/main">
-          <mc:Choice Requires="p14">
-            <p:contentPart p14:bwMode="auto" r:id="rId3">
-              <p14:nvContentPartPr>
-                <p14:cNvPr id="4" name="筆跡 3">
-                  <a:extLst>
-                    <a:ext uri="{FF2B5EF4-FFF2-40B4-BE49-F238E27FC236}">
-                      <a16:creationId xmlns:a16="http://schemas.microsoft.com/office/drawing/2014/main" id="{FEB02E9A-2BFF-6150-4A1E-2A55238728FC}"/>
-                    </a:ext>
-                  </a:extLst>
-                </p14:cNvPr>
-                <p14:cNvContentPartPr/>
-                <p14:nvPr/>
-              </p14:nvContentPartPr>
-              <p14:xfrm>
-                <a:off x="1399273" y="1201445"/>
-                <a:ext cx="3582000" cy="4146480"/>
-              </p14:xfrm>
-            </p:contentPart>
-          </mc:Choice>
-          <mc:Fallback xmlns="">
-            <p:pic>
-              <p:nvPicPr>
-                <p:cNvPr id="4" name="筆跡 3">
-                  <a:extLst>
-                    <a:ext uri="{FF2B5EF4-FFF2-40B4-BE49-F238E27FC236}">
-                      <a16:creationId xmlns:a16="http://schemas.microsoft.com/office/drawing/2014/main" id="{FEB02E9A-2BFF-6150-4A1E-2A55238728FC}"/>
-                    </a:ext>
-                  </a:extLst>
-                </p:cNvPr>
-                <p:cNvPicPr/>
-                <p:nvPr/>
-              </p:nvPicPr>
-              <p:blipFill>
-                <a:blip r:embed="rId4"/>
-                <a:stretch>
-                  <a:fillRect/>
-                </a:stretch>
-              </p:blipFill>
-              <p:spPr>
-                <a:xfrm>
-                  <a:off x="1393153" y="1195325"/>
-                  <a:ext cx="3594240" cy="4158720"/>
-                </a:xfrm>
-                <a:prstGeom prst="rect">
-                  <a:avLst/>
-                </a:prstGeom>
-              </p:spPr>
-            </p:pic>
-          </mc:Fallback>
-        </mc:AlternateContent>
-        <mc:AlternateContent xmlns:mc="http://schemas.openxmlformats.org/markup-compatibility/2006" xmlns:p14="http://schemas.microsoft.com/office/powerpoint/2010/main">
-          <mc:Choice Requires="p14">
-            <p:contentPart p14:bwMode="auto" r:id="rId5">
-              <p14:nvContentPartPr>
-                <p14:cNvPr id="5" name="筆跡 4">
-                  <a:extLst>
-                    <a:ext uri="{FF2B5EF4-FFF2-40B4-BE49-F238E27FC236}">
-                      <a16:creationId xmlns:a16="http://schemas.microsoft.com/office/drawing/2014/main" id="{6206CB8B-1CF3-7ED8-0082-9711B688319F}"/>
-                    </a:ext>
-                  </a:extLst>
-                </p14:cNvPr>
-                <p14:cNvContentPartPr/>
-                <p14:nvPr/>
-              </p14:nvContentPartPr>
-              <p14:xfrm>
-                <a:off x="1557673" y="1759085"/>
-                <a:ext cx="310320" cy="264960"/>
-              </p14:xfrm>
-            </p:contentPart>
-          </mc:Choice>
-          <mc:Fallback xmlns="">
-            <p:pic>
-              <p:nvPicPr>
-                <p:cNvPr id="5" name="筆跡 4">
-                  <a:extLst>
-                    <a:ext uri="{FF2B5EF4-FFF2-40B4-BE49-F238E27FC236}">
-                      <a16:creationId xmlns:a16="http://schemas.microsoft.com/office/drawing/2014/main" id="{6206CB8B-1CF3-7ED8-0082-9711B688319F}"/>
-                    </a:ext>
-                  </a:extLst>
-                </p:cNvPr>
-                <p:cNvPicPr/>
-                <p:nvPr/>
-              </p:nvPicPr>
-              <p:blipFill>
-                <a:blip r:embed="rId6"/>
-                <a:stretch>
-                  <a:fillRect/>
-                </a:stretch>
-              </p:blipFill>
-              <p:spPr>
-                <a:xfrm>
-                  <a:off x="1551553" y="1752965"/>
-                  <a:ext cx="322560" cy="277200"/>
-                </a:xfrm>
-                <a:prstGeom prst="rect">
-                  <a:avLst/>
-                </a:prstGeom>
-              </p:spPr>
-            </p:pic>
-          </mc:Fallback>
-        </mc:AlternateContent>
-        <mc:AlternateContent xmlns:mc="http://schemas.openxmlformats.org/markup-compatibility/2006" xmlns:p14="http://schemas.microsoft.com/office/powerpoint/2010/main">
-          <mc:Choice Requires="p14">
-            <p:contentPart p14:bwMode="auto" r:id="rId7">
-              <p14:nvContentPartPr>
-                <p14:cNvPr id="6" name="筆跡 5">
-                  <a:extLst>
-                    <a:ext uri="{FF2B5EF4-FFF2-40B4-BE49-F238E27FC236}">
-                      <a16:creationId xmlns:a16="http://schemas.microsoft.com/office/drawing/2014/main" id="{590E9F39-8535-FC40-93DA-DF3DB6201B9E}"/>
-                    </a:ext>
-                  </a:extLst>
-                </p14:cNvPr>
-                <p14:cNvContentPartPr/>
-                <p14:nvPr/>
-              </p14:nvContentPartPr>
-              <p14:xfrm>
-                <a:off x="2106673" y="2322485"/>
-                <a:ext cx="354240" cy="235080"/>
-              </p14:xfrm>
-            </p:contentPart>
-          </mc:Choice>
-          <mc:Fallback xmlns="">
-            <p:pic>
-              <p:nvPicPr>
-                <p:cNvPr id="6" name="筆跡 5">
-                  <a:extLst>
-                    <a:ext uri="{FF2B5EF4-FFF2-40B4-BE49-F238E27FC236}">
-                      <a16:creationId xmlns:a16="http://schemas.microsoft.com/office/drawing/2014/main" id="{590E9F39-8535-FC40-93DA-DF3DB6201B9E}"/>
-                    </a:ext>
-                  </a:extLst>
-                </p:cNvPr>
-                <p:cNvPicPr/>
-                <p:nvPr/>
-              </p:nvPicPr>
-              <p:blipFill>
-                <a:blip r:embed="rId8"/>
-                <a:stretch>
-                  <a:fillRect/>
-                </a:stretch>
-              </p:blipFill>
-              <p:spPr>
-                <a:xfrm>
-                  <a:off x="2100553" y="2316365"/>
-                  <a:ext cx="366480" cy="247320"/>
-                </a:xfrm>
-                <a:prstGeom prst="rect">
-                  <a:avLst/>
-                </a:prstGeom>
-              </p:spPr>
-            </p:pic>
-          </mc:Fallback>
-        </mc:AlternateContent>
-        <mc:AlternateContent xmlns:mc="http://schemas.openxmlformats.org/markup-compatibility/2006" xmlns:p14="http://schemas.microsoft.com/office/powerpoint/2010/main">
-          <mc:Choice Requires="p14">
-            <p:contentPart p14:bwMode="auto" r:id="rId9">
-              <p14:nvContentPartPr>
-                <p14:cNvPr id="7" name="筆跡 6">
-                  <a:extLst>
-                    <a:ext uri="{FF2B5EF4-FFF2-40B4-BE49-F238E27FC236}">
-                      <a16:creationId xmlns:a16="http://schemas.microsoft.com/office/drawing/2014/main" id="{DB5195A9-ED60-92F7-2E32-DCE534BE53AB}"/>
-                    </a:ext>
-                  </a:extLst>
-                </p14:cNvPr>
-                <p14:cNvContentPartPr/>
-                <p14:nvPr/>
-              </p14:nvContentPartPr>
-              <p14:xfrm>
-                <a:off x="2881393" y="2084885"/>
-                <a:ext cx="401040" cy="329040"/>
-              </p14:xfrm>
-            </p:contentPart>
-          </mc:Choice>
-          <mc:Fallback xmlns="">
-            <p:pic>
-              <p:nvPicPr>
-                <p:cNvPr id="7" name="筆跡 6">
-                  <a:extLst>
-                    <a:ext uri="{FF2B5EF4-FFF2-40B4-BE49-F238E27FC236}">
-                      <a16:creationId xmlns:a16="http://schemas.microsoft.com/office/drawing/2014/main" id="{DB5195A9-ED60-92F7-2E32-DCE534BE53AB}"/>
-                    </a:ext>
-                  </a:extLst>
-                </p:cNvPr>
-                <p:cNvPicPr/>
-                <p:nvPr/>
-              </p:nvPicPr>
-              <p:blipFill>
-                <a:blip r:embed="rId10"/>
-                <a:stretch>
-                  <a:fillRect/>
-                </a:stretch>
-              </p:blipFill>
-              <p:spPr>
-                <a:xfrm>
-                  <a:off x="2875273" y="2078765"/>
-                  <a:ext cx="413280" cy="341280"/>
-                </a:xfrm>
-                <a:prstGeom prst="rect">
-                  <a:avLst/>
-                </a:prstGeom>
-              </p:spPr>
-            </p:pic>
-          </mc:Fallback>
-        </mc:AlternateContent>
-      </p:grpSp>
-      <p:grpSp>
-        <p:nvGrpSpPr>
-          <p:cNvPr id="11" name="群組 10">
-            <a:extLst>
-              <a:ext uri="{FF2B5EF4-FFF2-40B4-BE49-F238E27FC236}">
-                <a16:creationId xmlns:a16="http://schemas.microsoft.com/office/drawing/2014/main" id="{98B21638-DEA7-8941-A4EB-5C3155C82CA0}"/>
-              </a:ext>
-            </a:extLst>
-          </p:cNvPr>
-          <p:cNvGrpSpPr/>
-          <p:nvPr/>
-        </p:nvGrpSpPr>
-        <p:grpSpPr>
-          <a:xfrm>
-            <a:off x="1265682" y="843605"/>
-            <a:ext cx="9789120" cy="5022000"/>
-            <a:chOff x="1265682" y="843605"/>
-            <a:chExt cx="9789120" cy="5022000"/>
-          </a:xfrm>
-        </p:grpSpPr>
-        <mc:AlternateContent xmlns:mc="http://schemas.openxmlformats.org/markup-compatibility/2006" xmlns:p14="http://schemas.microsoft.com/office/powerpoint/2010/main">
-          <mc:Choice Requires="p14">
-            <p:contentPart p14:bwMode="auto" r:id="rId11">
-              <p14:nvContentPartPr>
-                <p14:cNvPr id="8" name="筆跡 7">
-                  <a:extLst>
-                    <a:ext uri="{FF2B5EF4-FFF2-40B4-BE49-F238E27FC236}">
-                      <a16:creationId xmlns:a16="http://schemas.microsoft.com/office/drawing/2014/main" id="{938D8873-FE73-5560-BE06-732A844B1877}"/>
-                    </a:ext>
-                  </a:extLst>
-                </p14:cNvPr>
-                <p14:cNvContentPartPr/>
-                <p14:nvPr/>
-              </p14:nvContentPartPr>
-              <p14:xfrm>
-                <a:off x="1330842" y="843605"/>
-                <a:ext cx="9723960" cy="5022000"/>
-              </p14:xfrm>
-            </p:contentPart>
-          </mc:Choice>
-          <mc:Fallback xmlns="">
-            <p:pic>
-              <p:nvPicPr>
-                <p:cNvPr id="8" name="筆跡 7">
-                  <a:extLst>
-                    <a:ext uri="{FF2B5EF4-FFF2-40B4-BE49-F238E27FC236}">
-                      <a16:creationId xmlns:a16="http://schemas.microsoft.com/office/drawing/2014/main" id="{938D8873-FE73-5560-BE06-732A844B1877}"/>
-                    </a:ext>
-                  </a:extLst>
-                </p:cNvPr>
-                <p:cNvPicPr/>
-                <p:nvPr/>
-              </p:nvPicPr>
-              <p:blipFill>
-                <a:blip r:embed="rId12"/>
-                <a:stretch>
-                  <a:fillRect/>
-                </a:stretch>
-              </p:blipFill>
-              <p:spPr>
-                <a:xfrm>
-                  <a:off x="1324722" y="837485"/>
-                  <a:ext cx="9736200" cy="5034240"/>
-                </a:xfrm>
-                <a:prstGeom prst="rect">
-                  <a:avLst/>
-                </a:prstGeom>
-              </p:spPr>
-            </p:pic>
-          </mc:Fallback>
-        </mc:AlternateContent>
-        <mc:AlternateContent xmlns:mc="http://schemas.openxmlformats.org/markup-compatibility/2006" xmlns:p14="http://schemas.microsoft.com/office/powerpoint/2010/main">
-          <mc:Choice Requires="p14">
-            <p:contentPart p14:bwMode="auto" r:id="rId13">
-              <p14:nvContentPartPr>
-                <p14:cNvPr id="9" name="筆跡 8">
-                  <a:extLst>
-                    <a:ext uri="{FF2B5EF4-FFF2-40B4-BE49-F238E27FC236}">
-                      <a16:creationId xmlns:a16="http://schemas.microsoft.com/office/drawing/2014/main" id="{087A4BCB-1C13-9A33-B00F-EB57A909C62B}"/>
-                    </a:ext>
-                  </a:extLst>
-                </p14:cNvPr>
-                <p14:cNvContentPartPr/>
-                <p14:nvPr/>
-              </p14:nvContentPartPr>
-              <p14:xfrm>
-                <a:off x="1265682" y="2007485"/>
-                <a:ext cx="304560" cy="124560"/>
-              </p14:xfrm>
-            </p:contentPart>
-          </mc:Choice>
-          <mc:Fallback xmlns="">
-            <p:pic>
-              <p:nvPicPr>
-                <p:cNvPr id="9" name="筆跡 8">
-                  <a:extLst>
-                    <a:ext uri="{FF2B5EF4-FFF2-40B4-BE49-F238E27FC236}">
-                      <a16:creationId xmlns:a16="http://schemas.microsoft.com/office/drawing/2014/main" id="{087A4BCB-1C13-9A33-B00F-EB57A909C62B}"/>
-                    </a:ext>
-                  </a:extLst>
-                </p:cNvPr>
-                <p:cNvPicPr/>
-                <p:nvPr/>
-              </p:nvPicPr>
-              <p:blipFill>
-                <a:blip r:embed="rId14"/>
-                <a:stretch>
-                  <a:fillRect/>
-                </a:stretch>
-              </p:blipFill>
-              <p:spPr>
-                <a:xfrm>
-                  <a:off x="1259562" y="2001365"/>
-                  <a:ext cx="316800" cy="136800"/>
-                </a:xfrm>
-                <a:prstGeom prst="rect">
-                  <a:avLst/>
-                </a:prstGeom>
-              </p:spPr>
-            </p:pic>
-          </mc:Fallback>
-        </mc:AlternateContent>
-        <mc:AlternateContent xmlns:mc="http://schemas.openxmlformats.org/markup-compatibility/2006" xmlns:p14="http://schemas.microsoft.com/office/powerpoint/2010/main">
-          <mc:Choice Requires="p14">
-            <p:contentPart p14:bwMode="auto" r:id="rId15">
-              <p14:nvContentPartPr>
-                <p14:cNvPr id="10" name="筆跡 9">
-                  <a:extLst>
-                    <a:ext uri="{FF2B5EF4-FFF2-40B4-BE49-F238E27FC236}">
-                      <a16:creationId xmlns:a16="http://schemas.microsoft.com/office/drawing/2014/main" id="{55D79B62-F702-033C-2A41-E6ED067602A9}"/>
-                    </a:ext>
-                  </a:extLst>
-                </p14:cNvPr>
-                <p14:cNvContentPartPr/>
-                <p14:nvPr/>
-              </p14:nvContentPartPr>
-              <p14:xfrm>
-                <a:off x="1868322" y="2176325"/>
-                <a:ext cx="420120" cy="152280"/>
-              </p14:xfrm>
-            </p:contentPart>
-          </mc:Choice>
-          <mc:Fallback xmlns="">
-            <p:pic>
-              <p:nvPicPr>
-                <p:cNvPr id="10" name="筆跡 9">
-                  <a:extLst>
-                    <a:ext uri="{FF2B5EF4-FFF2-40B4-BE49-F238E27FC236}">
-                      <a16:creationId xmlns:a16="http://schemas.microsoft.com/office/drawing/2014/main" id="{55D79B62-F702-033C-2A41-E6ED067602A9}"/>
-                    </a:ext>
-                  </a:extLst>
-                </p:cNvPr>
-                <p:cNvPicPr/>
-                <p:nvPr/>
-              </p:nvPicPr>
-              <p:blipFill>
-                <a:blip r:embed="rId16"/>
-                <a:stretch>
-                  <a:fillRect/>
-                </a:stretch>
-              </p:blipFill>
-              <p:spPr>
-                <a:xfrm>
-                  <a:off x="1862202" y="2170205"/>
-                  <a:ext cx="432360" cy="164520"/>
-                </a:xfrm>
-                <a:prstGeom prst="rect">
-                  <a:avLst/>
-                </a:prstGeom>
-              </p:spPr>
-            </p:pic>
-          </mc:Fallback>
-        </mc:AlternateContent>
-      </p:grpSp>
-      <p:sp>
-        <p:nvSpPr>
-          <p:cNvPr id="12" name="文字方塊 11">
-            <a:extLst>
-              <a:ext uri="{FF2B5EF4-FFF2-40B4-BE49-F238E27FC236}">
-                <a16:creationId xmlns:a16="http://schemas.microsoft.com/office/drawing/2014/main" id="{B1EA3529-DBE5-2AF1-D7C9-5C339BB57374}"/>
-              </a:ext>
-            </a:extLst>
-          </p:cNvPr>
-          <p:cNvSpPr txBox="1"/>
-          <p:nvPr/>
-        </p:nvSpPr>
-        <p:spPr>
-          <a:xfrm>
-            <a:off x="719540" y="403000"/>
-            <a:ext cx="2238049" cy="307777"/>
-          </a:xfrm>
-          <a:prstGeom prst="rect">
-            <a:avLst/>
-          </a:prstGeom>
-          <a:noFill/>
-        </p:spPr>
-        <p:txBody>
-          <a:bodyPr wrap="none" rtlCol="0">
-            <a:spAutoFit/>
-          </a:bodyPr>
-          <a:lstStyle/>
-          <a:p>
-            <a:r>
-              <a:rPr lang="en-US" altLang="zh-TW" sz="1400" dirty="0">
-                <a:latin typeface="微軟正黑體" panose="020B0604030504040204" pitchFamily="34" charset="-120"/>
-                <a:ea typeface="微軟正黑體" panose="020B0604030504040204" pitchFamily="34" charset="-120"/>
-                <a:cs typeface="Microsoft GothicNeo" panose="020B0500000101010101" pitchFamily="34" charset="-127"/>
-              </a:rPr>
-              <a:t>Write</a:t>
-            </a:r>
-            <a:r>
-              <a:rPr lang="zh-TW" altLang="en-US" sz="1400" dirty="0">
-                <a:latin typeface="微軟正黑體" panose="020B0604030504040204" pitchFamily="34" charset="-120"/>
-                <a:ea typeface="微軟正黑體" panose="020B0604030504040204" pitchFamily="34" charset="-120"/>
-                <a:cs typeface="Microsoft GothicNeo" panose="020B0500000101010101" pitchFamily="34" charset="-127"/>
-              </a:rPr>
-              <a:t> </a:t>
-            </a:r>
-            <a:r>
-              <a:rPr lang="en-US" altLang="zh-TW" sz="1400" dirty="0">
-                <a:latin typeface="微軟正黑體" panose="020B0604030504040204" pitchFamily="34" charset="-120"/>
-                <a:ea typeface="微軟正黑體" panose="020B0604030504040204" pitchFamily="34" charset="-120"/>
-                <a:cs typeface="Microsoft GothicNeo" panose="020B0500000101010101" pitchFamily="34" charset="-127"/>
-              </a:rPr>
-              <a:t>nine bytes register</a:t>
-            </a:r>
-            <a:endParaRPr lang="zh-TW" altLang="en-US" sz="1400" dirty="0">
-              <a:latin typeface="微軟正黑體" panose="020B0604030504040204" pitchFamily="34" charset="-120"/>
-              <a:ea typeface="微軟正黑體" panose="020B0604030504040204" pitchFamily="34" charset="-120"/>
-              <a:cs typeface="Microsoft GothicNeo" panose="020B0500000101010101" pitchFamily="34" charset="-127"/>
-            </a:endParaRPr>
-          </a:p>
-        </p:txBody>
-      </p:sp>
-    </p:spTree>
-    <p:extLst>
-      <p:ext uri="{BB962C8B-B14F-4D97-AF65-F5344CB8AC3E}">
-        <p14:creationId xmlns:p14="http://schemas.microsoft.com/office/powerpoint/2010/main" val="508306588"/>
-      </p:ext>
-    </p:extLst>
-  </p:cSld>
-  <p:clrMapOvr>
-    <a:masterClrMapping/>
-  </p:clrMapOvr>
-</p:sld>
-</file>
-
-<file path=ppt/slides/slide4.xml><?xml version="1.0" encoding="utf-8"?>
-<p:sld xmlns:a="http://schemas.openxmlformats.org/drawingml/2006/main" xmlns:r="http://schemas.openxmlformats.org/officeDocument/2006/relationships" xmlns:p="http://schemas.openxmlformats.org/presentationml/2006/main">
-  <p:cSld>
-    <p:spTree>
-      <p:nvGrpSpPr>
-        <p:cNvPr id="1" name=""/>
-        <p:cNvGrpSpPr/>
-        <p:nvPr/>
-      </p:nvGrpSpPr>
-      <p:grpSpPr>
-        <a:xfrm>
-          <a:off x="0" y="0"/>
-          <a:ext cx="0" cy="0"/>
-          <a:chOff x="0" y="0"/>
-          <a:chExt cx="0" cy="0"/>
-        </a:xfrm>
-      </p:grpSpPr>
       <p:sp>
         <p:nvSpPr>
           <p:cNvPr id="6" name="文字方塊 5">
@@ -6381,8 +4092,8 @@
               <a:chExt cx="3678480" cy="4018680"/>
             </a:xfrm>
           </p:grpSpPr>
-          <mc:AlternateContent xmlns:mc="http://schemas.openxmlformats.org/markup-compatibility/2006">
-            <mc:Choice xmlns:p14="http://schemas.microsoft.com/office/powerpoint/2010/main" Requires="p14">
+          <mc:AlternateContent xmlns:mc="http://schemas.openxmlformats.org/markup-compatibility/2006" xmlns:p14="http://schemas.microsoft.com/office/powerpoint/2010/main">
+            <mc:Choice Requires="p14">
               <p:contentPart p14:bwMode="auto" r:id="rId3">
                 <p14:nvContentPartPr>
                   <p14:cNvPr id="7" name="筆跡 6">
@@ -6401,7 +4112,7 @@
                 </p14:xfrm>
               </p:contentPart>
             </mc:Choice>
-            <mc:Fallback>
+            <mc:Fallback xmlns="">
               <p:pic>
                 <p:nvPicPr>
                   <p:cNvPr id="7" name="筆跡 6">
@@ -6432,8 +4143,8 @@
               </p:pic>
             </mc:Fallback>
           </mc:AlternateContent>
-          <mc:AlternateContent xmlns:mc="http://schemas.openxmlformats.org/markup-compatibility/2006">
-            <mc:Choice xmlns:p14="http://schemas.microsoft.com/office/powerpoint/2010/main" Requires="p14">
+          <mc:AlternateContent xmlns:mc="http://schemas.openxmlformats.org/markup-compatibility/2006" xmlns:p14="http://schemas.microsoft.com/office/powerpoint/2010/main">
+            <mc:Choice Requires="p14">
               <p:contentPart p14:bwMode="auto" r:id="rId5">
                 <p14:nvContentPartPr>
                   <p14:cNvPr id="8" name="筆跡 7">
@@ -6452,7 +4163,7 @@
                 </p14:xfrm>
               </p:contentPart>
             </mc:Choice>
-            <mc:Fallback>
+            <mc:Fallback xmlns="">
               <p:pic>
                 <p:nvPicPr>
                   <p:cNvPr id="8" name="筆跡 7">
@@ -6483,8 +4194,8 @@
               </p:pic>
             </mc:Fallback>
           </mc:AlternateContent>
-          <mc:AlternateContent xmlns:mc="http://schemas.openxmlformats.org/markup-compatibility/2006">
-            <mc:Choice xmlns:p14="http://schemas.microsoft.com/office/powerpoint/2010/main" Requires="p14">
+          <mc:AlternateContent xmlns:mc="http://schemas.openxmlformats.org/markup-compatibility/2006" xmlns:p14="http://schemas.microsoft.com/office/powerpoint/2010/main">
+            <mc:Choice Requires="p14">
               <p:contentPart p14:bwMode="auto" r:id="rId7">
                 <p14:nvContentPartPr>
                   <p14:cNvPr id="11" name="筆跡 10">
@@ -6503,7 +4214,7 @@
                 </p14:xfrm>
               </p:contentPart>
             </mc:Choice>
-            <mc:Fallback>
+            <mc:Fallback xmlns="">
               <p:pic>
                 <p:nvPicPr>
                   <p:cNvPr id="11" name="筆跡 10">
@@ -6549,7 +4260,7 @@
 </p:sld>
 </file>
 
-<file path=ppt/slides/slide5.xml><?xml version="1.0" encoding="utf-8"?>
+<file path=ppt/slides/slide2.xml><?xml version="1.0" encoding="utf-8"?>
 <p:sld xmlns:a="http://schemas.openxmlformats.org/drawingml/2006/main" xmlns:r="http://schemas.openxmlformats.org/officeDocument/2006/relationships" xmlns:p="http://schemas.openxmlformats.org/presentationml/2006/main">
   <p:cSld>
     <p:spTree>
@@ -6686,8 +4397,8 @@
               <a:chExt cx="3400920" cy="4017600"/>
             </a:xfrm>
           </p:grpSpPr>
-          <mc:AlternateContent xmlns:mc="http://schemas.openxmlformats.org/markup-compatibility/2006">
-            <mc:Choice xmlns:p14="http://schemas.microsoft.com/office/powerpoint/2010/main" Requires="p14">
+          <mc:AlternateContent xmlns:mc="http://schemas.openxmlformats.org/markup-compatibility/2006" xmlns:p14="http://schemas.microsoft.com/office/powerpoint/2010/main">
+            <mc:Choice Requires="p14">
               <p:contentPart p14:bwMode="auto" r:id="rId3">
                 <p14:nvContentPartPr>
                   <p14:cNvPr id="2" name="筆跡 1">
@@ -6706,7 +4417,7 @@
                 </p14:xfrm>
               </p:contentPart>
             </mc:Choice>
-            <mc:Fallback>
+            <mc:Fallback xmlns="">
               <p:pic>
                 <p:nvPicPr>
                   <p:cNvPr id="2" name="筆跡 1">
@@ -6737,8 +4448,8 @@
               </p:pic>
             </mc:Fallback>
           </mc:AlternateContent>
-          <mc:AlternateContent xmlns:mc="http://schemas.openxmlformats.org/markup-compatibility/2006">
-            <mc:Choice xmlns:p14="http://schemas.microsoft.com/office/powerpoint/2010/main" Requires="p14">
+          <mc:AlternateContent xmlns:mc="http://schemas.openxmlformats.org/markup-compatibility/2006" xmlns:p14="http://schemas.microsoft.com/office/powerpoint/2010/main">
+            <mc:Choice Requires="p14">
               <p:contentPart p14:bwMode="auto" r:id="rId5">
                 <p14:nvContentPartPr>
                   <p14:cNvPr id="3" name="筆跡 2">
@@ -6757,7 +4468,7 @@
                 </p14:xfrm>
               </p:contentPart>
             </mc:Choice>
-            <mc:Fallback>
+            <mc:Fallback xmlns="">
               <p:pic>
                 <p:nvPicPr>
                   <p:cNvPr id="3" name="筆跡 2">
@@ -6788,8 +4499,8 @@
               </p:pic>
             </mc:Fallback>
           </mc:AlternateContent>
-          <mc:AlternateContent xmlns:mc="http://schemas.openxmlformats.org/markup-compatibility/2006">
-            <mc:Choice xmlns:p14="http://schemas.microsoft.com/office/powerpoint/2010/main" Requires="p14">
+          <mc:AlternateContent xmlns:mc="http://schemas.openxmlformats.org/markup-compatibility/2006" xmlns:p14="http://schemas.microsoft.com/office/powerpoint/2010/main">
+            <mc:Choice Requires="p14">
               <p:contentPart p14:bwMode="auto" r:id="rId7">
                 <p14:nvContentPartPr>
                   <p14:cNvPr id="9" name="筆跡 8">
@@ -6808,7 +4519,7 @@
                 </p14:xfrm>
               </p:contentPart>
             </mc:Choice>
-            <mc:Fallback>
+            <mc:Fallback xmlns="">
               <p:pic>
                 <p:nvPicPr>
                   <p:cNvPr id="9" name="筆跡 8">
@@ -6860,8 +4571,8 @@
               <a:chExt cx="5404680" cy="5055480"/>
             </a:xfrm>
           </p:grpSpPr>
-          <mc:AlternateContent xmlns:mc="http://schemas.openxmlformats.org/markup-compatibility/2006">
-            <mc:Choice xmlns:p14="http://schemas.microsoft.com/office/powerpoint/2010/main" Requires="p14">
+          <mc:AlternateContent xmlns:mc="http://schemas.openxmlformats.org/markup-compatibility/2006" xmlns:p14="http://schemas.microsoft.com/office/powerpoint/2010/main">
+            <mc:Choice Requires="p14">
               <p:contentPart p14:bwMode="auto" r:id="rId9">
                 <p14:nvContentPartPr>
                   <p14:cNvPr id="14" name="筆跡 13">
@@ -6880,7 +4591,7 @@
                 </p14:xfrm>
               </p:contentPart>
             </mc:Choice>
-            <mc:Fallback>
+            <mc:Fallback xmlns="">
               <p:pic>
                 <p:nvPicPr>
                   <p:cNvPr id="14" name="筆跡 13">
@@ -6911,8 +4622,8 @@
               </p:pic>
             </mc:Fallback>
           </mc:AlternateContent>
-          <mc:AlternateContent xmlns:mc="http://schemas.openxmlformats.org/markup-compatibility/2006">
-            <mc:Choice xmlns:p14="http://schemas.microsoft.com/office/powerpoint/2010/main" Requires="p14">
+          <mc:AlternateContent xmlns:mc="http://schemas.openxmlformats.org/markup-compatibility/2006" xmlns:p14="http://schemas.microsoft.com/office/powerpoint/2010/main">
+            <mc:Choice Requires="p14">
               <p:contentPart p14:bwMode="auto" r:id="rId11">
                 <p14:nvContentPartPr>
                   <p14:cNvPr id="15" name="筆跡 14">
@@ -6931,7 +4642,7 @@
                 </p14:xfrm>
               </p:contentPart>
             </mc:Choice>
-            <mc:Fallback>
+            <mc:Fallback xmlns="">
               <p:pic>
                 <p:nvPicPr>
                   <p:cNvPr id="15" name="筆跡 14">
@@ -6962,8 +4673,8 @@
               </p:pic>
             </mc:Fallback>
           </mc:AlternateContent>
-          <mc:AlternateContent xmlns:mc="http://schemas.openxmlformats.org/markup-compatibility/2006">
-            <mc:Choice xmlns:p14="http://schemas.microsoft.com/office/powerpoint/2010/main" Requires="p14">
+          <mc:AlternateContent xmlns:mc="http://schemas.openxmlformats.org/markup-compatibility/2006" xmlns:p14="http://schemas.microsoft.com/office/powerpoint/2010/main">
+            <mc:Choice Requires="p14">
               <p:contentPart p14:bwMode="auto" r:id="rId13">
                 <p14:nvContentPartPr>
                   <p14:cNvPr id="17" name="筆跡 16">
@@ -6982,7 +4693,7 @@
                 </p14:xfrm>
               </p:contentPart>
             </mc:Choice>
-            <mc:Fallback>
+            <mc:Fallback xmlns="">
               <p:pic>
                 <p:nvPicPr>
                   <p:cNvPr id="17" name="筆跡 16">
@@ -7034,8 +4745,8 @@
               <a:chExt cx="299880" cy="338400"/>
             </a:xfrm>
           </p:grpSpPr>
-          <mc:AlternateContent xmlns:mc="http://schemas.openxmlformats.org/markup-compatibility/2006">
-            <mc:Choice xmlns:p14="http://schemas.microsoft.com/office/powerpoint/2010/main" Requires="p14">
+          <mc:AlternateContent xmlns:mc="http://schemas.openxmlformats.org/markup-compatibility/2006" xmlns:p14="http://schemas.microsoft.com/office/powerpoint/2010/main">
+            <mc:Choice Requires="p14">
               <p:contentPart p14:bwMode="auto" r:id="rId15">
                 <p14:nvContentPartPr>
                   <p14:cNvPr id="19" name="筆跡 18">
@@ -7054,7 +4765,7 @@
                 </p14:xfrm>
               </p:contentPart>
             </mc:Choice>
-            <mc:Fallback>
+            <mc:Fallback xmlns="">
               <p:pic>
                 <p:nvPicPr>
                   <p:cNvPr id="19" name="筆跡 18">
@@ -7085,8 +4796,8 @@
               </p:pic>
             </mc:Fallback>
           </mc:AlternateContent>
-          <mc:AlternateContent xmlns:mc="http://schemas.openxmlformats.org/markup-compatibility/2006">
-            <mc:Choice xmlns:p14="http://schemas.microsoft.com/office/powerpoint/2010/main" Requires="p14">
+          <mc:AlternateContent xmlns:mc="http://schemas.openxmlformats.org/markup-compatibility/2006" xmlns:p14="http://schemas.microsoft.com/office/powerpoint/2010/main">
+            <mc:Choice Requires="p14">
               <p:contentPart p14:bwMode="auto" r:id="rId17">
                 <p14:nvContentPartPr>
                   <p14:cNvPr id="20" name="筆跡 19">
@@ -7105,7 +4816,7 @@
                 </p14:xfrm>
               </p:contentPart>
             </mc:Choice>
-            <mc:Fallback>
+            <mc:Fallback xmlns="">
               <p:pic>
                 <p:nvPicPr>
                   <p:cNvPr id="20" name="筆跡 19">
@@ -7157,8 +4868,8 @@
               <a:chExt cx="87120" cy="272880"/>
             </a:xfrm>
           </p:grpSpPr>
-          <mc:AlternateContent xmlns:mc="http://schemas.openxmlformats.org/markup-compatibility/2006">
-            <mc:Choice xmlns:p14="http://schemas.microsoft.com/office/powerpoint/2010/main" Requires="p14">
+          <mc:AlternateContent xmlns:mc="http://schemas.openxmlformats.org/markup-compatibility/2006" xmlns:p14="http://schemas.microsoft.com/office/powerpoint/2010/main">
+            <mc:Choice Requires="p14">
               <p:contentPart p14:bwMode="auto" r:id="rId19">
                 <p14:nvContentPartPr>
                   <p14:cNvPr id="22" name="筆跡 21">
@@ -7177,7 +4888,7 @@
                 </p14:xfrm>
               </p:contentPart>
             </mc:Choice>
-            <mc:Fallback>
+            <mc:Fallback xmlns="">
               <p:pic>
                 <p:nvPicPr>
                   <p:cNvPr id="22" name="筆跡 21">
@@ -7208,8 +4919,8 @@
               </p:pic>
             </mc:Fallback>
           </mc:AlternateContent>
-          <mc:AlternateContent xmlns:mc="http://schemas.openxmlformats.org/markup-compatibility/2006">
-            <mc:Choice xmlns:p14="http://schemas.microsoft.com/office/powerpoint/2010/main" Requires="p14">
+          <mc:AlternateContent xmlns:mc="http://schemas.openxmlformats.org/markup-compatibility/2006" xmlns:p14="http://schemas.microsoft.com/office/powerpoint/2010/main">
+            <mc:Choice Requires="p14">
               <p:contentPart p14:bwMode="auto" r:id="rId21">
                 <p14:nvContentPartPr>
                   <p14:cNvPr id="23" name="筆跡 22">
@@ -7228,7 +4939,7 @@
                 </p14:xfrm>
               </p:contentPart>
             </mc:Choice>
-            <mc:Fallback>
+            <mc:Fallback xmlns="">
               <p:pic>
                 <p:nvPicPr>
                   <p:cNvPr id="23" name="筆跡 22">
@@ -7274,7 +4985,7 @@
 </p:sld>
 </file>
 
-<file path=ppt/slides/slide6.xml><?xml version="1.0" encoding="utf-8"?>
+<file path=ppt/slides/slide3.xml><?xml version="1.0" encoding="utf-8"?>
 <p:sld xmlns:a="http://schemas.openxmlformats.org/drawingml/2006/main" xmlns:r="http://schemas.openxmlformats.org/officeDocument/2006/relationships" xmlns:p="http://schemas.openxmlformats.org/presentationml/2006/main">
   <p:cSld>
     <p:spTree>
@@ -7411,8 +5122,8 @@
               <a:chExt cx="3400920" cy="4017600"/>
             </a:xfrm>
           </p:grpSpPr>
-          <mc:AlternateContent xmlns:mc="http://schemas.openxmlformats.org/markup-compatibility/2006">
-            <mc:Choice xmlns:p14="http://schemas.microsoft.com/office/powerpoint/2010/main" Requires="p14">
+          <mc:AlternateContent xmlns:mc="http://schemas.openxmlformats.org/markup-compatibility/2006" xmlns:p14="http://schemas.microsoft.com/office/powerpoint/2010/main">
+            <mc:Choice Requires="p14">
               <p:contentPart p14:bwMode="auto" r:id="rId3">
                 <p14:nvContentPartPr>
                   <p14:cNvPr id="2" name="筆跡 1">
@@ -7431,7 +5142,7 @@
                 </p14:xfrm>
               </p:contentPart>
             </mc:Choice>
-            <mc:Fallback>
+            <mc:Fallback xmlns="">
               <p:pic>
                 <p:nvPicPr>
                   <p:cNvPr id="2" name="筆跡 1">
@@ -7462,8 +5173,8 @@
               </p:pic>
             </mc:Fallback>
           </mc:AlternateContent>
-          <mc:AlternateContent xmlns:mc="http://schemas.openxmlformats.org/markup-compatibility/2006">
-            <mc:Choice xmlns:p14="http://schemas.microsoft.com/office/powerpoint/2010/main" Requires="p14">
+          <mc:AlternateContent xmlns:mc="http://schemas.openxmlformats.org/markup-compatibility/2006" xmlns:p14="http://schemas.microsoft.com/office/powerpoint/2010/main">
+            <mc:Choice Requires="p14">
               <p:contentPart p14:bwMode="auto" r:id="rId5">
                 <p14:nvContentPartPr>
                   <p14:cNvPr id="3" name="筆跡 2">
@@ -7482,7 +5193,7 @@
                 </p14:xfrm>
               </p:contentPart>
             </mc:Choice>
-            <mc:Fallback>
+            <mc:Fallback xmlns="">
               <p:pic>
                 <p:nvPicPr>
                   <p:cNvPr id="3" name="筆跡 2">
@@ -7513,8 +5224,8 @@
               </p:pic>
             </mc:Fallback>
           </mc:AlternateContent>
-          <mc:AlternateContent xmlns:mc="http://schemas.openxmlformats.org/markup-compatibility/2006">
-            <mc:Choice xmlns:p14="http://schemas.microsoft.com/office/powerpoint/2010/main" Requires="p14">
+          <mc:AlternateContent xmlns:mc="http://schemas.openxmlformats.org/markup-compatibility/2006" xmlns:p14="http://schemas.microsoft.com/office/powerpoint/2010/main">
+            <mc:Choice Requires="p14">
               <p:contentPart p14:bwMode="auto" r:id="rId7">
                 <p14:nvContentPartPr>
                   <p14:cNvPr id="9" name="筆跡 8">
@@ -7533,7 +5244,7 @@
                 </p14:xfrm>
               </p:contentPart>
             </mc:Choice>
-            <mc:Fallback>
+            <mc:Fallback xmlns="">
               <p:pic>
                 <p:nvPicPr>
                   <p:cNvPr id="9" name="筆跡 8">
@@ -7585,8 +5296,8 @@
               <a:chExt cx="299880" cy="338400"/>
             </a:xfrm>
           </p:grpSpPr>
-          <mc:AlternateContent xmlns:mc="http://schemas.openxmlformats.org/markup-compatibility/2006">
-            <mc:Choice xmlns:p14="http://schemas.microsoft.com/office/powerpoint/2010/main" Requires="p14">
+          <mc:AlternateContent xmlns:mc="http://schemas.openxmlformats.org/markup-compatibility/2006" xmlns:p14="http://schemas.microsoft.com/office/powerpoint/2010/main">
+            <mc:Choice Requires="p14">
               <p:contentPart p14:bwMode="auto" r:id="rId9">
                 <p14:nvContentPartPr>
                   <p14:cNvPr id="19" name="筆跡 18">
@@ -7605,7 +5316,7 @@
                 </p14:xfrm>
               </p:contentPart>
             </mc:Choice>
-            <mc:Fallback>
+            <mc:Fallback xmlns="">
               <p:pic>
                 <p:nvPicPr>
                   <p:cNvPr id="19" name="筆跡 18">
@@ -7636,8 +5347,8 @@
               </p:pic>
             </mc:Fallback>
           </mc:AlternateContent>
-          <mc:AlternateContent xmlns:mc="http://schemas.openxmlformats.org/markup-compatibility/2006">
-            <mc:Choice xmlns:p14="http://schemas.microsoft.com/office/powerpoint/2010/main" Requires="p14">
+          <mc:AlternateContent xmlns:mc="http://schemas.openxmlformats.org/markup-compatibility/2006" xmlns:p14="http://schemas.microsoft.com/office/powerpoint/2010/main">
+            <mc:Choice Requires="p14">
               <p:contentPart p14:bwMode="auto" r:id="rId11">
                 <p14:nvContentPartPr>
                   <p14:cNvPr id="20" name="筆跡 19">
@@ -7656,7 +5367,7 @@
                 </p14:xfrm>
               </p:contentPart>
             </mc:Choice>
-            <mc:Fallback>
+            <mc:Fallback xmlns="">
               <p:pic>
                 <p:nvPicPr>
                   <p:cNvPr id="20" name="筆跡 19">
@@ -7708,8 +5419,8 @@
               <a:chExt cx="87120" cy="272880"/>
             </a:xfrm>
           </p:grpSpPr>
-          <mc:AlternateContent xmlns:mc="http://schemas.openxmlformats.org/markup-compatibility/2006">
-            <mc:Choice xmlns:p14="http://schemas.microsoft.com/office/powerpoint/2010/main" Requires="p14">
+          <mc:AlternateContent xmlns:mc="http://schemas.openxmlformats.org/markup-compatibility/2006" xmlns:p14="http://schemas.microsoft.com/office/powerpoint/2010/main">
+            <mc:Choice Requires="p14">
               <p:contentPart p14:bwMode="auto" r:id="rId13">
                 <p14:nvContentPartPr>
                   <p14:cNvPr id="22" name="筆跡 21">
@@ -7728,7 +5439,7 @@
                 </p14:xfrm>
               </p:contentPart>
             </mc:Choice>
-            <mc:Fallback>
+            <mc:Fallback xmlns="">
               <p:pic>
                 <p:nvPicPr>
                   <p:cNvPr id="22" name="筆跡 21">
@@ -7759,8 +5470,8 @@
               </p:pic>
             </mc:Fallback>
           </mc:AlternateContent>
-          <mc:AlternateContent xmlns:mc="http://schemas.openxmlformats.org/markup-compatibility/2006">
-            <mc:Choice xmlns:p14="http://schemas.microsoft.com/office/powerpoint/2010/main" Requires="p14">
+          <mc:AlternateContent xmlns:mc="http://schemas.openxmlformats.org/markup-compatibility/2006" xmlns:p14="http://schemas.microsoft.com/office/powerpoint/2010/main">
+            <mc:Choice Requires="p14">
               <p:contentPart p14:bwMode="auto" r:id="rId15">
                 <p14:nvContentPartPr>
                   <p14:cNvPr id="23" name="筆跡 22">
@@ -7779,7 +5490,7 @@
                 </p14:xfrm>
               </p:contentPart>
             </mc:Choice>
-            <mc:Fallback>
+            <mc:Fallback xmlns="">
               <p:pic>
                 <p:nvPicPr>
                   <p:cNvPr id="23" name="筆跡 22">
@@ -7831,8 +5542,8 @@
               <a:chExt cx="10107720" cy="5358240"/>
             </a:xfrm>
           </p:grpSpPr>
-          <mc:AlternateContent xmlns:mc="http://schemas.openxmlformats.org/markup-compatibility/2006">
-            <mc:Choice xmlns:p14="http://schemas.microsoft.com/office/powerpoint/2010/main" Requires="p14">
+          <mc:AlternateContent xmlns:mc="http://schemas.openxmlformats.org/markup-compatibility/2006" xmlns:p14="http://schemas.microsoft.com/office/powerpoint/2010/main">
+            <mc:Choice Requires="p14">
               <p:contentPart p14:bwMode="auto" r:id="rId17">
                 <p14:nvContentPartPr>
                   <p14:cNvPr id="4" name="筆跡 3">
@@ -7851,7 +5562,7 @@
                 </p14:xfrm>
               </p:contentPart>
             </mc:Choice>
-            <mc:Fallback>
+            <mc:Fallback xmlns="">
               <p:pic>
                 <p:nvPicPr>
                   <p:cNvPr id="4" name="筆跡 3">
@@ -7882,8 +5593,8 @@
               </p:pic>
             </mc:Fallback>
           </mc:AlternateContent>
-          <mc:AlternateContent xmlns:mc="http://schemas.openxmlformats.org/markup-compatibility/2006">
-            <mc:Choice xmlns:p14="http://schemas.microsoft.com/office/powerpoint/2010/main" Requires="p14">
+          <mc:AlternateContent xmlns:mc="http://schemas.openxmlformats.org/markup-compatibility/2006" xmlns:p14="http://schemas.microsoft.com/office/powerpoint/2010/main">
+            <mc:Choice Requires="p14">
               <p:contentPart p14:bwMode="auto" r:id="rId19">
                 <p14:nvContentPartPr>
                   <p14:cNvPr id="7" name="筆跡 6">
@@ -7902,7 +5613,7 @@
                 </p14:xfrm>
               </p:contentPart>
             </mc:Choice>
-            <mc:Fallback>
+            <mc:Fallback xmlns="">
               <p:pic>
                 <p:nvPicPr>
                   <p:cNvPr id="7" name="筆跡 6">
@@ -7934,8 +5645,8 @@
             </mc:Fallback>
           </mc:AlternateContent>
         </p:grpSp>
-        <mc:AlternateContent xmlns:mc="http://schemas.openxmlformats.org/markup-compatibility/2006">
-          <mc:Choice xmlns:p14="http://schemas.microsoft.com/office/powerpoint/2010/main" Requires="p14">
+        <mc:AlternateContent xmlns:mc="http://schemas.openxmlformats.org/markup-compatibility/2006" xmlns:p14="http://schemas.microsoft.com/office/powerpoint/2010/main">
+          <mc:Choice Requires="p14">
             <p:contentPart p14:bwMode="auto" r:id="rId21">
               <p14:nvContentPartPr>
                 <p14:cNvPr id="11" name="筆跡 10">
@@ -7954,7 +5665,7 @@
               </p14:xfrm>
             </p:contentPart>
           </mc:Choice>
-          <mc:Fallback>
+          <mc:Fallback xmlns="">
             <p:pic>
               <p:nvPicPr>
                 <p:cNvPr id="11" name="筆跡 10">
@@ -7999,7 +5710,7 @@
 </p:sld>
 </file>
 
-<file path=ppt/slides/slide7.xml><?xml version="1.0" encoding="utf-8"?>
+<file path=ppt/slides/slide4.xml><?xml version="1.0" encoding="utf-8"?>
 <p:sld xmlns:a="http://schemas.openxmlformats.org/drawingml/2006/main" xmlns:r="http://schemas.openxmlformats.org/officeDocument/2006/relationships" xmlns:p="http://schemas.openxmlformats.org/presentationml/2006/main">
   <p:cSld>
     <p:spTree>
@@ -8029,7 +5740,7 @@
 </p:sld>
 </file>
 
-<file path=ppt/slides/slide8.xml><?xml version="1.0" encoding="utf-8"?>
+<file path=ppt/slides/slide5.xml><?xml version="1.0" encoding="utf-8"?>
 <p:sld xmlns:a="http://schemas.openxmlformats.org/drawingml/2006/main" xmlns:r="http://schemas.openxmlformats.org/officeDocument/2006/relationships" xmlns:p="http://schemas.openxmlformats.org/presentationml/2006/main">
   <p:cSld>
     <p:spTree>
@@ -8215,7 +5926,7 @@
 </p:sld>
 </file>
 
-<file path=ppt/slides/slide9.xml><?xml version="1.0" encoding="utf-8"?>
+<file path=ppt/slides/slide6.xml><?xml version="1.0" encoding="utf-8"?>
 <p:sld xmlns:a="http://schemas.openxmlformats.org/drawingml/2006/main" xmlns:r="http://schemas.openxmlformats.org/officeDocument/2006/relationships" xmlns:p="http://schemas.openxmlformats.org/presentationml/2006/main">
   <p:cSld>
     <p:spTree>
@@ -8387,6 +6098,309 @@
     <p:extLst>
       <p:ext uri="{BB962C8B-B14F-4D97-AF65-F5344CB8AC3E}">
         <p14:creationId xmlns:p14="http://schemas.microsoft.com/office/powerpoint/2010/main" val="4263268242"/>
+      </p:ext>
+    </p:extLst>
+  </p:cSld>
+  <p:clrMapOvr>
+    <a:masterClrMapping/>
+  </p:clrMapOvr>
+</p:sld>
+</file>
+
+<file path=ppt/slides/slide7.xml><?xml version="1.0" encoding="utf-8"?>
+<p:sld xmlns:a="http://schemas.openxmlformats.org/drawingml/2006/main" xmlns:r="http://schemas.openxmlformats.org/officeDocument/2006/relationships" xmlns:p="http://schemas.openxmlformats.org/presentationml/2006/main">
+  <p:cSld>
+    <p:spTree>
+      <p:nvGrpSpPr>
+        <p:cNvPr id="1" name="">
+          <a:extLst>
+            <a:ext uri="{FF2B5EF4-FFF2-40B4-BE49-F238E27FC236}">
+              <a16:creationId xmlns:a16="http://schemas.microsoft.com/office/drawing/2014/main" id="{63F41EB4-CD9E-076D-E3B4-7807EEDAC3AA}"/>
+            </a:ext>
+          </a:extLst>
+        </p:cNvPr>
+        <p:cNvGrpSpPr/>
+        <p:nvPr/>
+      </p:nvGrpSpPr>
+      <p:grpSpPr>
+        <a:xfrm>
+          <a:off x="0" y="0"/>
+          <a:ext cx="0" cy="0"/>
+          <a:chOff x="0" y="0"/>
+          <a:chExt cx="0" cy="0"/>
+        </a:xfrm>
+      </p:grpSpPr>
+      <p:sp>
+        <p:nvSpPr>
+          <p:cNvPr id="2" name="文字方塊 1">
+            <a:extLst>
+              <a:ext uri="{FF2B5EF4-FFF2-40B4-BE49-F238E27FC236}">
+                <a16:creationId xmlns:a16="http://schemas.microsoft.com/office/drawing/2014/main" id="{14C349B2-84EC-4082-4F89-2C72A492FC6D}"/>
+              </a:ext>
+            </a:extLst>
+          </p:cNvPr>
+          <p:cNvSpPr txBox="1"/>
+          <p:nvPr/>
+        </p:nvSpPr>
+        <p:spPr>
+          <a:xfrm>
+            <a:off x="775855" y="535709"/>
+            <a:ext cx="8737648" cy="1200329"/>
+          </a:xfrm>
+          <a:prstGeom prst="rect">
+            <a:avLst/>
+          </a:prstGeom>
+          <a:noFill/>
+        </p:spPr>
+        <p:txBody>
+          <a:bodyPr wrap="none" rtlCol="0">
+            <a:spAutoFit/>
+          </a:bodyPr>
+          <a:lstStyle/>
+          <a:p>
+            <a:pPr marL="285750" indent="-285750">
+              <a:buFont typeface="Arial" panose="020B0604020202020204" pitchFamily="34" charset="0"/>
+              <a:buChar char="•"/>
+            </a:pPr>
+            <a:r>
+              <a:rPr lang="zh-TW" altLang="en-US" dirty="0"/>
+              <a:t>狀態機由</a:t>
+            </a:r>
+            <a:r>
+              <a:rPr lang="en-US" altLang="zh-TW" dirty="0" err="1"/>
+              <a:t>sm_enable</a:t>
+            </a:r>
+            <a:r>
+              <a:rPr lang="zh-TW" altLang="en-US" dirty="0"/>
+              <a:t>啟動，一直到</a:t>
+            </a:r>
+            <a:r>
+              <a:rPr lang="en-US" altLang="zh-TW" dirty="0"/>
+              <a:t>STOP2</a:t>
+            </a:r>
+            <a:r>
+              <a:rPr lang="zh-TW" altLang="en-US" dirty="0"/>
+              <a:t>時若</a:t>
+            </a:r>
+            <a:r>
+              <a:rPr lang="en-US" altLang="zh-TW" dirty="0" err="1"/>
+              <a:t>write_done</a:t>
+            </a:r>
+            <a:r>
+              <a:rPr lang="en-US" altLang="zh-TW" dirty="0"/>
+              <a:t> = 0</a:t>
+            </a:r>
+            <a:r>
+              <a:rPr lang="zh-TW" altLang="en-US" dirty="0"/>
+              <a:t>時才會寫</a:t>
+            </a:r>
+            <a:r>
+              <a:rPr lang="en-US" altLang="zh-TW" dirty="0"/>
+              <a:t>0</a:t>
+            </a:r>
+          </a:p>
+          <a:p>
+            <a:pPr marL="742950" lvl="1" indent="-285750">
+              <a:buFont typeface="Arial" panose="020B0604020202020204" pitchFamily="34" charset="0"/>
+              <a:buChar char="•"/>
+            </a:pPr>
+            <a:r>
+              <a:rPr lang="zh-TW" altLang="en-US" dirty="0"/>
+              <a:t>若為讀時</a:t>
+            </a:r>
+            <a:r>
+              <a:rPr lang="en-US" altLang="zh-TW" dirty="0"/>
+              <a:t>(1 byte or 11 bytes)</a:t>
+            </a:r>
+            <a:r>
+              <a:rPr lang="zh-TW" altLang="en-US" dirty="0"/>
+              <a:t>寫完</a:t>
+            </a:r>
+            <a:r>
+              <a:rPr lang="en-US" altLang="zh-TW" dirty="0"/>
+              <a:t>reg</a:t>
+            </a:r>
+            <a:r>
+              <a:rPr lang="zh-TW" altLang="en-US" dirty="0"/>
+              <a:t>後第二圈進入</a:t>
+            </a:r>
+            <a:r>
+              <a:rPr lang="en-US" altLang="zh-TW" dirty="0"/>
+              <a:t>READ_DATE</a:t>
+            </a:r>
+            <a:r>
+              <a:rPr lang="zh-TW" altLang="en-US" dirty="0"/>
+              <a:t>時</a:t>
+            </a:r>
+            <a:r>
+              <a:rPr lang="en-US" altLang="zh-TW" dirty="0" err="1"/>
+              <a:t>write_done</a:t>
+            </a:r>
+            <a:r>
+              <a:rPr lang="en-US" altLang="zh-TW" dirty="0"/>
+              <a:t> = 0</a:t>
+            </a:r>
+          </a:p>
+          <a:p>
+            <a:pPr marL="742950" lvl="1" indent="-285750">
+              <a:buFont typeface="Arial" panose="020B0604020202020204" pitchFamily="34" charset="0"/>
+              <a:buChar char="•"/>
+            </a:pPr>
+            <a:r>
+              <a:rPr lang="zh-TW" altLang="en-US" dirty="0"/>
+              <a:t>若為寫時</a:t>
+            </a:r>
+            <a:r>
+              <a:rPr lang="en-US" altLang="zh-TW" dirty="0" err="1"/>
+              <a:t>write_done</a:t>
+            </a:r>
+            <a:r>
+              <a:rPr lang="en-US" altLang="zh-TW" dirty="0"/>
+              <a:t> = 0</a:t>
+            </a:r>
+          </a:p>
+          <a:p>
+            <a:pPr marL="285750" indent="-285750">
+              <a:buFont typeface="Arial" panose="020B0604020202020204" pitchFamily="34" charset="0"/>
+              <a:buChar char="•"/>
+            </a:pPr>
+            <a:r>
+              <a:rPr lang="en-US" altLang="zh-TW" dirty="0" err="1"/>
+              <a:t>i_drdy</a:t>
+            </a:r>
+            <a:r>
+              <a:rPr lang="en-US" altLang="zh-TW" dirty="0"/>
+              <a:t> or </a:t>
+            </a:r>
+            <a:r>
+              <a:rPr lang="en-US" altLang="zh-TW" dirty="0" err="1"/>
+              <a:t>i_enable</a:t>
+            </a:r>
+            <a:r>
+              <a:rPr lang="en-US" altLang="zh-TW" dirty="0"/>
+              <a:t> </a:t>
+            </a:r>
+            <a:r>
+              <a:rPr lang="zh-TW" altLang="en-US" dirty="0"/>
+              <a:t>任一訊號</a:t>
+            </a:r>
+            <a:r>
+              <a:rPr lang="en-US" altLang="zh-TW" dirty="0"/>
+              <a:t>H</a:t>
+            </a:r>
+            <a:r>
+              <a:rPr lang="zh-TW" altLang="en-US" dirty="0"/>
+              <a:t>時都會啟動狀態機</a:t>
+            </a:r>
+          </a:p>
+        </p:txBody>
+      </p:sp>
+      <p:pic>
+        <p:nvPicPr>
+          <p:cNvPr id="4" name="圖片 3">
+            <a:extLst>
+              <a:ext uri="{FF2B5EF4-FFF2-40B4-BE49-F238E27FC236}">
+                <a16:creationId xmlns:a16="http://schemas.microsoft.com/office/drawing/2014/main" id="{3493E583-F750-91C8-F059-846D17008261}"/>
+              </a:ext>
+            </a:extLst>
+          </p:cNvPr>
+          <p:cNvPicPr>
+            <a:picLocks noChangeAspect="1"/>
+          </p:cNvPicPr>
+          <p:nvPr/>
+        </p:nvPicPr>
+        <p:blipFill>
+          <a:blip r:embed="rId2"/>
+          <a:stretch>
+            <a:fillRect/>
+          </a:stretch>
+        </p:blipFill>
+        <p:spPr>
+          <a:xfrm>
+            <a:off x="874547" y="2055344"/>
+            <a:ext cx="4439270" cy="2562583"/>
+          </a:xfrm>
+          <a:prstGeom prst="rect">
+            <a:avLst/>
+          </a:prstGeom>
+        </p:spPr>
+      </p:pic>
+    </p:spTree>
+    <p:extLst>
+      <p:ext uri="{BB962C8B-B14F-4D97-AF65-F5344CB8AC3E}">
+        <p14:creationId xmlns:p14="http://schemas.microsoft.com/office/powerpoint/2010/main" val="2260986826"/>
+      </p:ext>
+    </p:extLst>
+  </p:cSld>
+  <p:clrMapOvr>
+    <a:masterClrMapping/>
+  </p:clrMapOvr>
+</p:sld>
+</file>
+
+<file path=ppt/slides/slide8.xml><?xml version="1.0" encoding="utf-8"?>
+<p:sld xmlns:a="http://schemas.openxmlformats.org/drawingml/2006/main" xmlns:r="http://schemas.openxmlformats.org/officeDocument/2006/relationships" xmlns:p="http://schemas.openxmlformats.org/presentationml/2006/main">
+  <p:cSld>
+    <p:spTree>
+      <p:nvGrpSpPr>
+        <p:cNvPr id="1" name="">
+          <a:extLst>
+            <a:ext uri="{FF2B5EF4-FFF2-40B4-BE49-F238E27FC236}">
+              <a16:creationId xmlns:a16="http://schemas.microsoft.com/office/drawing/2014/main" id="{3FF54C88-65D0-6364-F132-5B8F54D22981}"/>
+            </a:ext>
+          </a:extLst>
+        </p:cNvPr>
+        <p:cNvGrpSpPr/>
+        <p:nvPr/>
+      </p:nvGrpSpPr>
+      <p:grpSpPr>
+        <a:xfrm>
+          <a:off x="0" y="0"/>
+          <a:ext cx="0" cy="0"/>
+          <a:chOff x="0" y="0"/>
+          <a:chExt cx="0" cy="0"/>
+        </a:xfrm>
+      </p:grpSpPr>
+    </p:spTree>
+    <p:extLst>
+      <p:ext uri="{BB962C8B-B14F-4D97-AF65-F5344CB8AC3E}">
+        <p14:creationId xmlns:p14="http://schemas.microsoft.com/office/powerpoint/2010/main" val="2109628356"/>
+      </p:ext>
+    </p:extLst>
+  </p:cSld>
+  <p:clrMapOvr>
+    <a:masterClrMapping/>
+  </p:clrMapOvr>
+</p:sld>
+</file>
+
+<file path=ppt/slides/slide9.xml><?xml version="1.0" encoding="utf-8"?>
+<p:sld xmlns:a="http://schemas.openxmlformats.org/drawingml/2006/main" xmlns:r="http://schemas.openxmlformats.org/officeDocument/2006/relationships" xmlns:p="http://schemas.openxmlformats.org/presentationml/2006/main">
+  <p:cSld>
+    <p:spTree>
+      <p:nvGrpSpPr>
+        <p:cNvPr id="1" name="">
+          <a:extLst>
+            <a:ext uri="{FF2B5EF4-FFF2-40B4-BE49-F238E27FC236}">
+              <a16:creationId xmlns:a16="http://schemas.microsoft.com/office/drawing/2014/main" id="{2A3B72D0-A2BF-82C7-C26D-45F4E3DD4378}"/>
+            </a:ext>
+          </a:extLst>
+        </p:cNvPr>
+        <p:cNvGrpSpPr/>
+        <p:nvPr/>
+      </p:nvGrpSpPr>
+      <p:grpSpPr>
+        <a:xfrm>
+          <a:off x="0" y="0"/>
+          <a:ext cx="0" cy="0"/>
+          <a:chOff x="0" y="0"/>
+          <a:chExt cx="0" cy="0"/>
+        </a:xfrm>
+      </p:grpSpPr>
+    </p:spTree>
+    <p:extLst>
+      <p:ext uri="{BB962C8B-B14F-4D97-AF65-F5344CB8AC3E}">
+        <p14:creationId xmlns:p14="http://schemas.microsoft.com/office/powerpoint/2010/main" val="1412053104"/>
       </p:ext>
     </p:extLst>
   </p:cSld>
